--- a/11+汤政（修改）.pptx
+++ b/11+汤政（修改）.pptx
@@ -5,16 +5,17 @@
     <p:sldMasterId id="2147483663" r:id="rId1"/>
   </p:sldMasterIdLst>
   <p:notesMasterIdLst>
-    <p:notesMasterId r:id="rId9"/>
+    <p:notesMasterId r:id="rId10"/>
   </p:notesMasterIdLst>
   <p:sldIdLst>
     <p:sldId id="270" r:id="rId2"/>
     <p:sldId id="287" r:id="rId3"/>
     <p:sldId id="314" r:id="rId4"/>
-    <p:sldId id="318" r:id="rId5"/>
-    <p:sldId id="317" r:id="rId6"/>
-    <p:sldId id="319" r:id="rId7"/>
-    <p:sldId id="275" r:id="rId8"/>
+    <p:sldId id="320" r:id="rId5"/>
+    <p:sldId id="318" r:id="rId6"/>
+    <p:sldId id="317" r:id="rId7"/>
+    <p:sldId id="319" r:id="rId8"/>
+    <p:sldId id="275" r:id="rId9"/>
   </p:sldIdLst>
   <p:sldSz cx="9144000" cy="6858000" type="screen4x3"/>
   <p:notesSz cx="6858000" cy="9144000"/>
@@ -742,7 +743,7 @@
               <a:pPr>
                 <a:defRPr/>
               </a:pPr>
-              <a:t>7</a:t>
+              <a:t>8</a:t>
             </a:fld>
             <a:endParaRPr lang="zh-CN" altLang="en-US">
               <a:solidFill>
@@ -7257,7 +7258,7 @@
         </p:nvSpPr>
         <p:spPr bwMode="auto">
           <a:xfrm>
-            <a:off x="3308490" y="3666515"/>
+            <a:off x="3322863" y="3654074"/>
             <a:ext cx="1021284" cy="1027886"/>
           </a:xfrm>
           <a:prstGeom prst="ellipse">
@@ -7741,7 +7742,7 @@
         </p:nvSpPr>
         <p:spPr>
           <a:xfrm>
-            <a:off x="3631724" y="3866366"/>
+            <a:off x="3577392" y="3951719"/>
             <a:ext cx="466265" cy="432595"/>
           </a:xfrm>
           <a:custGeom>
@@ -8166,7 +8167,7 @@
         </p:nvSpPr>
         <p:spPr>
           <a:xfrm>
-            <a:off x="813920" y="2455730"/>
+            <a:off x="785389" y="2516588"/>
             <a:ext cx="466554" cy="432576"/>
           </a:xfrm>
           <a:custGeom>
@@ -9092,7 +9093,7 @@
                 <a:latin typeface="微软雅黑" panose="020B0503020204020204" pitchFamily="34" charset="-122"/>
                 <a:ea typeface="微软雅黑" panose="020B0503020204020204" pitchFamily="34" charset="-122"/>
               </a:rPr>
-              <a:t>对公司的改善建议及改善方案</a:t>
+              <a:t>对公司的改善建议</a:t>
             </a:r>
           </a:p>
         </p:txBody>
@@ -9503,15 +9504,6 @@
               <a:headEnd/>
               <a:tailEnd/>
             </a:ln>
-            <a:extLst>
-              <a:ext uri="{909E8E84-426E-40DD-AFC4-6F175D3DCCD1}">
-                <a14:hiddenFill xmlns:a14="http://schemas.microsoft.com/office/drawing/2010/main">
-                  <a:solidFill>
-                    <a:srgbClr val="FFFFFF"/>
-                  </a:solidFill>
-                </a14:hiddenFill>
-              </a:ext>
-            </a:extLst>
           </p:spPr>
           <p:txBody>
             <a:bodyPr lIns="0" tIns="0" rIns="0" bIns="0" anchor="ctr">
@@ -17358,9 +17350,6 @@
                     <p:cTn id="3" fill="hold">
                       <p:stCondLst>
                         <p:cond delay="indefinite"/>
-                        <p:cond evt="onBegin" delay="0">
-                          <p:tn val="2"/>
-                        </p:cond>
                       </p:stCondLst>
                       <p:childTnLst>
                         <p:par>
@@ -17370,7 +17359,7 @@
                             </p:stCondLst>
                             <p:childTnLst>
                               <p:par>
-                                <p:cTn id="5" presetID="22" presetClass="entr" presetSubtype="8" fill="hold" nodeType="withEffect">
+                                <p:cTn id="5" presetID="42" presetClass="entr" presetSubtype="0" fill="hold" nodeType="clickEffect">
                                   <p:stCondLst>
                                     <p:cond delay="0"/>
                                   </p:stCondLst>
@@ -17378,50 +17367,6 @@
                                     <p:set>
                                       <p:cBhvr>
                                         <p:cTn id="6" dur="1" fill="hold">
-                                          <p:stCondLst>
-                                            <p:cond delay="0"/>
-                                          </p:stCondLst>
-                                        </p:cTn>
-                                        <p:tgtEl>
-                                          <p:spTgt spid="121"/>
-                                        </p:tgtEl>
-                                        <p:attrNameLst>
-                                          <p:attrName>style.visibility</p:attrName>
-                                        </p:attrNameLst>
-                                      </p:cBhvr>
-                                      <p:to>
-                                        <p:strVal val="visible"/>
-                                      </p:to>
-                                    </p:set>
-                                    <p:animEffect transition="in" filter="wipe(left)">
-                                      <p:cBhvr>
-                                        <p:cTn id="7" dur="500"/>
-                                        <p:tgtEl>
-                                          <p:spTgt spid="121"/>
-                                        </p:tgtEl>
-                                      </p:cBhvr>
-                                    </p:animEffect>
-                                  </p:childTnLst>
-                                </p:cTn>
-                              </p:par>
-                            </p:childTnLst>
-                          </p:cTn>
-                        </p:par>
-                        <p:par>
-                          <p:cTn id="8" fill="hold">
-                            <p:stCondLst>
-                              <p:cond delay="500"/>
-                            </p:stCondLst>
-                            <p:childTnLst>
-                              <p:par>
-                                <p:cTn id="9" presetID="42" presetClass="entr" presetSubtype="0" fill="hold" nodeType="afterEffect">
-                                  <p:stCondLst>
-                                    <p:cond delay="0"/>
-                                  </p:stCondLst>
-                                  <p:childTnLst>
-                                    <p:set>
-                                      <p:cBhvr>
-                                        <p:cTn id="10" dur="1" fill="hold">
                                           <p:stCondLst>
                                             <p:cond delay="0"/>
                                           </p:stCondLst>
@@ -17439,7 +17384,7 @@
                                     </p:set>
                                     <p:animEffect transition="in" filter="fade">
                                       <p:cBhvr>
-                                        <p:cTn id="11" dur="1000"/>
+                                        <p:cTn id="7" dur="1000"/>
                                         <p:tgtEl>
                                           <p:spTgt spid="125"/>
                                         </p:tgtEl>
@@ -17447,7 +17392,7 @@
                                     </p:animEffect>
                                     <p:anim calcmode="lin" valueType="num">
                                       <p:cBhvr>
-                                        <p:cTn id="12" dur="1000" fill="hold"/>
+                                        <p:cTn id="8" dur="1000" fill="hold"/>
                                         <p:tgtEl>
                                           <p:spTgt spid="125"/>
                                         </p:tgtEl>
@@ -17470,9 +17415,576 @@
                                     </p:anim>
                                     <p:anim calcmode="lin" valueType="num">
                                       <p:cBhvr>
+                                        <p:cTn id="9" dur="1000" fill="hold"/>
+                                        <p:tgtEl>
+                                          <p:spTgt spid="125"/>
+                                        </p:tgtEl>
+                                        <p:attrNameLst>
+                                          <p:attrName>ppt_y</p:attrName>
+                                        </p:attrNameLst>
+                                      </p:cBhvr>
+                                      <p:tavLst>
+                                        <p:tav tm="0">
+                                          <p:val>
+                                            <p:strVal val="#ppt_y+.1"/>
+                                          </p:val>
+                                        </p:tav>
+                                        <p:tav tm="100000">
+                                          <p:val>
+                                            <p:strVal val="#ppt_y"/>
+                                          </p:val>
+                                        </p:tav>
+                                      </p:tavLst>
+                                    </p:anim>
+                                  </p:childTnLst>
+                                </p:cTn>
+                              </p:par>
+                              <p:par>
+                                <p:cTn id="10" presetID="42" presetClass="entr" presetSubtype="0" fill="hold" grpId="0" nodeType="withEffect">
+                                  <p:stCondLst>
+                                    <p:cond delay="0"/>
+                                  </p:stCondLst>
+                                  <p:childTnLst>
+                                    <p:set>
+                                      <p:cBhvr>
+                                        <p:cTn id="11" dur="1" fill="hold">
+                                          <p:stCondLst>
+                                            <p:cond delay="0"/>
+                                          </p:stCondLst>
+                                        </p:cTn>
+                                        <p:tgtEl>
+                                          <p:spTgt spid="179"/>
+                                        </p:tgtEl>
+                                        <p:attrNameLst>
+                                          <p:attrName>style.visibility</p:attrName>
+                                        </p:attrNameLst>
+                                      </p:cBhvr>
+                                      <p:to>
+                                        <p:strVal val="visible"/>
+                                      </p:to>
+                                    </p:set>
+                                    <p:animEffect transition="in" filter="fade">
+                                      <p:cBhvr>
+                                        <p:cTn id="12" dur="1000"/>
+                                        <p:tgtEl>
+                                          <p:spTgt spid="179"/>
+                                        </p:tgtEl>
+                                      </p:cBhvr>
+                                    </p:animEffect>
+                                    <p:anim calcmode="lin" valueType="num">
+                                      <p:cBhvr>
                                         <p:cTn id="13" dur="1000" fill="hold"/>
                                         <p:tgtEl>
-                                          <p:spTgt spid="125"/>
+                                          <p:spTgt spid="179"/>
+                                        </p:tgtEl>
+                                        <p:attrNameLst>
+                                          <p:attrName>ppt_x</p:attrName>
+                                        </p:attrNameLst>
+                                      </p:cBhvr>
+                                      <p:tavLst>
+                                        <p:tav tm="0">
+                                          <p:val>
+                                            <p:strVal val="#ppt_x"/>
+                                          </p:val>
+                                        </p:tav>
+                                        <p:tav tm="100000">
+                                          <p:val>
+                                            <p:strVal val="#ppt_x"/>
+                                          </p:val>
+                                        </p:tav>
+                                      </p:tavLst>
+                                    </p:anim>
+                                    <p:anim calcmode="lin" valueType="num">
+                                      <p:cBhvr>
+                                        <p:cTn id="14" dur="1000" fill="hold"/>
+                                        <p:tgtEl>
+                                          <p:spTgt spid="179"/>
+                                        </p:tgtEl>
+                                        <p:attrNameLst>
+                                          <p:attrName>ppt_y</p:attrName>
+                                        </p:attrNameLst>
+                                      </p:cBhvr>
+                                      <p:tavLst>
+                                        <p:tav tm="0">
+                                          <p:val>
+                                            <p:strVal val="#ppt_y+.1"/>
+                                          </p:val>
+                                        </p:tav>
+                                        <p:tav tm="100000">
+                                          <p:val>
+                                            <p:strVal val="#ppt_y"/>
+                                          </p:val>
+                                        </p:tav>
+                                      </p:tavLst>
+                                    </p:anim>
+                                  </p:childTnLst>
+                                </p:cTn>
+                              </p:par>
+                              <p:par>
+                                <p:cTn id="15" presetID="42" presetClass="entr" presetSubtype="0" fill="hold" grpId="0" nodeType="withEffect">
+                                  <p:stCondLst>
+                                    <p:cond delay="0"/>
+                                  </p:stCondLst>
+                                  <p:childTnLst>
+                                    <p:set>
+                                      <p:cBhvr>
+                                        <p:cTn id="16" dur="1" fill="hold">
+                                          <p:stCondLst>
+                                            <p:cond delay="0"/>
+                                          </p:stCondLst>
+                                        </p:cTn>
+                                        <p:tgtEl>
+                                          <p:spTgt spid="181"/>
+                                        </p:tgtEl>
+                                        <p:attrNameLst>
+                                          <p:attrName>style.visibility</p:attrName>
+                                        </p:attrNameLst>
+                                      </p:cBhvr>
+                                      <p:to>
+                                        <p:strVal val="visible"/>
+                                      </p:to>
+                                    </p:set>
+                                    <p:animEffect transition="in" filter="fade">
+                                      <p:cBhvr>
+                                        <p:cTn id="17" dur="1000"/>
+                                        <p:tgtEl>
+                                          <p:spTgt spid="181"/>
+                                        </p:tgtEl>
+                                      </p:cBhvr>
+                                    </p:animEffect>
+                                    <p:anim calcmode="lin" valueType="num">
+                                      <p:cBhvr>
+                                        <p:cTn id="18" dur="1000" fill="hold"/>
+                                        <p:tgtEl>
+                                          <p:spTgt spid="181"/>
+                                        </p:tgtEl>
+                                        <p:attrNameLst>
+                                          <p:attrName>ppt_x</p:attrName>
+                                        </p:attrNameLst>
+                                      </p:cBhvr>
+                                      <p:tavLst>
+                                        <p:tav tm="0">
+                                          <p:val>
+                                            <p:strVal val="#ppt_x"/>
+                                          </p:val>
+                                        </p:tav>
+                                        <p:tav tm="100000">
+                                          <p:val>
+                                            <p:strVal val="#ppt_x"/>
+                                          </p:val>
+                                        </p:tav>
+                                      </p:tavLst>
+                                    </p:anim>
+                                    <p:anim calcmode="lin" valueType="num">
+                                      <p:cBhvr>
+                                        <p:cTn id="19" dur="1000" fill="hold"/>
+                                        <p:tgtEl>
+                                          <p:spTgt spid="181"/>
+                                        </p:tgtEl>
+                                        <p:attrNameLst>
+                                          <p:attrName>ppt_y</p:attrName>
+                                        </p:attrNameLst>
+                                      </p:cBhvr>
+                                      <p:tavLst>
+                                        <p:tav tm="0">
+                                          <p:val>
+                                            <p:strVal val="#ppt_y+.1"/>
+                                          </p:val>
+                                        </p:tav>
+                                        <p:tav tm="100000">
+                                          <p:val>
+                                            <p:strVal val="#ppt_y"/>
+                                          </p:val>
+                                        </p:tav>
+                                      </p:tavLst>
+                                    </p:anim>
+                                  </p:childTnLst>
+                                </p:cTn>
+                              </p:par>
+                              <p:par>
+                                <p:cTn id="20" presetID="42" presetClass="entr" presetSubtype="0" fill="hold" grpId="0" nodeType="withEffect">
+                                  <p:stCondLst>
+                                    <p:cond delay="0"/>
+                                  </p:stCondLst>
+                                  <p:childTnLst>
+                                    <p:set>
+                                      <p:cBhvr>
+                                        <p:cTn id="21" dur="1" fill="hold">
+                                          <p:stCondLst>
+                                            <p:cond delay="0"/>
+                                          </p:stCondLst>
+                                        </p:cTn>
+                                        <p:tgtEl>
+                                          <p:spTgt spid="182"/>
+                                        </p:tgtEl>
+                                        <p:attrNameLst>
+                                          <p:attrName>style.visibility</p:attrName>
+                                        </p:attrNameLst>
+                                      </p:cBhvr>
+                                      <p:to>
+                                        <p:strVal val="visible"/>
+                                      </p:to>
+                                    </p:set>
+                                    <p:animEffect transition="in" filter="fade">
+                                      <p:cBhvr>
+                                        <p:cTn id="22" dur="1000"/>
+                                        <p:tgtEl>
+                                          <p:spTgt spid="182"/>
+                                        </p:tgtEl>
+                                      </p:cBhvr>
+                                    </p:animEffect>
+                                    <p:anim calcmode="lin" valueType="num">
+                                      <p:cBhvr>
+                                        <p:cTn id="23" dur="1000" fill="hold"/>
+                                        <p:tgtEl>
+                                          <p:spTgt spid="182"/>
+                                        </p:tgtEl>
+                                        <p:attrNameLst>
+                                          <p:attrName>ppt_x</p:attrName>
+                                        </p:attrNameLst>
+                                      </p:cBhvr>
+                                      <p:tavLst>
+                                        <p:tav tm="0">
+                                          <p:val>
+                                            <p:strVal val="#ppt_x"/>
+                                          </p:val>
+                                        </p:tav>
+                                        <p:tav tm="100000">
+                                          <p:val>
+                                            <p:strVal val="#ppt_x"/>
+                                          </p:val>
+                                        </p:tav>
+                                      </p:tavLst>
+                                    </p:anim>
+                                    <p:anim calcmode="lin" valueType="num">
+                                      <p:cBhvr>
+                                        <p:cTn id="24" dur="1000" fill="hold"/>
+                                        <p:tgtEl>
+                                          <p:spTgt spid="182"/>
+                                        </p:tgtEl>
+                                        <p:attrNameLst>
+                                          <p:attrName>ppt_y</p:attrName>
+                                        </p:attrNameLst>
+                                      </p:cBhvr>
+                                      <p:tavLst>
+                                        <p:tav tm="0">
+                                          <p:val>
+                                            <p:strVal val="#ppt_y+.1"/>
+                                          </p:val>
+                                        </p:tav>
+                                        <p:tav tm="100000">
+                                          <p:val>
+                                            <p:strVal val="#ppt_y"/>
+                                          </p:val>
+                                        </p:tav>
+                                      </p:tavLst>
+                                    </p:anim>
+                                  </p:childTnLst>
+                                </p:cTn>
+                              </p:par>
+                              <p:par>
+                                <p:cTn id="25" presetID="42" presetClass="entr" presetSubtype="0" fill="hold" grpId="0" nodeType="withEffect">
+                                  <p:stCondLst>
+                                    <p:cond delay="0"/>
+                                  </p:stCondLst>
+                                  <p:childTnLst>
+                                    <p:set>
+                                      <p:cBhvr>
+                                        <p:cTn id="26" dur="1" fill="hold">
+                                          <p:stCondLst>
+                                            <p:cond delay="0"/>
+                                          </p:stCondLst>
+                                        </p:cTn>
+                                        <p:tgtEl>
+                                          <p:spTgt spid="183"/>
+                                        </p:tgtEl>
+                                        <p:attrNameLst>
+                                          <p:attrName>style.visibility</p:attrName>
+                                        </p:attrNameLst>
+                                      </p:cBhvr>
+                                      <p:to>
+                                        <p:strVal val="visible"/>
+                                      </p:to>
+                                    </p:set>
+                                    <p:animEffect transition="in" filter="fade">
+                                      <p:cBhvr>
+                                        <p:cTn id="27" dur="1000"/>
+                                        <p:tgtEl>
+                                          <p:spTgt spid="183"/>
+                                        </p:tgtEl>
+                                      </p:cBhvr>
+                                    </p:animEffect>
+                                    <p:anim calcmode="lin" valueType="num">
+                                      <p:cBhvr>
+                                        <p:cTn id="28" dur="1000" fill="hold"/>
+                                        <p:tgtEl>
+                                          <p:spTgt spid="183"/>
+                                        </p:tgtEl>
+                                        <p:attrNameLst>
+                                          <p:attrName>ppt_x</p:attrName>
+                                        </p:attrNameLst>
+                                      </p:cBhvr>
+                                      <p:tavLst>
+                                        <p:tav tm="0">
+                                          <p:val>
+                                            <p:strVal val="#ppt_x"/>
+                                          </p:val>
+                                        </p:tav>
+                                        <p:tav tm="100000">
+                                          <p:val>
+                                            <p:strVal val="#ppt_x"/>
+                                          </p:val>
+                                        </p:tav>
+                                      </p:tavLst>
+                                    </p:anim>
+                                    <p:anim calcmode="lin" valueType="num">
+                                      <p:cBhvr>
+                                        <p:cTn id="29" dur="1000" fill="hold"/>
+                                        <p:tgtEl>
+                                          <p:spTgt spid="183"/>
+                                        </p:tgtEl>
+                                        <p:attrNameLst>
+                                          <p:attrName>ppt_y</p:attrName>
+                                        </p:attrNameLst>
+                                      </p:cBhvr>
+                                      <p:tavLst>
+                                        <p:tav tm="0">
+                                          <p:val>
+                                            <p:strVal val="#ppt_y+.1"/>
+                                          </p:val>
+                                        </p:tav>
+                                        <p:tav tm="100000">
+                                          <p:val>
+                                            <p:strVal val="#ppt_y"/>
+                                          </p:val>
+                                        </p:tav>
+                                      </p:tavLst>
+                                    </p:anim>
+                                  </p:childTnLst>
+                                </p:cTn>
+                              </p:par>
+                              <p:par>
+                                <p:cTn id="30" presetID="42" presetClass="entr" presetSubtype="0" fill="hold" grpId="0" nodeType="withEffect">
+                                  <p:stCondLst>
+                                    <p:cond delay="0"/>
+                                  </p:stCondLst>
+                                  <p:childTnLst>
+                                    <p:set>
+                                      <p:cBhvr>
+                                        <p:cTn id="31" dur="1" fill="hold">
+                                          <p:stCondLst>
+                                            <p:cond delay="0"/>
+                                          </p:stCondLst>
+                                        </p:cTn>
+                                        <p:tgtEl>
+                                          <p:spTgt spid="184"/>
+                                        </p:tgtEl>
+                                        <p:attrNameLst>
+                                          <p:attrName>style.visibility</p:attrName>
+                                        </p:attrNameLst>
+                                      </p:cBhvr>
+                                      <p:to>
+                                        <p:strVal val="visible"/>
+                                      </p:to>
+                                    </p:set>
+                                    <p:animEffect transition="in" filter="fade">
+                                      <p:cBhvr>
+                                        <p:cTn id="32" dur="1000"/>
+                                        <p:tgtEl>
+                                          <p:spTgt spid="184"/>
+                                        </p:tgtEl>
+                                      </p:cBhvr>
+                                    </p:animEffect>
+                                    <p:anim calcmode="lin" valueType="num">
+                                      <p:cBhvr>
+                                        <p:cTn id="33" dur="1000" fill="hold"/>
+                                        <p:tgtEl>
+                                          <p:spTgt spid="184"/>
+                                        </p:tgtEl>
+                                        <p:attrNameLst>
+                                          <p:attrName>ppt_x</p:attrName>
+                                        </p:attrNameLst>
+                                      </p:cBhvr>
+                                      <p:tavLst>
+                                        <p:tav tm="0">
+                                          <p:val>
+                                            <p:strVal val="#ppt_x"/>
+                                          </p:val>
+                                        </p:tav>
+                                        <p:tav tm="100000">
+                                          <p:val>
+                                            <p:strVal val="#ppt_x"/>
+                                          </p:val>
+                                        </p:tav>
+                                      </p:tavLst>
+                                    </p:anim>
+                                    <p:anim calcmode="lin" valueType="num">
+                                      <p:cBhvr>
+                                        <p:cTn id="34" dur="1000" fill="hold"/>
+                                        <p:tgtEl>
+                                          <p:spTgt spid="184"/>
+                                        </p:tgtEl>
+                                        <p:attrNameLst>
+                                          <p:attrName>ppt_y</p:attrName>
+                                        </p:attrNameLst>
+                                      </p:cBhvr>
+                                      <p:tavLst>
+                                        <p:tav tm="0">
+                                          <p:val>
+                                            <p:strVal val="#ppt_y+.1"/>
+                                          </p:val>
+                                        </p:tav>
+                                        <p:tav tm="100000">
+                                          <p:val>
+                                            <p:strVal val="#ppt_y"/>
+                                          </p:val>
+                                        </p:tav>
+                                      </p:tavLst>
+                                    </p:anim>
+                                  </p:childTnLst>
+                                </p:cTn>
+                              </p:par>
+                              <p:par>
+                                <p:cTn id="35" presetID="42" presetClass="entr" presetSubtype="0" fill="hold" grpId="0" nodeType="withEffect">
+                                  <p:stCondLst>
+                                    <p:cond delay="0"/>
+                                  </p:stCondLst>
+                                  <p:childTnLst>
+                                    <p:set>
+                                      <p:cBhvr>
+                                        <p:cTn id="36" dur="1" fill="hold">
+                                          <p:stCondLst>
+                                            <p:cond delay="0"/>
+                                          </p:stCondLst>
+                                        </p:cTn>
+                                        <p:tgtEl>
+                                          <p:spTgt spid="186"/>
+                                        </p:tgtEl>
+                                        <p:attrNameLst>
+                                          <p:attrName>style.visibility</p:attrName>
+                                        </p:attrNameLst>
+                                      </p:cBhvr>
+                                      <p:to>
+                                        <p:strVal val="visible"/>
+                                      </p:to>
+                                    </p:set>
+                                    <p:animEffect transition="in" filter="fade">
+                                      <p:cBhvr>
+                                        <p:cTn id="37" dur="1000"/>
+                                        <p:tgtEl>
+                                          <p:spTgt spid="186"/>
+                                        </p:tgtEl>
+                                      </p:cBhvr>
+                                    </p:animEffect>
+                                    <p:anim calcmode="lin" valueType="num">
+                                      <p:cBhvr>
+                                        <p:cTn id="38" dur="1000" fill="hold"/>
+                                        <p:tgtEl>
+                                          <p:spTgt spid="186"/>
+                                        </p:tgtEl>
+                                        <p:attrNameLst>
+                                          <p:attrName>ppt_x</p:attrName>
+                                        </p:attrNameLst>
+                                      </p:cBhvr>
+                                      <p:tavLst>
+                                        <p:tav tm="0">
+                                          <p:val>
+                                            <p:strVal val="#ppt_x"/>
+                                          </p:val>
+                                        </p:tav>
+                                        <p:tav tm="100000">
+                                          <p:val>
+                                            <p:strVal val="#ppt_x"/>
+                                          </p:val>
+                                        </p:tav>
+                                      </p:tavLst>
+                                    </p:anim>
+                                    <p:anim calcmode="lin" valueType="num">
+                                      <p:cBhvr>
+                                        <p:cTn id="39" dur="1000" fill="hold"/>
+                                        <p:tgtEl>
+                                          <p:spTgt spid="186"/>
+                                        </p:tgtEl>
+                                        <p:attrNameLst>
+                                          <p:attrName>ppt_y</p:attrName>
+                                        </p:attrNameLst>
+                                      </p:cBhvr>
+                                      <p:tavLst>
+                                        <p:tav tm="0">
+                                          <p:val>
+                                            <p:strVal val="#ppt_y+.1"/>
+                                          </p:val>
+                                        </p:tav>
+                                        <p:tav tm="100000">
+                                          <p:val>
+                                            <p:strVal val="#ppt_y"/>
+                                          </p:val>
+                                        </p:tav>
+                                      </p:tavLst>
+                                    </p:anim>
+                                  </p:childTnLst>
+                                </p:cTn>
+                              </p:par>
+                              <p:par>
+                                <p:cTn id="40" presetID="42" presetClass="entr" presetSubtype="0" fill="hold" grpId="0" nodeType="withEffect">
+                                  <p:stCondLst>
+                                    <p:cond delay="0"/>
+                                  </p:stCondLst>
+                                  <p:childTnLst>
+                                    <p:set>
+                                      <p:cBhvr>
+                                        <p:cTn id="41" dur="1" fill="hold">
+                                          <p:stCondLst>
+                                            <p:cond delay="0"/>
+                                          </p:stCondLst>
+                                        </p:cTn>
+                                        <p:tgtEl>
+                                          <p:spTgt spid="187"/>
+                                        </p:tgtEl>
+                                        <p:attrNameLst>
+                                          <p:attrName>style.visibility</p:attrName>
+                                        </p:attrNameLst>
+                                      </p:cBhvr>
+                                      <p:to>
+                                        <p:strVal val="visible"/>
+                                      </p:to>
+                                    </p:set>
+                                    <p:animEffect transition="in" filter="fade">
+                                      <p:cBhvr>
+                                        <p:cTn id="42" dur="1000"/>
+                                        <p:tgtEl>
+                                          <p:spTgt spid="187"/>
+                                        </p:tgtEl>
+                                      </p:cBhvr>
+                                    </p:animEffect>
+                                    <p:anim calcmode="lin" valueType="num">
+                                      <p:cBhvr>
+                                        <p:cTn id="43" dur="1000" fill="hold"/>
+                                        <p:tgtEl>
+                                          <p:spTgt spid="187"/>
+                                        </p:tgtEl>
+                                        <p:attrNameLst>
+                                          <p:attrName>ppt_x</p:attrName>
+                                        </p:attrNameLst>
+                                      </p:cBhvr>
+                                      <p:tavLst>
+                                        <p:tav tm="0">
+                                          <p:val>
+                                            <p:strVal val="#ppt_x"/>
+                                          </p:val>
+                                        </p:tav>
+                                        <p:tav tm="100000">
+                                          <p:val>
+                                            <p:strVal val="#ppt_x"/>
+                                          </p:val>
+                                        </p:tav>
+                                      </p:tavLst>
+                                    </p:anim>
+                                    <p:anim calcmode="lin" valueType="num">
+                                      <p:cBhvr>
+                                        <p:cTn id="44" dur="1000" fill="hold"/>
+                                        <p:tgtEl>
+                                          <p:spTgt spid="187"/>
                                         </p:tgtEl>
                                         <p:attrNameLst>
                                           <p:attrName>ppt_y</p:attrName>
@@ -17521,11 +18033,499 @@
         </p:cTn>
       </p:par>
     </p:tnLst>
+    <p:bldLst>
+      <p:bldP spid="179" grpId="0" animBg="1"/>
+      <p:bldP spid="181" grpId="0" animBg="1"/>
+      <p:bldP spid="182" grpId="0" animBg="1"/>
+      <p:bldP spid="183" grpId="0" animBg="1"/>
+      <p:bldP spid="184" grpId="0" animBg="1"/>
+      <p:bldP spid="186" grpId="0" animBg="1"/>
+      <p:bldP spid="187" grpId="0" animBg="1"/>
+    </p:bldLst>
   </p:timing>
 </p:sld>
 </file>
 
 <file path=ppt/slides/slide4.xml><?xml version="1.0" encoding="utf-8"?>
+<p:sld xmlns:a="http://schemas.openxmlformats.org/drawingml/2006/main" xmlns:r="http://schemas.openxmlformats.org/officeDocument/2006/relationships" xmlns:p="http://schemas.openxmlformats.org/presentationml/2006/main">
+  <p:cSld>
+    <p:spTree>
+      <p:nvGrpSpPr>
+        <p:cNvPr id="1" name=""/>
+        <p:cNvGrpSpPr/>
+        <p:nvPr/>
+      </p:nvGrpSpPr>
+      <p:grpSpPr>
+        <a:xfrm>
+          <a:off x="0" y="0"/>
+          <a:ext cx="0" cy="0"/>
+          <a:chOff x="0" y="0"/>
+          <a:chExt cx="0" cy="0"/>
+        </a:xfrm>
+      </p:grpSpPr>
+      <p:pic>
+        <p:nvPicPr>
+          <p:cNvPr id="5" name="图片 4">
+            <a:extLst>
+              <a:ext uri="{FF2B5EF4-FFF2-40B4-BE49-F238E27FC236}">
+                <a16:creationId xmlns:a16="http://schemas.microsoft.com/office/drawing/2014/main" id="{84821527-0FBD-0A41-BB44-DEB5DFDBC4B0}"/>
+              </a:ext>
+            </a:extLst>
+          </p:cNvPr>
+          <p:cNvPicPr>
+            <a:picLocks noChangeAspect="1"/>
+          </p:cNvPicPr>
+          <p:nvPr/>
+        </p:nvPicPr>
+        <p:blipFill>
+          <a:blip r:embed="rId2">
+            <a:extLst>
+              <a:ext uri="{28A0092B-C50C-407E-A947-70E740481C1C}">
+                <a14:useLocalDpi xmlns:a14="http://schemas.microsoft.com/office/drawing/2010/main" val="0"/>
+              </a:ext>
+            </a:extLst>
+          </a:blip>
+          <a:stretch>
+            <a:fillRect/>
+          </a:stretch>
+        </p:blipFill>
+        <p:spPr>
+          <a:xfrm>
+            <a:off x="72008" y="1700809"/>
+            <a:ext cx="9036496" cy="4383662"/>
+          </a:xfrm>
+          <a:prstGeom prst="rect">
+            <a:avLst/>
+          </a:prstGeom>
+        </p:spPr>
+      </p:pic>
+      <p:grpSp>
+        <p:nvGrpSpPr>
+          <p:cNvPr id="13" name="组合 12">
+            <a:extLst>
+              <a:ext uri="{FF2B5EF4-FFF2-40B4-BE49-F238E27FC236}">
+                <a16:creationId xmlns:a16="http://schemas.microsoft.com/office/drawing/2014/main" id="{B2C56E36-1D01-0A4F-B560-6F1A59E83FF9}"/>
+              </a:ext>
+            </a:extLst>
+          </p:cNvPr>
+          <p:cNvGrpSpPr/>
+          <p:nvPr/>
+        </p:nvGrpSpPr>
+        <p:grpSpPr>
+          <a:xfrm>
+            <a:off x="12610" y="268599"/>
+            <a:ext cx="8673979" cy="619906"/>
+            <a:chOff x="484029" y="697948"/>
+            <a:chExt cx="11285442" cy="629451"/>
+          </a:xfrm>
+          <a:noFill/>
+        </p:grpSpPr>
+        <p:sp>
+          <p:nvSpPr>
+            <p:cNvPr id="14" name="矩形 13">
+              <a:extLst>
+                <a:ext uri="{FF2B5EF4-FFF2-40B4-BE49-F238E27FC236}">
+                  <a16:creationId xmlns:a16="http://schemas.microsoft.com/office/drawing/2014/main" id="{B2FA28AB-059C-504D-A761-323E2D6428BC}"/>
+                </a:ext>
+              </a:extLst>
+            </p:cNvPr>
+            <p:cNvSpPr/>
+            <p:nvPr/>
+          </p:nvSpPr>
+          <p:spPr>
+            <a:xfrm flipV="1">
+              <a:off x="691558" y="1266471"/>
+              <a:ext cx="11077913" cy="46423"/>
+            </a:xfrm>
+            <a:prstGeom prst="rect">
+              <a:avLst/>
+            </a:prstGeom>
+            <a:grpFill/>
+            <a:ln w="25400" cap="flat" cmpd="sng" algn="ctr">
+              <a:noFill/>
+              <a:prstDash val="solid"/>
+            </a:ln>
+            <a:effectLst/>
+          </p:spPr>
+          <p:txBody>
+            <a:bodyPr rtlCol="0" anchor="ctr"/>
+            <a:lstStyle/>
+            <a:p>
+              <a:pPr marL="0" marR="0" lvl="0" indent="0" algn="ctr" defTabSz="914400" eaLnBrk="1" fontAlgn="auto" latinLnBrk="0" hangingPunct="1">
+                <a:lnSpc>
+                  <a:spcPct val="100000"/>
+                </a:lnSpc>
+                <a:spcBef>
+                  <a:spcPts val="0"/>
+                </a:spcBef>
+                <a:spcAft>
+                  <a:spcPts val="0"/>
+                </a:spcAft>
+                <a:buClrTx/>
+                <a:buSzTx/>
+                <a:buFontTx/>
+                <a:buNone/>
+                <a:tabLst/>
+                <a:defRPr/>
+              </a:pPr>
+              <a:endParaRPr kumimoji="0" lang="zh-CN" altLang="en-US" sz="2000" b="0" i="0" u="none" strike="noStrike" kern="0" cap="none" spc="0" normalizeH="0" baseline="0" noProof="0">
+                <a:ln>
+                  <a:noFill/>
+                </a:ln>
+                <a:solidFill>
+                  <a:srgbClr val="FFFFFF"/>
+                </a:solidFill>
+                <a:effectLst/>
+                <a:uLnTx/>
+                <a:uFillTx/>
+                <a:latin typeface="张海山锐线体简" panose="02000000000000000000" pitchFamily="2" charset="-122"/>
+                <a:ea typeface="张海山锐线体简" panose="02000000000000000000" pitchFamily="2" charset="-122"/>
+                <a:cs typeface="+mn-cs"/>
+              </a:endParaRPr>
+            </a:p>
+          </p:txBody>
+        </p:sp>
+        <p:sp>
+          <p:nvSpPr>
+            <p:cNvPr id="15" name="TextBox 8">
+              <a:extLst>
+                <a:ext uri="{FF2B5EF4-FFF2-40B4-BE49-F238E27FC236}">
+                  <a16:creationId xmlns:a16="http://schemas.microsoft.com/office/drawing/2014/main" id="{3FF437F6-B185-694C-B81D-9F462D6ECD20}"/>
+                </a:ext>
+              </a:extLst>
+            </p:cNvPr>
+            <p:cNvSpPr txBox="1">
+              <a:spLocks noChangeArrowheads="1"/>
+            </p:cNvSpPr>
+            <p:nvPr/>
+          </p:nvSpPr>
+          <p:spPr bwMode="auto">
+            <a:xfrm>
+              <a:off x="810350" y="697948"/>
+              <a:ext cx="6944061" cy="500025"/>
+            </a:xfrm>
+            <a:prstGeom prst="rect">
+              <a:avLst/>
+            </a:prstGeom>
+            <a:grpFill/>
+            <a:ln>
+              <a:noFill/>
+            </a:ln>
+            <a:extLst>
+              <a:ext uri="{91240B29-F687-4F45-9708-019B960494DF}">
+                <a14:hiddenLine xmlns:a14="http://schemas.microsoft.com/office/drawing/2010/main" w="9525">
+                  <a:solidFill>
+                    <a:srgbClr val="000000"/>
+                  </a:solidFill>
+                  <a:miter lim="800000"/>
+                  <a:headEnd/>
+                  <a:tailEnd/>
+                </a14:hiddenLine>
+              </a:ext>
+            </a:extLst>
+          </p:spPr>
+          <p:txBody>
+            <a:bodyPr wrap="square" lIns="0" tIns="0" rIns="0" bIns="0" anchor="ctr">
+              <a:spAutoFit/>
+            </a:bodyPr>
+            <a:lstStyle/>
+            <a:p>
+              <a:pPr marL="0" marR="0" lvl="0" indent="0" defTabSz="914400" eaLnBrk="1" fontAlgn="auto" latinLnBrk="0" hangingPunct="1">
+                <a:lnSpc>
+                  <a:spcPct val="100000"/>
+                </a:lnSpc>
+                <a:spcBef>
+                  <a:spcPts val="0"/>
+                </a:spcBef>
+                <a:spcAft>
+                  <a:spcPts val="0"/>
+                </a:spcAft>
+                <a:buClrTx/>
+                <a:buSzTx/>
+                <a:buFontTx/>
+                <a:buNone/>
+                <a:tabLst/>
+                <a:defRPr/>
+              </a:pPr>
+              <a:r>
+                <a:rPr kumimoji="0" lang="zh-CN" altLang="en-US" sz="3200" b="0" i="0" u="none" strike="noStrike" kern="0" cap="none" spc="0" normalizeH="0" baseline="0" noProof="0" dirty="0">
+                  <a:ln>
+                    <a:noFill/>
+                  </a:ln>
+                  <a:solidFill>
+                    <a:srgbClr val="6C7984"/>
+                  </a:solidFill>
+                  <a:effectLst/>
+                  <a:uLnTx/>
+                  <a:uFillTx/>
+                  <a:latin typeface="Microsoft YaHei" panose="020B0503020204020204" pitchFamily="34" charset="-122"/>
+                  <a:ea typeface="Microsoft YaHei" panose="020B0503020204020204" pitchFamily="34" charset="-122"/>
+                  <a:sym typeface="Arial" panose="020B0604020202020204" pitchFamily="34" charset="0"/>
+                </a:rPr>
+                <a:t>美智纵横商用机器人平台</a:t>
+              </a:r>
+            </a:p>
+          </p:txBody>
+        </p:sp>
+        <p:sp>
+          <p:nvSpPr>
+            <p:cNvPr id="16" name="TextBox 8">
+              <a:extLst>
+                <a:ext uri="{FF2B5EF4-FFF2-40B4-BE49-F238E27FC236}">
+                  <a16:creationId xmlns:a16="http://schemas.microsoft.com/office/drawing/2014/main" id="{D875CFF4-1BD8-0346-9A87-23189D5D7256}"/>
+                </a:ext>
+              </a:extLst>
+            </p:cNvPr>
+            <p:cNvSpPr txBox="1">
+              <a:spLocks noChangeArrowheads="1"/>
+            </p:cNvSpPr>
+            <p:nvPr/>
+          </p:nvSpPr>
+          <p:spPr bwMode="auto">
+            <a:xfrm>
+              <a:off x="484029" y="1108638"/>
+              <a:ext cx="3255323" cy="218761"/>
+            </a:xfrm>
+            <a:prstGeom prst="rect">
+              <a:avLst/>
+            </a:prstGeom>
+            <a:grpFill/>
+            <a:ln w="9525">
+              <a:noFill/>
+              <a:miter lim="800000"/>
+              <a:headEnd/>
+              <a:tailEnd/>
+            </a:ln>
+          </p:spPr>
+          <p:txBody>
+            <a:bodyPr lIns="0" tIns="0" rIns="0" bIns="0" anchor="ctr">
+              <a:spAutoFit/>
+            </a:bodyPr>
+            <a:lstStyle/>
+            <a:p>
+              <a:pPr marL="0" marR="0" lvl="0" indent="0" algn="ctr" defTabSz="914400" eaLnBrk="1" fontAlgn="auto" latinLnBrk="0" hangingPunct="1">
+                <a:lnSpc>
+                  <a:spcPct val="100000"/>
+                </a:lnSpc>
+                <a:spcBef>
+                  <a:spcPts val="0"/>
+                </a:spcBef>
+                <a:spcAft>
+                  <a:spcPts val="0"/>
+                </a:spcAft>
+                <a:buClrTx/>
+                <a:buSzTx/>
+                <a:buFontTx/>
+                <a:buNone/>
+                <a:tabLst/>
+                <a:defRPr/>
+              </a:pPr>
+              <a:endParaRPr kumimoji="0" lang="zh-CN" altLang="en-US" sz="1400" b="0" i="0" u="none" strike="noStrike" kern="0" cap="none" spc="0" normalizeH="0" baseline="0" noProof="0" dirty="0">
+                <a:ln>
+                  <a:noFill/>
+                </a:ln>
+                <a:solidFill>
+                  <a:srgbClr val="FFFFFF">
+                    <a:lumMod val="65000"/>
+                  </a:srgbClr>
+                </a:solidFill>
+                <a:effectLst/>
+                <a:uLnTx/>
+                <a:uFillTx/>
+                <a:latin typeface="张海山锐线体简" panose="02000000000000000000" pitchFamily="2" charset="-122"/>
+                <a:ea typeface="张海山锐线体简" panose="02000000000000000000" pitchFamily="2" charset="-122"/>
+                <a:sym typeface="Arial" panose="020B0604020202020204" pitchFamily="34" charset="0"/>
+              </a:endParaRPr>
+            </a:p>
+          </p:txBody>
+        </p:sp>
+      </p:grpSp>
+      <p:cxnSp>
+        <p:nvCxnSpPr>
+          <p:cNvPr id="17" name="直线连接符 16">
+            <a:extLst>
+              <a:ext uri="{FF2B5EF4-FFF2-40B4-BE49-F238E27FC236}">
+                <a16:creationId xmlns:a16="http://schemas.microsoft.com/office/drawing/2014/main" id="{7CDEA33B-A1FE-6843-BA7F-A05DBD05BD9D}"/>
+              </a:ext>
+            </a:extLst>
+          </p:cNvPr>
+          <p:cNvCxnSpPr>
+            <a:cxnSpLocks/>
+          </p:cNvCxnSpPr>
+          <p:nvPr/>
+        </p:nvCxnSpPr>
+        <p:spPr>
+          <a:xfrm>
+            <a:off x="915589" y="929400"/>
+            <a:ext cx="7889073" cy="1"/>
+          </a:xfrm>
+          <a:prstGeom prst="line">
+            <a:avLst/>
+          </a:prstGeom>
+          <a:ln>
+            <a:solidFill>
+              <a:srgbClr val="6C7984"/>
+            </a:solidFill>
+          </a:ln>
+        </p:spPr>
+        <p:style>
+          <a:lnRef idx="3">
+            <a:schemeClr val="accent1"/>
+          </a:lnRef>
+          <a:fillRef idx="0">
+            <a:schemeClr val="accent1"/>
+          </a:fillRef>
+          <a:effectRef idx="2">
+            <a:schemeClr val="accent1"/>
+          </a:effectRef>
+          <a:fontRef idx="minor">
+            <a:schemeClr val="tx1"/>
+          </a:fontRef>
+        </p:style>
+      </p:cxnSp>
+    </p:spTree>
+    <p:extLst>
+      <p:ext uri="{BB962C8B-B14F-4D97-AF65-F5344CB8AC3E}">
+        <p14:creationId xmlns:p14="http://schemas.microsoft.com/office/powerpoint/2010/main" val="1425193078"/>
+      </p:ext>
+    </p:extLst>
+  </p:cSld>
+  <p:clrMapOvr>
+    <a:masterClrMapping/>
+  </p:clrMapOvr>
+  <p:timing>
+    <p:tnLst>
+      <p:par>
+        <p:cTn id="1" dur="indefinite" restart="never" nodeType="tmRoot">
+          <p:childTnLst>
+            <p:seq concurrent="1" nextAc="seek">
+              <p:cTn id="2" dur="indefinite" nodeType="mainSeq">
+                <p:childTnLst>
+                  <p:par>
+                    <p:cTn id="3" fill="hold">
+                      <p:stCondLst>
+                        <p:cond delay="indefinite"/>
+                      </p:stCondLst>
+                      <p:childTnLst>
+                        <p:par>
+                          <p:cTn id="4" fill="hold">
+                            <p:stCondLst>
+                              <p:cond delay="0"/>
+                            </p:stCondLst>
+                            <p:childTnLst>
+                              <p:par>
+                                <p:cTn id="5" presetID="53" presetClass="entr" presetSubtype="16" fill="hold" nodeType="clickEffect">
+                                  <p:stCondLst>
+                                    <p:cond delay="0"/>
+                                  </p:stCondLst>
+                                  <p:childTnLst>
+                                    <p:set>
+                                      <p:cBhvr>
+                                        <p:cTn id="6" dur="1" fill="hold">
+                                          <p:stCondLst>
+                                            <p:cond delay="0"/>
+                                          </p:stCondLst>
+                                        </p:cTn>
+                                        <p:tgtEl>
+                                          <p:spTgt spid="5"/>
+                                        </p:tgtEl>
+                                        <p:attrNameLst>
+                                          <p:attrName>style.visibility</p:attrName>
+                                        </p:attrNameLst>
+                                      </p:cBhvr>
+                                      <p:to>
+                                        <p:strVal val="visible"/>
+                                      </p:to>
+                                    </p:set>
+                                    <p:anim calcmode="lin" valueType="num">
+                                      <p:cBhvr>
+                                        <p:cTn id="7" dur="500" fill="hold"/>
+                                        <p:tgtEl>
+                                          <p:spTgt spid="5"/>
+                                        </p:tgtEl>
+                                        <p:attrNameLst>
+                                          <p:attrName>ppt_w</p:attrName>
+                                        </p:attrNameLst>
+                                      </p:cBhvr>
+                                      <p:tavLst>
+                                        <p:tav tm="0">
+                                          <p:val>
+                                            <p:fltVal val="0"/>
+                                          </p:val>
+                                        </p:tav>
+                                        <p:tav tm="100000">
+                                          <p:val>
+                                            <p:strVal val="#ppt_w"/>
+                                          </p:val>
+                                        </p:tav>
+                                      </p:tavLst>
+                                    </p:anim>
+                                    <p:anim calcmode="lin" valueType="num">
+                                      <p:cBhvr>
+                                        <p:cTn id="8" dur="500" fill="hold"/>
+                                        <p:tgtEl>
+                                          <p:spTgt spid="5"/>
+                                        </p:tgtEl>
+                                        <p:attrNameLst>
+                                          <p:attrName>ppt_h</p:attrName>
+                                        </p:attrNameLst>
+                                      </p:cBhvr>
+                                      <p:tavLst>
+                                        <p:tav tm="0">
+                                          <p:val>
+                                            <p:fltVal val="0"/>
+                                          </p:val>
+                                        </p:tav>
+                                        <p:tav tm="100000">
+                                          <p:val>
+                                            <p:strVal val="#ppt_h"/>
+                                          </p:val>
+                                        </p:tav>
+                                      </p:tavLst>
+                                    </p:anim>
+                                    <p:animEffect transition="in" filter="fade">
+                                      <p:cBhvr>
+                                        <p:cTn id="9" dur="500"/>
+                                        <p:tgtEl>
+                                          <p:spTgt spid="5"/>
+                                        </p:tgtEl>
+                                      </p:cBhvr>
+                                    </p:animEffect>
+                                  </p:childTnLst>
+                                </p:cTn>
+                              </p:par>
+                            </p:childTnLst>
+                          </p:cTn>
+                        </p:par>
+                      </p:childTnLst>
+                    </p:cTn>
+                  </p:par>
+                </p:childTnLst>
+              </p:cTn>
+              <p:prevCondLst>
+                <p:cond evt="onPrev" delay="0">
+                  <p:tgtEl>
+                    <p:sldTgt/>
+                  </p:tgtEl>
+                </p:cond>
+              </p:prevCondLst>
+              <p:nextCondLst>
+                <p:cond evt="onNext" delay="0">
+                  <p:tgtEl>
+                    <p:sldTgt/>
+                  </p:tgtEl>
+                </p:cond>
+              </p:nextCondLst>
+            </p:seq>
+          </p:childTnLst>
+        </p:cTn>
+      </p:par>
+    </p:tnLst>
+  </p:timing>
+</p:sld>
+</file>
+
+<file path=ppt/slides/slide5.xml><?xml version="1.0" encoding="utf-8"?>
 <p:sld xmlns:a="http://schemas.openxmlformats.org/drawingml/2006/main" xmlns:r="http://schemas.openxmlformats.org/officeDocument/2006/relationships" xmlns:p="http://schemas.openxmlformats.org/presentationml/2006/main">
   <p:cSld>
     <p:spTree>
@@ -17747,15 +18747,6 @@
               <a:headEnd/>
               <a:tailEnd/>
             </a:ln>
-            <a:extLst>
-              <a:ext uri="{909E8E84-426E-40DD-AFC4-6F175D3DCCD1}">
-                <a14:hiddenFill xmlns:a14="http://schemas.microsoft.com/office/drawing/2010/main">
-                  <a:solidFill>
-                    <a:srgbClr val="FFFFFF"/>
-                  </a:solidFill>
-                </a14:hiddenFill>
-              </a:ext>
-            </a:extLst>
           </p:spPr>
           <p:txBody>
             <a:bodyPr lIns="0" tIns="0" rIns="0" bIns="0" anchor="ctr">
@@ -17800,49 +18791,6 @@
           </p:txBody>
         </p:sp>
       </p:grpSp>
-      <p:cxnSp>
-        <p:nvCxnSpPr>
-          <p:cNvPr id="60" name="直线连接符 59">
-            <a:extLst>
-              <a:ext uri="{FF2B5EF4-FFF2-40B4-BE49-F238E27FC236}">
-                <a16:creationId xmlns:a16="http://schemas.microsoft.com/office/drawing/2014/main" id="{44F74A7B-C84C-2343-87F5-B73CE4C89D94}"/>
-              </a:ext>
-            </a:extLst>
-          </p:cNvPr>
-          <p:cNvCxnSpPr>
-            <a:cxnSpLocks/>
-          </p:cNvCxnSpPr>
-          <p:nvPr/>
-        </p:nvCxnSpPr>
-        <p:spPr>
-          <a:xfrm>
-            <a:off x="1102448" y="955639"/>
-            <a:ext cx="7889073" cy="1"/>
-          </a:xfrm>
-          <a:prstGeom prst="line">
-            <a:avLst/>
-          </a:prstGeom>
-          <a:ln>
-            <a:solidFill>
-              <a:srgbClr val="6C7984"/>
-            </a:solidFill>
-          </a:ln>
-        </p:spPr>
-        <p:style>
-          <a:lnRef idx="3">
-            <a:schemeClr val="accent1"/>
-          </a:lnRef>
-          <a:fillRef idx="0">
-            <a:schemeClr val="accent1"/>
-          </a:fillRef>
-          <a:effectRef idx="2">
-            <a:schemeClr val="accent1"/>
-          </a:effectRef>
-          <a:fontRef idx="minor">
-            <a:schemeClr val="tx1"/>
-          </a:fontRef>
-        </p:style>
-      </p:cxnSp>
       <p:sp>
         <p:nvSpPr>
           <p:cNvPr id="61" name="圆角矩形 7">
@@ -17962,12 +18910,1062 @@
           </a:p>
         </p:txBody>
       </p:sp>
+      <p:cxnSp>
+        <p:nvCxnSpPr>
+          <p:cNvPr id="60" name="直线连接符 59">
+            <a:extLst>
+              <a:ext uri="{FF2B5EF4-FFF2-40B4-BE49-F238E27FC236}">
+                <a16:creationId xmlns:a16="http://schemas.microsoft.com/office/drawing/2014/main" id="{44F74A7B-C84C-2343-87F5-B73CE4C89D94}"/>
+              </a:ext>
+            </a:extLst>
+          </p:cNvPr>
+          <p:cNvCxnSpPr>
+            <a:cxnSpLocks/>
+          </p:cNvCxnSpPr>
+          <p:nvPr/>
+        </p:nvCxnSpPr>
+        <p:spPr>
+          <a:xfrm>
+            <a:off x="1102448" y="955639"/>
+            <a:ext cx="7889073" cy="1"/>
+          </a:xfrm>
+          <a:prstGeom prst="line">
+            <a:avLst/>
+          </a:prstGeom>
+          <a:ln>
+            <a:solidFill>
+              <a:srgbClr val="6C7984"/>
+            </a:solidFill>
+          </a:ln>
+        </p:spPr>
+        <p:style>
+          <a:lnRef idx="3">
+            <a:schemeClr val="accent1"/>
+          </a:lnRef>
+          <a:fillRef idx="0">
+            <a:schemeClr val="accent1"/>
+          </a:fillRef>
+          <a:effectRef idx="2">
+            <a:schemeClr val="accent1"/>
+          </a:effectRef>
+          <a:fontRef idx="minor">
+            <a:schemeClr val="tx1"/>
+          </a:fontRef>
+        </p:style>
+      </p:cxnSp>
+      <p:sp>
+        <p:nvSpPr>
+          <p:cNvPr id="109" name="Content Placeholder 2">
+            <a:extLst>
+              <a:ext uri="{FF2B5EF4-FFF2-40B4-BE49-F238E27FC236}">
+                <a16:creationId xmlns:a16="http://schemas.microsoft.com/office/drawing/2014/main" id="{08812881-2E1F-6640-8A2D-06ECCC919187}"/>
+              </a:ext>
+            </a:extLst>
+          </p:cNvPr>
+          <p:cNvSpPr txBox="1"/>
+          <p:nvPr/>
+        </p:nvSpPr>
+        <p:spPr>
+          <a:xfrm>
+            <a:off x="5132979" y="3317481"/>
+            <a:ext cx="671652" cy="366750"/>
+          </a:xfrm>
+          <a:prstGeom prst="rect">
+            <a:avLst/>
+          </a:prstGeom>
+          <a:noFill/>
+        </p:spPr>
+        <p:txBody>
+          <a:bodyPr vert="horz" wrap="square" lIns="91441" tIns="45720" rIns="91441" bIns="45720" rtlCol="0">
+            <a:spAutoFit/>
+          </a:bodyPr>
+          <a:lstStyle>
+            <a:lvl1pPr marL="342900" indent="-342900" algn="l" defTabSz="914400" rtl="0" eaLnBrk="1" latinLnBrk="0" hangingPunct="1">
+              <a:spcBef>
+                <a:spcPct val="20000"/>
+              </a:spcBef>
+              <a:buFont typeface="Arial" panose="020B0604020202020204" pitchFamily="34" charset="0"/>
+              <a:buChar char="•"/>
+              <a:defRPr sz="1400" kern="1200">
+                <a:solidFill>
+                  <a:schemeClr val="bg1">
+                    <a:lumMod val="65000"/>
+                  </a:schemeClr>
+                </a:solidFill>
+                <a:latin typeface="+mn-lt"/>
+                <a:ea typeface="+mn-ea"/>
+                <a:cs typeface="+mn-cs"/>
+              </a:defRPr>
+            </a:lvl1pPr>
+            <a:lvl2pPr marL="742950" indent="-285750" algn="l" defTabSz="914400" rtl="0" eaLnBrk="1" latinLnBrk="0" hangingPunct="1">
+              <a:spcBef>
+                <a:spcPct val="20000"/>
+              </a:spcBef>
+              <a:buFont typeface="Arial" panose="020B0604020202020204" pitchFamily="34" charset="0"/>
+              <a:buChar char="–"/>
+              <a:defRPr sz="1200" kern="1200">
+                <a:solidFill>
+                  <a:schemeClr val="bg1">
+                    <a:lumMod val="65000"/>
+                  </a:schemeClr>
+                </a:solidFill>
+                <a:latin typeface="+mn-lt"/>
+                <a:ea typeface="+mn-ea"/>
+                <a:cs typeface="+mn-cs"/>
+              </a:defRPr>
+            </a:lvl2pPr>
+            <a:lvl3pPr marL="1143000" indent="-228600" algn="l" defTabSz="914400" rtl="0" eaLnBrk="1" latinLnBrk="0" hangingPunct="1">
+              <a:spcBef>
+                <a:spcPct val="20000"/>
+              </a:spcBef>
+              <a:buFont typeface="Arial" panose="020B0604020202020204" pitchFamily="34" charset="0"/>
+              <a:buChar char="•"/>
+              <a:defRPr sz="1100" kern="1200">
+                <a:solidFill>
+                  <a:schemeClr val="bg1">
+                    <a:lumMod val="65000"/>
+                  </a:schemeClr>
+                </a:solidFill>
+                <a:latin typeface="+mn-lt"/>
+                <a:ea typeface="+mn-ea"/>
+                <a:cs typeface="+mn-cs"/>
+              </a:defRPr>
+            </a:lvl3pPr>
+            <a:lvl4pPr marL="1600200" indent="-228600" algn="l" defTabSz="914400" rtl="0" eaLnBrk="1" latinLnBrk="0" hangingPunct="1">
+              <a:spcBef>
+                <a:spcPct val="20000"/>
+              </a:spcBef>
+              <a:buFont typeface="Arial" panose="020B0604020202020204" pitchFamily="34" charset="0"/>
+              <a:buChar char="–"/>
+              <a:defRPr sz="1050" kern="1200">
+                <a:solidFill>
+                  <a:schemeClr val="bg1">
+                    <a:lumMod val="65000"/>
+                  </a:schemeClr>
+                </a:solidFill>
+                <a:latin typeface="+mn-lt"/>
+                <a:ea typeface="+mn-ea"/>
+                <a:cs typeface="+mn-cs"/>
+              </a:defRPr>
+            </a:lvl4pPr>
+            <a:lvl5pPr marL="2057400" indent="-228600" algn="l" defTabSz="914400" rtl="0" eaLnBrk="1" latinLnBrk="0" hangingPunct="1">
+              <a:spcBef>
+                <a:spcPct val="20000"/>
+              </a:spcBef>
+              <a:buFont typeface="Arial" panose="020B0604020202020204" pitchFamily="34" charset="0"/>
+              <a:buChar char="»"/>
+              <a:defRPr sz="1050" kern="1200">
+                <a:solidFill>
+                  <a:schemeClr val="bg1">
+                    <a:lumMod val="65000"/>
+                  </a:schemeClr>
+                </a:solidFill>
+                <a:latin typeface="+mn-lt"/>
+                <a:ea typeface="+mn-ea"/>
+                <a:cs typeface="+mn-cs"/>
+              </a:defRPr>
+            </a:lvl5pPr>
+            <a:lvl6pPr marL="2514600" indent="-228600" algn="l" defTabSz="914400" rtl="0" eaLnBrk="1" latinLnBrk="0" hangingPunct="1">
+              <a:spcBef>
+                <a:spcPct val="20000"/>
+              </a:spcBef>
+              <a:buFont typeface="Arial" panose="020B0604020202020204" pitchFamily="34" charset="0"/>
+              <a:buChar char="•"/>
+              <a:defRPr sz="2000" kern="1200">
+                <a:solidFill>
+                  <a:schemeClr val="tx1"/>
+                </a:solidFill>
+                <a:latin typeface="+mn-lt"/>
+                <a:ea typeface="+mn-ea"/>
+                <a:cs typeface="+mn-cs"/>
+              </a:defRPr>
+            </a:lvl6pPr>
+            <a:lvl7pPr marL="2971800" indent="-228600" algn="l" defTabSz="914400" rtl="0" eaLnBrk="1" latinLnBrk="0" hangingPunct="1">
+              <a:spcBef>
+                <a:spcPct val="20000"/>
+              </a:spcBef>
+              <a:buFont typeface="Arial" panose="020B0604020202020204" pitchFamily="34" charset="0"/>
+              <a:buChar char="•"/>
+              <a:defRPr sz="2000" kern="1200">
+                <a:solidFill>
+                  <a:schemeClr val="tx1"/>
+                </a:solidFill>
+                <a:latin typeface="+mn-lt"/>
+                <a:ea typeface="+mn-ea"/>
+                <a:cs typeface="+mn-cs"/>
+              </a:defRPr>
+            </a:lvl7pPr>
+            <a:lvl8pPr marL="3429000" indent="-228600" algn="l" defTabSz="914400" rtl="0" eaLnBrk="1" latinLnBrk="0" hangingPunct="1">
+              <a:spcBef>
+                <a:spcPct val="20000"/>
+              </a:spcBef>
+              <a:buFont typeface="Arial" panose="020B0604020202020204" pitchFamily="34" charset="0"/>
+              <a:buChar char="•"/>
+              <a:defRPr sz="2000" kern="1200">
+                <a:solidFill>
+                  <a:schemeClr val="tx1"/>
+                </a:solidFill>
+                <a:latin typeface="+mn-lt"/>
+                <a:ea typeface="+mn-ea"/>
+                <a:cs typeface="+mn-cs"/>
+              </a:defRPr>
+            </a:lvl8pPr>
+            <a:lvl9pPr marL="3886200" indent="-228600" algn="l" defTabSz="914400" rtl="0" eaLnBrk="1" latinLnBrk="0" hangingPunct="1">
+              <a:spcBef>
+                <a:spcPct val="20000"/>
+              </a:spcBef>
+              <a:buFont typeface="Arial" panose="020B0604020202020204" pitchFamily="34" charset="0"/>
+              <a:buChar char="•"/>
+              <a:defRPr sz="2000" kern="1200">
+                <a:solidFill>
+                  <a:schemeClr val="tx1"/>
+                </a:solidFill>
+                <a:latin typeface="+mn-lt"/>
+                <a:ea typeface="+mn-ea"/>
+                <a:cs typeface="+mn-cs"/>
+              </a:defRPr>
+            </a:lvl9pPr>
+          </a:lstStyle>
+          <a:p>
+            <a:pPr marL="0" indent="0" algn="just">
+              <a:lnSpc>
+                <a:spcPct val="120000"/>
+              </a:lnSpc>
+              <a:buNone/>
+            </a:pPr>
+            <a:r>
+              <a:rPr lang="en-US" sz="1200" dirty="0">
+                <a:solidFill>
+                  <a:schemeClr val="bg1"/>
+                </a:solidFill>
+                <a:latin typeface="Arial" panose="020B0604020202020204" pitchFamily="34" charset="0"/>
+                <a:ea typeface="微软雅黑" panose="020B0503020204020204" pitchFamily="34" charset="-122"/>
+                <a:cs typeface="+mn-ea"/>
+                <a:sym typeface="Arial" panose="020B0604020202020204" pitchFamily="34" charset="0"/>
+              </a:rPr>
+              <a:t>50%</a:t>
+            </a:r>
+          </a:p>
+        </p:txBody>
+      </p:sp>
+      <p:sp>
+        <p:nvSpPr>
+          <p:cNvPr id="112" name="Content Placeholder 2">
+            <a:extLst>
+              <a:ext uri="{FF2B5EF4-FFF2-40B4-BE49-F238E27FC236}">
+                <a16:creationId xmlns:a16="http://schemas.microsoft.com/office/drawing/2014/main" id="{7B467F16-2305-DA47-8252-80AFEF732B68}"/>
+              </a:ext>
+            </a:extLst>
+          </p:cNvPr>
+          <p:cNvSpPr txBox="1"/>
+          <p:nvPr/>
+        </p:nvSpPr>
+        <p:spPr>
+          <a:xfrm>
+            <a:off x="5132979" y="4705531"/>
+            <a:ext cx="671652" cy="366750"/>
+          </a:xfrm>
+          <a:prstGeom prst="rect">
+            <a:avLst/>
+          </a:prstGeom>
+          <a:noFill/>
+        </p:spPr>
+        <p:txBody>
+          <a:bodyPr vert="horz" wrap="square" lIns="91441" tIns="45720" rIns="91441" bIns="45720" rtlCol="0">
+            <a:spAutoFit/>
+          </a:bodyPr>
+          <a:lstStyle>
+            <a:lvl1pPr marL="342900" indent="-342900" algn="l" defTabSz="914400" rtl="0" eaLnBrk="1" latinLnBrk="0" hangingPunct="1">
+              <a:spcBef>
+                <a:spcPct val="20000"/>
+              </a:spcBef>
+              <a:buFont typeface="Arial" panose="020B0604020202020204" pitchFamily="34" charset="0"/>
+              <a:buChar char="•"/>
+              <a:defRPr sz="1400" kern="1200">
+                <a:solidFill>
+                  <a:schemeClr val="bg1">
+                    <a:lumMod val="65000"/>
+                  </a:schemeClr>
+                </a:solidFill>
+                <a:latin typeface="+mn-lt"/>
+                <a:ea typeface="+mn-ea"/>
+                <a:cs typeface="+mn-cs"/>
+              </a:defRPr>
+            </a:lvl1pPr>
+            <a:lvl2pPr marL="742950" indent="-285750" algn="l" defTabSz="914400" rtl="0" eaLnBrk="1" latinLnBrk="0" hangingPunct="1">
+              <a:spcBef>
+                <a:spcPct val="20000"/>
+              </a:spcBef>
+              <a:buFont typeface="Arial" panose="020B0604020202020204" pitchFamily="34" charset="0"/>
+              <a:buChar char="–"/>
+              <a:defRPr sz="1200" kern="1200">
+                <a:solidFill>
+                  <a:schemeClr val="bg1">
+                    <a:lumMod val="65000"/>
+                  </a:schemeClr>
+                </a:solidFill>
+                <a:latin typeface="+mn-lt"/>
+                <a:ea typeface="+mn-ea"/>
+                <a:cs typeface="+mn-cs"/>
+              </a:defRPr>
+            </a:lvl2pPr>
+            <a:lvl3pPr marL="1143000" indent="-228600" algn="l" defTabSz="914400" rtl="0" eaLnBrk="1" latinLnBrk="0" hangingPunct="1">
+              <a:spcBef>
+                <a:spcPct val="20000"/>
+              </a:spcBef>
+              <a:buFont typeface="Arial" panose="020B0604020202020204" pitchFamily="34" charset="0"/>
+              <a:buChar char="•"/>
+              <a:defRPr sz="1100" kern="1200">
+                <a:solidFill>
+                  <a:schemeClr val="bg1">
+                    <a:lumMod val="65000"/>
+                  </a:schemeClr>
+                </a:solidFill>
+                <a:latin typeface="+mn-lt"/>
+                <a:ea typeface="+mn-ea"/>
+                <a:cs typeface="+mn-cs"/>
+              </a:defRPr>
+            </a:lvl3pPr>
+            <a:lvl4pPr marL="1600200" indent="-228600" algn="l" defTabSz="914400" rtl="0" eaLnBrk="1" latinLnBrk="0" hangingPunct="1">
+              <a:spcBef>
+                <a:spcPct val="20000"/>
+              </a:spcBef>
+              <a:buFont typeface="Arial" panose="020B0604020202020204" pitchFamily="34" charset="0"/>
+              <a:buChar char="–"/>
+              <a:defRPr sz="1050" kern="1200">
+                <a:solidFill>
+                  <a:schemeClr val="bg1">
+                    <a:lumMod val="65000"/>
+                  </a:schemeClr>
+                </a:solidFill>
+                <a:latin typeface="+mn-lt"/>
+                <a:ea typeface="+mn-ea"/>
+                <a:cs typeface="+mn-cs"/>
+              </a:defRPr>
+            </a:lvl4pPr>
+            <a:lvl5pPr marL="2057400" indent="-228600" algn="l" defTabSz="914400" rtl="0" eaLnBrk="1" latinLnBrk="0" hangingPunct="1">
+              <a:spcBef>
+                <a:spcPct val="20000"/>
+              </a:spcBef>
+              <a:buFont typeface="Arial" panose="020B0604020202020204" pitchFamily="34" charset="0"/>
+              <a:buChar char="»"/>
+              <a:defRPr sz="1050" kern="1200">
+                <a:solidFill>
+                  <a:schemeClr val="bg1">
+                    <a:lumMod val="65000"/>
+                  </a:schemeClr>
+                </a:solidFill>
+                <a:latin typeface="+mn-lt"/>
+                <a:ea typeface="+mn-ea"/>
+                <a:cs typeface="+mn-cs"/>
+              </a:defRPr>
+            </a:lvl5pPr>
+            <a:lvl6pPr marL="2514600" indent="-228600" algn="l" defTabSz="914400" rtl="0" eaLnBrk="1" latinLnBrk="0" hangingPunct="1">
+              <a:spcBef>
+                <a:spcPct val="20000"/>
+              </a:spcBef>
+              <a:buFont typeface="Arial" panose="020B0604020202020204" pitchFamily="34" charset="0"/>
+              <a:buChar char="•"/>
+              <a:defRPr sz="2000" kern="1200">
+                <a:solidFill>
+                  <a:schemeClr val="tx1"/>
+                </a:solidFill>
+                <a:latin typeface="+mn-lt"/>
+                <a:ea typeface="+mn-ea"/>
+                <a:cs typeface="+mn-cs"/>
+              </a:defRPr>
+            </a:lvl6pPr>
+            <a:lvl7pPr marL="2971800" indent="-228600" algn="l" defTabSz="914400" rtl="0" eaLnBrk="1" latinLnBrk="0" hangingPunct="1">
+              <a:spcBef>
+                <a:spcPct val="20000"/>
+              </a:spcBef>
+              <a:buFont typeface="Arial" panose="020B0604020202020204" pitchFamily="34" charset="0"/>
+              <a:buChar char="•"/>
+              <a:defRPr sz="2000" kern="1200">
+                <a:solidFill>
+                  <a:schemeClr val="tx1"/>
+                </a:solidFill>
+                <a:latin typeface="+mn-lt"/>
+                <a:ea typeface="+mn-ea"/>
+                <a:cs typeface="+mn-cs"/>
+              </a:defRPr>
+            </a:lvl7pPr>
+            <a:lvl8pPr marL="3429000" indent="-228600" algn="l" defTabSz="914400" rtl="0" eaLnBrk="1" latinLnBrk="0" hangingPunct="1">
+              <a:spcBef>
+                <a:spcPct val="20000"/>
+              </a:spcBef>
+              <a:buFont typeface="Arial" panose="020B0604020202020204" pitchFamily="34" charset="0"/>
+              <a:buChar char="•"/>
+              <a:defRPr sz="2000" kern="1200">
+                <a:solidFill>
+                  <a:schemeClr val="tx1"/>
+                </a:solidFill>
+                <a:latin typeface="+mn-lt"/>
+                <a:ea typeface="+mn-ea"/>
+                <a:cs typeface="+mn-cs"/>
+              </a:defRPr>
+            </a:lvl8pPr>
+            <a:lvl9pPr marL="3886200" indent="-228600" algn="l" defTabSz="914400" rtl="0" eaLnBrk="1" latinLnBrk="0" hangingPunct="1">
+              <a:spcBef>
+                <a:spcPct val="20000"/>
+              </a:spcBef>
+              <a:buFont typeface="Arial" panose="020B0604020202020204" pitchFamily="34" charset="0"/>
+              <a:buChar char="•"/>
+              <a:defRPr sz="2000" kern="1200">
+                <a:solidFill>
+                  <a:schemeClr val="tx1"/>
+                </a:solidFill>
+                <a:latin typeface="+mn-lt"/>
+                <a:ea typeface="+mn-ea"/>
+                <a:cs typeface="+mn-cs"/>
+              </a:defRPr>
+            </a:lvl9pPr>
+          </a:lstStyle>
+          <a:p>
+            <a:pPr marL="0" indent="0" algn="just">
+              <a:lnSpc>
+                <a:spcPct val="120000"/>
+              </a:lnSpc>
+              <a:buNone/>
+            </a:pPr>
+            <a:r>
+              <a:rPr lang="en-US" sz="1200" dirty="0">
+                <a:solidFill>
+                  <a:schemeClr val="bg1"/>
+                </a:solidFill>
+                <a:latin typeface="Arial" panose="020B0604020202020204" pitchFamily="34" charset="0"/>
+                <a:ea typeface="微软雅黑" panose="020B0503020204020204" pitchFamily="34" charset="-122"/>
+                <a:cs typeface="+mn-ea"/>
+                <a:sym typeface="Arial" panose="020B0604020202020204" pitchFamily="34" charset="0"/>
+              </a:rPr>
+              <a:t>45%</a:t>
+            </a:r>
+          </a:p>
+        </p:txBody>
+      </p:sp>
+      <p:sp>
+        <p:nvSpPr>
+          <p:cNvPr id="115" name="Content Placeholder 2">
+            <a:extLst>
+              <a:ext uri="{FF2B5EF4-FFF2-40B4-BE49-F238E27FC236}">
+                <a16:creationId xmlns:a16="http://schemas.microsoft.com/office/drawing/2014/main" id="{D437C6FD-9C82-7E49-9279-CAEBBD86FC19}"/>
+              </a:ext>
+            </a:extLst>
+          </p:cNvPr>
+          <p:cNvSpPr txBox="1"/>
+          <p:nvPr/>
+        </p:nvSpPr>
+        <p:spPr>
+          <a:xfrm>
+            <a:off x="5004765" y="2955808"/>
+            <a:ext cx="3663156" cy="773673"/>
+          </a:xfrm>
+          <a:prstGeom prst="rect">
+            <a:avLst/>
+          </a:prstGeom>
+          <a:noFill/>
+        </p:spPr>
+        <p:txBody>
+          <a:bodyPr vert="horz" wrap="square" lIns="91441" tIns="45720" rIns="91441" bIns="45720" rtlCol="0">
+            <a:spAutoFit/>
+          </a:bodyPr>
+          <a:lstStyle>
+            <a:lvl1pPr marL="342900" indent="-342900" algn="l" defTabSz="914400" rtl="0" eaLnBrk="1" latinLnBrk="0" hangingPunct="1">
+              <a:spcBef>
+                <a:spcPct val="20000"/>
+              </a:spcBef>
+              <a:buFont typeface="Arial" panose="020B0604020202020204" pitchFamily="34" charset="0"/>
+              <a:buChar char="•"/>
+              <a:defRPr sz="1400" kern="1200">
+                <a:solidFill>
+                  <a:schemeClr val="bg1">
+                    <a:lumMod val="65000"/>
+                  </a:schemeClr>
+                </a:solidFill>
+                <a:latin typeface="+mn-lt"/>
+                <a:ea typeface="+mn-ea"/>
+                <a:cs typeface="+mn-cs"/>
+              </a:defRPr>
+            </a:lvl1pPr>
+            <a:lvl2pPr marL="742950" indent="-285750" algn="l" defTabSz="914400" rtl="0" eaLnBrk="1" latinLnBrk="0" hangingPunct="1">
+              <a:spcBef>
+                <a:spcPct val="20000"/>
+              </a:spcBef>
+              <a:buFont typeface="Arial" panose="020B0604020202020204" pitchFamily="34" charset="0"/>
+              <a:buChar char="–"/>
+              <a:defRPr sz="1200" kern="1200">
+                <a:solidFill>
+                  <a:schemeClr val="bg1">
+                    <a:lumMod val="65000"/>
+                  </a:schemeClr>
+                </a:solidFill>
+                <a:latin typeface="+mn-lt"/>
+                <a:ea typeface="+mn-ea"/>
+                <a:cs typeface="+mn-cs"/>
+              </a:defRPr>
+            </a:lvl2pPr>
+            <a:lvl3pPr marL="1143000" indent="-228600" algn="l" defTabSz="914400" rtl="0" eaLnBrk="1" latinLnBrk="0" hangingPunct="1">
+              <a:spcBef>
+                <a:spcPct val="20000"/>
+              </a:spcBef>
+              <a:buFont typeface="Arial" panose="020B0604020202020204" pitchFamily="34" charset="0"/>
+              <a:buChar char="•"/>
+              <a:defRPr sz="1100" kern="1200">
+                <a:solidFill>
+                  <a:schemeClr val="bg1">
+                    <a:lumMod val="65000"/>
+                  </a:schemeClr>
+                </a:solidFill>
+                <a:latin typeface="+mn-lt"/>
+                <a:ea typeface="+mn-ea"/>
+                <a:cs typeface="+mn-cs"/>
+              </a:defRPr>
+            </a:lvl3pPr>
+            <a:lvl4pPr marL="1600200" indent="-228600" algn="l" defTabSz="914400" rtl="0" eaLnBrk="1" latinLnBrk="0" hangingPunct="1">
+              <a:spcBef>
+                <a:spcPct val="20000"/>
+              </a:spcBef>
+              <a:buFont typeface="Arial" panose="020B0604020202020204" pitchFamily="34" charset="0"/>
+              <a:buChar char="–"/>
+              <a:defRPr sz="1050" kern="1200">
+                <a:solidFill>
+                  <a:schemeClr val="bg1">
+                    <a:lumMod val="65000"/>
+                  </a:schemeClr>
+                </a:solidFill>
+                <a:latin typeface="+mn-lt"/>
+                <a:ea typeface="+mn-ea"/>
+                <a:cs typeface="+mn-cs"/>
+              </a:defRPr>
+            </a:lvl4pPr>
+            <a:lvl5pPr marL="2057400" indent="-228600" algn="l" defTabSz="914400" rtl="0" eaLnBrk="1" latinLnBrk="0" hangingPunct="1">
+              <a:spcBef>
+                <a:spcPct val="20000"/>
+              </a:spcBef>
+              <a:buFont typeface="Arial" panose="020B0604020202020204" pitchFamily="34" charset="0"/>
+              <a:buChar char="»"/>
+              <a:defRPr sz="1050" kern="1200">
+                <a:solidFill>
+                  <a:schemeClr val="bg1">
+                    <a:lumMod val="65000"/>
+                  </a:schemeClr>
+                </a:solidFill>
+                <a:latin typeface="+mn-lt"/>
+                <a:ea typeface="+mn-ea"/>
+                <a:cs typeface="+mn-cs"/>
+              </a:defRPr>
+            </a:lvl5pPr>
+            <a:lvl6pPr marL="2514600" indent="-228600" algn="l" defTabSz="914400" rtl="0" eaLnBrk="1" latinLnBrk="0" hangingPunct="1">
+              <a:spcBef>
+                <a:spcPct val="20000"/>
+              </a:spcBef>
+              <a:buFont typeface="Arial" panose="020B0604020202020204" pitchFamily="34" charset="0"/>
+              <a:buChar char="•"/>
+              <a:defRPr sz="2000" kern="1200">
+                <a:solidFill>
+                  <a:schemeClr val="tx1"/>
+                </a:solidFill>
+                <a:latin typeface="+mn-lt"/>
+                <a:ea typeface="+mn-ea"/>
+                <a:cs typeface="+mn-cs"/>
+              </a:defRPr>
+            </a:lvl6pPr>
+            <a:lvl7pPr marL="2971800" indent="-228600" algn="l" defTabSz="914400" rtl="0" eaLnBrk="1" latinLnBrk="0" hangingPunct="1">
+              <a:spcBef>
+                <a:spcPct val="20000"/>
+              </a:spcBef>
+              <a:buFont typeface="Arial" panose="020B0604020202020204" pitchFamily="34" charset="0"/>
+              <a:buChar char="•"/>
+              <a:defRPr sz="2000" kern="1200">
+                <a:solidFill>
+                  <a:schemeClr val="tx1"/>
+                </a:solidFill>
+                <a:latin typeface="+mn-lt"/>
+                <a:ea typeface="+mn-ea"/>
+                <a:cs typeface="+mn-cs"/>
+              </a:defRPr>
+            </a:lvl7pPr>
+            <a:lvl8pPr marL="3429000" indent="-228600" algn="l" defTabSz="914400" rtl="0" eaLnBrk="1" latinLnBrk="0" hangingPunct="1">
+              <a:spcBef>
+                <a:spcPct val="20000"/>
+              </a:spcBef>
+              <a:buFont typeface="Arial" panose="020B0604020202020204" pitchFamily="34" charset="0"/>
+              <a:buChar char="•"/>
+              <a:defRPr sz="2000" kern="1200">
+                <a:solidFill>
+                  <a:schemeClr val="tx1"/>
+                </a:solidFill>
+                <a:latin typeface="+mn-lt"/>
+                <a:ea typeface="+mn-ea"/>
+                <a:cs typeface="+mn-cs"/>
+              </a:defRPr>
+            </a:lvl8pPr>
+            <a:lvl9pPr marL="3886200" indent="-228600" algn="l" defTabSz="914400" rtl="0" eaLnBrk="1" latinLnBrk="0" hangingPunct="1">
+              <a:spcBef>
+                <a:spcPct val="20000"/>
+              </a:spcBef>
+              <a:buFont typeface="Arial" panose="020B0604020202020204" pitchFamily="34" charset="0"/>
+              <a:buChar char="•"/>
+              <a:defRPr sz="2000" kern="1200">
+                <a:solidFill>
+                  <a:schemeClr val="tx1"/>
+                </a:solidFill>
+                <a:latin typeface="+mn-lt"/>
+                <a:ea typeface="+mn-ea"/>
+                <a:cs typeface="+mn-cs"/>
+              </a:defRPr>
+            </a:lvl9pPr>
+          </a:lstStyle>
+          <a:p>
+            <a:pPr marL="0" indent="0" algn="just">
+              <a:lnSpc>
+                <a:spcPct val="120000"/>
+              </a:lnSpc>
+              <a:buNone/>
+            </a:pPr>
+            <a:r>
+              <a:rPr lang="en-US" altLang="zh-CN" sz="1200" dirty="0">
+                <a:solidFill>
+                  <a:schemeClr val="bg1"/>
+                </a:solidFill>
+                <a:latin typeface="Arial" panose="020B0604020202020204" pitchFamily="34" charset="0"/>
+                <a:ea typeface="微软雅黑" panose="020B0503020204020204" pitchFamily="34" charset="-122"/>
+                <a:cs typeface="+mn-ea"/>
+                <a:sym typeface="Arial" panose="020B0604020202020204" pitchFamily="34" charset="0"/>
+              </a:rPr>
+              <a:t>3. </a:t>
+            </a:r>
+            <a:r>
+              <a:rPr lang="zh-CN" altLang="en-US" sz="1200" dirty="0">
+                <a:solidFill>
+                  <a:schemeClr val="bg1"/>
+                </a:solidFill>
+                <a:latin typeface="Arial" panose="020B0604020202020204" pitchFamily="34" charset="0"/>
+                <a:ea typeface="微软雅黑" panose="020B0503020204020204" pitchFamily="34" charset="-122"/>
+                <a:cs typeface="+mn-ea"/>
+                <a:sym typeface="Arial" panose="020B0604020202020204" pitchFamily="34" charset="0"/>
+              </a:rPr>
+              <a:t>开发环境约束多，有些用习惯的软件无法使用、遇到技术问题和外界交流比较困难。</a:t>
+            </a:r>
+          </a:p>
+          <a:p>
+            <a:pPr marL="0" indent="0" algn="just">
+              <a:lnSpc>
+                <a:spcPct val="120000"/>
+              </a:lnSpc>
+              <a:buNone/>
+            </a:pPr>
+            <a:r>
+              <a:rPr lang="en-US" sz="1200" dirty="0">
+                <a:solidFill>
+                  <a:schemeClr val="bg1"/>
+                </a:solidFill>
+                <a:latin typeface="Arial" panose="020B0604020202020204" pitchFamily="34" charset="0"/>
+                <a:ea typeface="微软雅黑" panose="020B0503020204020204" pitchFamily="34" charset="-122"/>
+                <a:cs typeface="+mn-ea"/>
+                <a:sym typeface="Arial" panose="020B0604020202020204" pitchFamily="34" charset="0"/>
+              </a:rPr>
+              <a:t>75</a:t>
+            </a:r>
+          </a:p>
+        </p:txBody>
+      </p:sp>
+      <p:sp>
+        <p:nvSpPr>
+          <p:cNvPr id="118" name="Content Placeholder 2">
+            <a:extLst>
+              <a:ext uri="{FF2B5EF4-FFF2-40B4-BE49-F238E27FC236}">
+                <a16:creationId xmlns:a16="http://schemas.microsoft.com/office/drawing/2014/main" id="{FBD6DE41-09AA-1C48-921D-2CC294A0DCAC}"/>
+              </a:ext>
+            </a:extLst>
+          </p:cNvPr>
+          <p:cNvSpPr txBox="1"/>
+          <p:nvPr/>
+        </p:nvSpPr>
+        <p:spPr>
+          <a:xfrm>
+            <a:off x="5132979" y="3774732"/>
+            <a:ext cx="671652" cy="366750"/>
+          </a:xfrm>
+          <a:prstGeom prst="rect">
+            <a:avLst/>
+          </a:prstGeom>
+          <a:noFill/>
+        </p:spPr>
+        <p:txBody>
+          <a:bodyPr vert="horz" wrap="square" lIns="91441" tIns="45720" rIns="91441" bIns="45720" rtlCol="0">
+            <a:spAutoFit/>
+          </a:bodyPr>
+          <a:lstStyle>
+            <a:lvl1pPr marL="342900" indent="-342900" algn="l" defTabSz="914400" rtl="0" eaLnBrk="1" latinLnBrk="0" hangingPunct="1">
+              <a:spcBef>
+                <a:spcPct val="20000"/>
+              </a:spcBef>
+              <a:buFont typeface="Arial" panose="020B0604020202020204" pitchFamily="34" charset="0"/>
+              <a:buChar char="•"/>
+              <a:defRPr sz="1400" kern="1200">
+                <a:solidFill>
+                  <a:schemeClr val="bg1">
+                    <a:lumMod val="65000"/>
+                  </a:schemeClr>
+                </a:solidFill>
+                <a:latin typeface="+mn-lt"/>
+                <a:ea typeface="+mn-ea"/>
+                <a:cs typeface="+mn-cs"/>
+              </a:defRPr>
+            </a:lvl1pPr>
+            <a:lvl2pPr marL="742950" indent="-285750" algn="l" defTabSz="914400" rtl="0" eaLnBrk="1" latinLnBrk="0" hangingPunct="1">
+              <a:spcBef>
+                <a:spcPct val="20000"/>
+              </a:spcBef>
+              <a:buFont typeface="Arial" panose="020B0604020202020204" pitchFamily="34" charset="0"/>
+              <a:buChar char="–"/>
+              <a:defRPr sz="1200" kern="1200">
+                <a:solidFill>
+                  <a:schemeClr val="bg1">
+                    <a:lumMod val="65000"/>
+                  </a:schemeClr>
+                </a:solidFill>
+                <a:latin typeface="+mn-lt"/>
+                <a:ea typeface="+mn-ea"/>
+                <a:cs typeface="+mn-cs"/>
+              </a:defRPr>
+            </a:lvl2pPr>
+            <a:lvl3pPr marL="1143000" indent="-228600" algn="l" defTabSz="914400" rtl="0" eaLnBrk="1" latinLnBrk="0" hangingPunct="1">
+              <a:spcBef>
+                <a:spcPct val="20000"/>
+              </a:spcBef>
+              <a:buFont typeface="Arial" panose="020B0604020202020204" pitchFamily="34" charset="0"/>
+              <a:buChar char="•"/>
+              <a:defRPr sz="1100" kern="1200">
+                <a:solidFill>
+                  <a:schemeClr val="bg1">
+                    <a:lumMod val="65000"/>
+                  </a:schemeClr>
+                </a:solidFill>
+                <a:latin typeface="+mn-lt"/>
+                <a:ea typeface="+mn-ea"/>
+                <a:cs typeface="+mn-cs"/>
+              </a:defRPr>
+            </a:lvl3pPr>
+            <a:lvl4pPr marL="1600200" indent="-228600" algn="l" defTabSz="914400" rtl="0" eaLnBrk="1" latinLnBrk="0" hangingPunct="1">
+              <a:spcBef>
+                <a:spcPct val="20000"/>
+              </a:spcBef>
+              <a:buFont typeface="Arial" panose="020B0604020202020204" pitchFamily="34" charset="0"/>
+              <a:buChar char="–"/>
+              <a:defRPr sz="1050" kern="1200">
+                <a:solidFill>
+                  <a:schemeClr val="bg1">
+                    <a:lumMod val="65000"/>
+                  </a:schemeClr>
+                </a:solidFill>
+                <a:latin typeface="+mn-lt"/>
+                <a:ea typeface="+mn-ea"/>
+                <a:cs typeface="+mn-cs"/>
+              </a:defRPr>
+            </a:lvl4pPr>
+            <a:lvl5pPr marL="2057400" indent="-228600" algn="l" defTabSz="914400" rtl="0" eaLnBrk="1" latinLnBrk="0" hangingPunct="1">
+              <a:spcBef>
+                <a:spcPct val="20000"/>
+              </a:spcBef>
+              <a:buFont typeface="Arial" panose="020B0604020202020204" pitchFamily="34" charset="0"/>
+              <a:buChar char="»"/>
+              <a:defRPr sz="1050" kern="1200">
+                <a:solidFill>
+                  <a:schemeClr val="bg1">
+                    <a:lumMod val="65000"/>
+                  </a:schemeClr>
+                </a:solidFill>
+                <a:latin typeface="+mn-lt"/>
+                <a:ea typeface="+mn-ea"/>
+                <a:cs typeface="+mn-cs"/>
+              </a:defRPr>
+            </a:lvl5pPr>
+            <a:lvl6pPr marL="2514600" indent="-228600" algn="l" defTabSz="914400" rtl="0" eaLnBrk="1" latinLnBrk="0" hangingPunct="1">
+              <a:spcBef>
+                <a:spcPct val="20000"/>
+              </a:spcBef>
+              <a:buFont typeface="Arial" panose="020B0604020202020204" pitchFamily="34" charset="0"/>
+              <a:buChar char="•"/>
+              <a:defRPr sz="2000" kern="1200">
+                <a:solidFill>
+                  <a:schemeClr val="tx1"/>
+                </a:solidFill>
+                <a:latin typeface="+mn-lt"/>
+                <a:ea typeface="+mn-ea"/>
+                <a:cs typeface="+mn-cs"/>
+              </a:defRPr>
+            </a:lvl6pPr>
+            <a:lvl7pPr marL="2971800" indent="-228600" algn="l" defTabSz="914400" rtl="0" eaLnBrk="1" latinLnBrk="0" hangingPunct="1">
+              <a:spcBef>
+                <a:spcPct val="20000"/>
+              </a:spcBef>
+              <a:buFont typeface="Arial" panose="020B0604020202020204" pitchFamily="34" charset="0"/>
+              <a:buChar char="•"/>
+              <a:defRPr sz="2000" kern="1200">
+                <a:solidFill>
+                  <a:schemeClr val="tx1"/>
+                </a:solidFill>
+                <a:latin typeface="+mn-lt"/>
+                <a:ea typeface="+mn-ea"/>
+                <a:cs typeface="+mn-cs"/>
+              </a:defRPr>
+            </a:lvl7pPr>
+            <a:lvl8pPr marL="3429000" indent="-228600" algn="l" defTabSz="914400" rtl="0" eaLnBrk="1" latinLnBrk="0" hangingPunct="1">
+              <a:spcBef>
+                <a:spcPct val="20000"/>
+              </a:spcBef>
+              <a:buFont typeface="Arial" panose="020B0604020202020204" pitchFamily="34" charset="0"/>
+              <a:buChar char="•"/>
+              <a:defRPr sz="2000" kern="1200">
+                <a:solidFill>
+                  <a:schemeClr val="tx1"/>
+                </a:solidFill>
+                <a:latin typeface="+mn-lt"/>
+                <a:ea typeface="+mn-ea"/>
+                <a:cs typeface="+mn-cs"/>
+              </a:defRPr>
+            </a:lvl8pPr>
+            <a:lvl9pPr marL="3886200" indent="-228600" algn="l" defTabSz="914400" rtl="0" eaLnBrk="1" latinLnBrk="0" hangingPunct="1">
+              <a:spcBef>
+                <a:spcPct val="20000"/>
+              </a:spcBef>
+              <a:buFont typeface="Arial" panose="020B0604020202020204" pitchFamily="34" charset="0"/>
+              <a:buChar char="•"/>
+              <a:defRPr sz="2000" kern="1200">
+                <a:solidFill>
+                  <a:schemeClr val="tx1"/>
+                </a:solidFill>
+                <a:latin typeface="+mn-lt"/>
+                <a:ea typeface="+mn-ea"/>
+                <a:cs typeface="+mn-cs"/>
+              </a:defRPr>
+            </a:lvl9pPr>
+          </a:lstStyle>
+          <a:p>
+            <a:pPr marL="0" indent="0" algn="just">
+              <a:lnSpc>
+                <a:spcPct val="120000"/>
+              </a:lnSpc>
+              <a:buNone/>
+            </a:pPr>
+            <a:r>
+              <a:rPr lang="en-US" sz="1200" dirty="0">
+                <a:solidFill>
+                  <a:schemeClr val="bg1"/>
+                </a:solidFill>
+                <a:latin typeface="Arial" panose="020B0604020202020204" pitchFamily="34" charset="0"/>
+                <a:ea typeface="微软雅黑" panose="020B0503020204020204" pitchFamily="34" charset="-122"/>
+                <a:cs typeface="+mn-ea"/>
+                <a:sym typeface="Arial" panose="020B0604020202020204" pitchFamily="34" charset="0"/>
+              </a:rPr>
+              <a:t>62%</a:t>
+            </a:r>
+          </a:p>
+        </p:txBody>
+      </p:sp>
+      <p:sp>
+        <p:nvSpPr>
+          <p:cNvPr id="126" name="Content Placeholder 2">
+            <a:extLst>
+              <a:ext uri="{FF2B5EF4-FFF2-40B4-BE49-F238E27FC236}">
+                <a16:creationId xmlns:a16="http://schemas.microsoft.com/office/drawing/2014/main" id="{7CD4B987-163E-CB48-9BB6-F31BF95DE12C}"/>
+              </a:ext>
+            </a:extLst>
+          </p:cNvPr>
+          <p:cNvSpPr txBox="1"/>
+          <p:nvPr/>
+        </p:nvSpPr>
+        <p:spPr>
+          <a:xfrm>
+            <a:off x="5132979" y="5148863"/>
+            <a:ext cx="671652" cy="369072"/>
+          </a:xfrm>
+          <a:prstGeom prst="rect">
+            <a:avLst/>
+          </a:prstGeom>
+          <a:noFill/>
+        </p:spPr>
+        <p:txBody>
+          <a:bodyPr vert="horz" wrap="square" lIns="91441" tIns="45720" rIns="91441" bIns="45720" rtlCol="0">
+            <a:spAutoFit/>
+          </a:bodyPr>
+          <a:lstStyle>
+            <a:lvl1pPr marL="342900" indent="-342900" algn="l" defTabSz="914400" rtl="0" eaLnBrk="1" latinLnBrk="0" hangingPunct="1">
+              <a:spcBef>
+                <a:spcPct val="20000"/>
+              </a:spcBef>
+              <a:buFont typeface="Arial" panose="020B0604020202020204" pitchFamily="34" charset="0"/>
+              <a:buChar char="•"/>
+              <a:defRPr sz="1400" kern="1200">
+                <a:solidFill>
+                  <a:schemeClr val="bg1">
+                    <a:lumMod val="65000"/>
+                  </a:schemeClr>
+                </a:solidFill>
+                <a:latin typeface="+mn-lt"/>
+                <a:ea typeface="+mn-ea"/>
+                <a:cs typeface="+mn-cs"/>
+              </a:defRPr>
+            </a:lvl1pPr>
+            <a:lvl2pPr marL="742950" indent="-285750" algn="l" defTabSz="914400" rtl="0" eaLnBrk="1" latinLnBrk="0" hangingPunct="1">
+              <a:spcBef>
+                <a:spcPct val="20000"/>
+              </a:spcBef>
+              <a:buFont typeface="Arial" panose="020B0604020202020204" pitchFamily="34" charset="0"/>
+              <a:buChar char="–"/>
+              <a:defRPr sz="1200" kern="1200">
+                <a:solidFill>
+                  <a:schemeClr val="bg1">
+                    <a:lumMod val="65000"/>
+                  </a:schemeClr>
+                </a:solidFill>
+                <a:latin typeface="+mn-lt"/>
+                <a:ea typeface="+mn-ea"/>
+                <a:cs typeface="+mn-cs"/>
+              </a:defRPr>
+            </a:lvl2pPr>
+            <a:lvl3pPr marL="1143000" indent="-228600" algn="l" defTabSz="914400" rtl="0" eaLnBrk="1" latinLnBrk="0" hangingPunct="1">
+              <a:spcBef>
+                <a:spcPct val="20000"/>
+              </a:spcBef>
+              <a:buFont typeface="Arial" panose="020B0604020202020204" pitchFamily="34" charset="0"/>
+              <a:buChar char="•"/>
+              <a:defRPr sz="1100" kern="1200">
+                <a:solidFill>
+                  <a:schemeClr val="bg1">
+                    <a:lumMod val="65000"/>
+                  </a:schemeClr>
+                </a:solidFill>
+                <a:latin typeface="+mn-lt"/>
+                <a:ea typeface="+mn-ea"/>
+                <a:cs typeface="+mn-cs"/>
+              </a:defRPr>
+            </a:lvl3pPr>
+            <a:lvl4pPr marL="1600200" indent="-228600" algn="l" defTabSz="914400" rtl="0" eaLnBrk="1" latinLnBrk="0" hangingPunct="1">
+              <a:spcBef>
+                <a:spcPct val="20000"/>
+              </a:spcBef>
+              <a:buFont typeface="Arial" panose="020B0604020202020204" pitchFamily="34" charset="0"/>
+              <a:buChar char="–"/>
+              <a:defRPr sz="1050" kern="1200">
+                <a:solidFill>
+                  <a:schemeClr val="bg1">
+                    <a:lumMod val="65000"/>
+                  </a:schemeClr>
+                </a:solidFill>
+                <a:latin typeface="+mn-lt"/>
+                <a:ea typeface="+mn-ea"/>
+                <a:cs typeface="+mn-cs"/>
+              </a:defRPr>
+            </a:lvl4pPr>
+            <a:lvl5pPr marL="2057400" indent="-228600" algn="l" defTabSz="914400" rtl="0" eaLnBrk="1" latinLnBrk="0" hangingPunct="1">
+              <a:spcBef>
+                <a:spcPct val="20000"/>
+              </a:spcBef>
+              <a:buFont typeface="Arial" panose="020B0604020202020204" pitchFamily="34" charset="0"/>
+              <a:buChar char="»"/>
+              <a:defRPr sz="1050" kern="1200">
+                <a:solidFill>
+                  <a:schemeClr val="bg1">
+                    <a:lumMod val="65000"/>
+                  </a:schemeClr>
+                </a:solidFill>
+                <a:latin typeface="+mn-lt"/>
+                <a:ea typeface="+mn-ea"/>
+                <a:cs typeface="+mn-cs"/>
+              </a:defRPr>
+            </a:lvl5pPr>
+            <a:lvl6pPr marL="2514600" indent="-228600" algn="l" defTabSz="914400" rtl="0" eaLnBrk="1" latinLnBrk="0" hangingPunct="1">
+              <a:spcBef>
+                <a:spcPct val="20000"/>
+              </a:spcBef>
+              <a:buFont typeface="Arial" panose="020B0604020202020204" pitchFamily="34" charset="0"/>
+              <a:buChar char="•"/>
+              <a:defRPr sz="2000" kern="1200">
+                <a:solidFill>
+                  <a:schemeClr val="tx1"/>
+                </a:solidFill>
+                <a:latin typeface="+mn-lt"/>
+                <a:ea typeface="+mn-ea"/>
+                <a:cs typeface="+mn-cs"/>
+              </a:defRPr>
+            </a:lvl6pPr>
+            <a:lvl7pPr marL="2971800" indent="-228600" algn="l" defTabSz="914400" rtl="0" eaLnBrk="1" latinLnBrk="0" hangingPunct="1">
+              <a:spcBef>
+                <a:spcPct val="20000"/>
+              </a:spcBef>
+              <a:buFont typeface="Arial" panose="020B0604020202020204" pitchFamily="34" charset="0"/>
+              <a:buChar char="•"/>
+              <a:defRPr sz="2000" kern="1200">
+                <a:solidFill>
+                  <a:schemeClr val="tx1"/>
+                </a:solidFill>
+                <a:latin typeface="+mn-lt"/>
+                <a:ea typeface="+mn-ea"/>
+                <a:cs typeface="+mn-cs"/>
+              </a:defRPr>
+            </a:lvl7pPr>
+            <a:lvl8pPr marL="3429000" indent="-228600" algn="l" defTabSz="914400" rtl="0" eaLnBrk="1" latinLnBrk="0" hangingPunct="1">
+              <a:spcBef>
+                <a:spcPct val="20000"/>
+              </a:spcBef>
+              <a:buFont typeface="Arial" panose="020B0604020202020204" pitchFamily="34" charset="0"/>
+              <a:buChar char="•"/>
+              <a:defRPr sz="2000" kern="1200">
+                <a:solidFill>
+                  <a:schemeClr val="tx1"/>
+                </a:solidFill>
+                <a:latin typeface="+mn-lt"/>
+                <a:ea typeface="+mn-ea"/>
+                <a:cs typeface="+mn-cs"/>
+              </a:defRPr>
+            </a:lvl8pPr>
+            <a:lvl9pPr marL="3886200" indent="-228600" algn="l" defTabSz="914400" rtl="0" eaLnBrk="1" latinLnBrk="0" hangingPunct="1">
+              <a:spcBef>
+                <a:spcPct val="20000"/>
+              </a:spcBef>
+              <a:buFont typeface="Arial" panose="020B0604020202020204" pitchFamily="34" charset="0"/>
+              <a:buChar char="•"/>
+              <a:defRPr sz="2000" kern="1200">
+                <a:solidFill>
+                  <a:schemeClr val="tx1"/>
+                </a:solidFill>
+                <a:latin typeface="+mn-lt"/>
+                <a:ea typeface="+mn-ea"/>
+                <a:cs typeface="+mn-cs"/>
+              </a:defRPr>
+            </a:lvl9pPr>
+          </a:lstStyle>
+          <a:p>
+            <a:pPr marL="0" indent="0" algn="just">
+              <a:lnSpc>
+                <a:spcPct val="120000"/>
+              </a:lnSpc>
+              <a:buNone/>
+            </a:pPr>
+            <a:r>
+              <a:rPr lang="en-US" sz="1100" dirty="0">
+                <a:solidFill>
+                  <a:schemeClr val="bg1"/>
+                </a:solidFill>
+                <a:latin typeface="Arial" panose="020B0604020202020204" pitchFamily="34" charset="0"/>
+                <a:ea typeface="微软雅黑" panose="020B0503020204020204" pitchFamily="34" charset="-122"/>
+                <a:cs typeface="+mn-ea"/>
+                <a:sym typeface="Arial" panose="020B0604020202020204" pitchFamily="34" charset="0"/>
+              </a:rPr>
+              <a:t>90%</a:t>
+            </a:r>
+          </a:p>
+        </p:txBody>
+      </p:sp>
       <p:grpSp>
         <p:nvGrpSpPr>
-          <p:cNvPr id="106" name="组合 105">
+          <p:cNvPr id="8" name="组合 7">
             <a:extLst>
               <a:ext uri="{FF2B5EF4-FFF2-40B4-BE49-F238E27FC236}">
-                <a16:creationId xmlns:a16="http://schemas.microsoft.com/office/drawing/2014/main" id="{F4CF4B8B-B93A-2E46-A0B1-0948561FC07F}"/>
+                <a16:creationId xmlns:a16="http://schemas.microsoft.com/office/drawing/2014/main" id="{31D271B7-6AEB-5D48-838F-E507819BEECB}"/>
               </a:ext>
             </a:extLst>
           </p:cNvPr>
@@ -17976,833 +19974,18 @@
         </p:nvGrpSpPr>
         <p:grpSpPr>
           <a:xfrm>
-            <a:off x="4499992" y="2276872"/>
-            <a:ext cx="4775575" cy="3268872"/>
-            <a:chOff x="6510852" y="2582871"/>
-            <a:chExt cx="4775575" cy="3268872"/>
+            <a:off x="4499992" y="2249063"/>
+            <a:ext cx="4775575" cy="2744673"/>
+            <a:chOff x="4499992" y="2249063"/>
+            <a:chExt cx="4775575" cy="2744673"/>
           </a:xfrm>
-          <a:solidFill>
-            <a:srgbClr val="7DAFA3"/>
-          </a:solidFill>
         </p:grpSpPr>
-        <p:sp>
-          <p:nvSpPr>
-            <p:cNvPr id="109" name="Content Placeholder 2">
+        <p:grpSp>
+          <p:nvGrpSpPr>
+            <p:cNvPr id="6" name="组合 5">
               <a:extLst>
                 <a:ext uri="{FF2B5EF4-FFF2-40B4-BE49-F238E27FC236}">
-                  <a16:creationId xmlns:a16="http://schemas.microsoft.com/office/drawing/2014/main" id="{08812881-2E1F-6640-8A2D-06ECCC919187}"/>
-                </a:ext>
-              </a:extLst>
-            </p:cNvPr>
-            <p:cNvSpPr txBox="1"/>
-            <p:nvPr/>
-          </p:nvSpPr>
-          <p:spPr>
-            <a:xfrm>
-              <a:off x="7143839" y="3651289"/>
-              <a:ext cx="671652" cy="366750"/>
-            </a:xfrm>
-            <a:prstGeom prst="rect">
-              <a:avLst/>
-            </a:prstGeom>
-            <a:noFill/>
-          </p:spPr>
-          <p:txBody>
-            <a:bodyPr vert="horz" wrap="square" lIns="91441" tIns="45720" rIns="91441" bIns="45720" rtlCol="0">
-              <a:spAutoFit/>
-            </a:bodyPr>
-            <a:lstStyle>
-              <a:lvl1pPr marL="342900" indent="-342900" algn="l" defTabSz="914400" rtl="0" eaLnBrk="1" latinLnBrk="0" hangingPunct="1">
-                <a:spcBef>
-                  <a:spcPct val="20000"/>
-                </a:spcBef>
-                <a:buFont typeface="Arial" panose="020B0604020202020204" pitchFamily="34" charset="0"/>
-                <a:buChar char="•"/>
-                <a:defRPr sz="1400" kern="1200">
-                  <a:solidFill>
-                    <a:schemeClr val="bg1">
-                      <a:lumMod val="65000"/>
-                    </a:schemeClr>
-                  </a:solidFill>
-                  <a:latin typeface="+mn-lt"/>
-                  <a:ea typeface="+mn-ea"/>
-                  <a:cs typeface="+mn-cs"/>
-                </a:defRPr>
-              </a:lvl1pPr>
-              <a:lvl2pPr marL="742950" indent="-285750" algn="l" defTabSz="914400" rtl="0" eaLnBrk="1" latinLnBrk="0" hangingPunct="1">
-                <a:spcBef>
-                  <a:spcPct val="20000"/>
-                </a:spcBef>
-                <a:buFont typeface="Arial" panose="020B0604020202020204" pitchFamily="34" charset="0"/>
-                <a:buChar char="–"/>
-                <a:defRPr sz="1200" kern="1200">
-                  <a:solidFill>
-                    <a:schemeClr val="bg1">
-                      <a:lumMod val="65000"/>
-                    </a:schemeClr>
-                  </a:solidFill>
-                  <a:latin typeface="+mn-lt"/>
-                  <a:ea typeface="+mn-ea"/>
-                  <a:cs typeface="+mn-cs"/>
-                </a:defRPr>
-              </a:lvl2pPr>
-              <a:lvl3pPr marL="1143000" indent="-228600" algn="l" defTabSz="914400" rtl="0" eaLnBrk="1" latinLnBrk="0" hangingPunct="1">
-                <a:spcBef>
-                  <a:spcPct val="20000"/>
-                </a:spcBef>
-                <a:buFont typeface="Arial" panose="020B0604020202020204" pitchFamily="34" charset="0"/>
-                <a:buChar char="•"/>
-                <a:defRPr sz="1100" kern="1200">
-                  <a:solidFill>
-                    <a:schemeClr val="bg1">
-                      <a:lumMod val="65000"/>
-                    </a:schemeClr>
-                  </a:solidFill>
-                  <a:latin typeface="+mn-lt"/>
-                  <a:ea typeface="+mn-ea"/>
-                  <a:cs typeface="+mn-cs"/>
-                </a:defRPr>
-              </a:lvl3pPr>
-              <a:lvl4pPr marL="1600200" indent="-228600" algn="l" defTabSz="914400" rtl="0" eaLnBrk="1" latinLnBrk="0" hangingPunct="1">
-                <a:spcBef>
-                  <a:spcPct val="20000"/>
-                </a:spcBef>
-                <a:buFont typeface="Arial" panose="020B0604020202020204" pitchFamily="34" charset="0"/>
-                <a:buChar char="–"/>
-                <a:defRPr sz="1050" kern="1200">
-                  <a:solidFill>
-                    <a:schemeClr val="bg1">
-                      <a:lumMod val="65000"/>
-                    </a:schemeClr>
-                  </a:solidFill>
-                  <a:latin typeface="+mn-lt"/>
-                  <a:ea typeface="+mn-ea"/>
-                  <a:cs typeface="+mn-cs"/>
-                </a:defRPr>
-              </a:lvl4pPr>
-              <a:lvl5pPr marL="2057400" indent="-228600" algn="l" defTabSz="914400" rtl="0" eaLnBrk="1" latinLnBrk="0" hangingPunct="1">
-                <a:spcBef>
-                  <a:spcPct val="20000"/>
-                </a:spcBef>
-                <a:buFont typeface="Arial" panose="020B0604020202020204" pitchFamily="34" charset="0"/>
-                <a:buChar char="»"/>
-                <a:defRPr sz="1050" kern="1200">
-                  <a:solidFill>
-                    <a:schemeClr val="bg1">
-                      <a:lumMod val="65000"/>
-                    </a:schemeClr>
-                  </a:solidFill>
-                  <a:latin typeface="+mn-lt"/>
-                  <a:ea typeface="+mn-ea"/>
-                  <a:cs typeface="+mn-cs"/>
-                </a:defRPr>
-              </a:lvl5pPr>
-              <a:lvl6pPr marL="2514600" indent="-228600" algn="l" defTabSz="914400" rtl="0" eaLnBrk="1" latinLnBrk="0" hangingPunct="1">
-                <a:spcBef>
-                  <a:spcPct val="20000"/>
-                </a:spcBef>
-                <a:buFont typeface="Arial" panose="020B0604020202020204" pitchFamily="34" charset="0"/>
-                <a:buChar char="•"/>
-                <a:defRPr sz="2000" kern="1200">
-                  <a:solidFill>
-                    <a:schemeClr val="tx1"/>
-                  </a:solidFill>
-                  <a:latin typeface="+mn-lt"/>
-                  <a:ea typeface="+mn-ea"/>
-                  <a:cs typeface="+mn-cs"/>
-                </a:defRPr>
-              </a:lvl6pPr>
-              <a:lvl7pPr marL="2971800" indent="-228600" algn="l" defTabSz="914400" rtl="0" eaLnBrk="1" latinLnBrk="0" hangingPunct="1">
-                <a:spcBef>
-                  <a:spcPct val="20000"/>
-                </a:spcBef>
-                <a:buFont typeface="Arial" panose="020B0604020202020204" pitchFamily="34" charset="0"/>
-                <a:buChar char="•"/>
-                <a:defRPr sz="2000" kern="1200">
-                  <a:solidFill>
-                    <a:schemeClr val="tx1"/>
-                  </a:solidFill>
-                  <a:latin typeface="+mn-lt"/>
-                  <a:ea typeface="+mn-ea"/>
-                  <a:cs typeface="+mn-cs"/>
-                </a:defRPr>
-              </a:lvl7pPr>
-              <a:lvl8pPr marL="3429000" indent="-228600" algn="l" defTabSz="914400" rtl="0" eaLnBrk="1" latinLnBrk="0" hangingPunct="1">
-                <a:spcBef>
-                  <a:spcPct val="20000"/>
-                </a:spcBef>
-                <a:buFont typeface="Arial" panose="020B0604020202020204" pitchFamily="34" charset="0"/>
-                <a:buChar char="•"/>
-                <a:defRPr sz="2000" kern="1200">
-                  <a:solidFill>
-                    <a:schemeClr val="tx1"/>
-                  </a:solidFill>
-                  <a:latin typeface="+mn-lt"/>
-                  <a:ea typeface="+mn-ea"/>
-                  <a:cs typeface="+mn-cs"/>
-                </a:defRPr>
-              </a:lvl8pPr>
-              <a:lvl9pPr marL="3886200" indent="-228600" algn="l" defTabSz="914400" rtl="0" eaLnBrk="1" latinLnBrk="0" hangingPunct="1">
-                <a:spcBef>
-                  <a:spcPct val="20000"/>
-                </a:spcBef>
-                <a:buFont typeface="Arial" panose="020B0604020202020204" pitchFamily="34" charset="0"/>
-                <a:buChar char="•"/>
-                <a:defRPr sz="2000" kern="1200">
-                  <a:solidFill>
-                    <a:schemeClr val="tx1"/>
-                  </a:solidFill>
-                  <a:latin typeface="+mn-lt"/>
-                  <a:ea typeface="+mn-ea"/>
-                  <a:cs typeface="+mn-cs"/>
-                </a:defRPr>
-              </a:lvl9pPr>
-            </a:lstStyle>
-            <a:p>
-              <a:pPr marL="0" indent="0" algn="just">
-                <a:lnSpc>
-                  <a:spcPct val="120000"/>
-                </a:lnSpc>
-                <a:buNone/>
-              </a:pPr>
-              <a:r>
-                <a:rPr lang="en-US" sz="1200" dirty="0">
-                  <a:solidFill>
-                    <a:schemeClr val="bg1"/>
-                  </a:solidFill>
-                  <a:latin typeface="Arial" panose="020B0604020202020204" pitchFamily="34" charset="0"/>
-                  <a:ea typeface="微软雅黑" panose="020B0503020204020204" pitchFamily="34" charset="-122"/>
-                  <a:cs typeface="+mn-ea"/>
-                  <a:sym typeface="Arial" panose="020B0604020202020204" pitchFamily="34" charset="0"/>
-                </a:rPr>
-                <a:t>50%</a:t>
-              </a:r>
-            </a:p>
-          </p:txBody>
-        </p:sp>
-        <p:sp>
-          <p:nvSpPr>
-            <p:cNvPr id="112" name="Content Placeholder 2">
-              <a:extLst>
-                <a:ext uri="{FF2B5EF4-FFF2-40B4-BE49-F238E27FC236}">
-                  <a16:creationId xmlns:a16="http://schemas.microsoft.com/office/drawing/2014/main" id="{7B467F16-2305-DA47-8252-80AFEF732B68}"/>
-                </a:ext>
-              </a:extLst>
-            </p:cNvPr>
-            <p:cNvSpPr txBox="1"/>
-            <p:nvPr/>
-          </p:nvSpPr>
-          <p:spPr>
-            <a:xfrm>
-              <a:off x="7143839" y="5039339"/>
-              <a:ext cx="671652" cy="366750"/>
-            </a:xfrm>
-            <a:prstGeom prst="rect">
-              <a:avLst/>
-            </a:prstGeom>
-            <a:noFill/>
-          </p:spPr>
-          <p:txBody>
-            <a:bodyPr vert="horz" wrap="square" lIns="91441" tIns="45720" rIns="91441" bIns="45720" rtlCol="0">
-              <a:spAutoFit/>
-            </a:bodyPr>
-            <a:lstStyle>
-              <a:lvl1pPr marL="342900" indent="-342900" algn="l" defTabSz="914400" rtl="0" eaLnBrk="1" latinLnBrk="0" hangingPunct="1">
-                <a:spcBef>
-                  <a:spcPct val="20000"/>
-                </a:spcBef>
-                <a:buFont typeface="Arial" panose="020B0604020202020204" pitchFamily="34" charset="0"/>
-                <a:buChar char="•"/>
-                <a:defRPr sz="1400" kern="1200">
-                  <a:solidFill>
-                    <a:schemeClr val="bg1">
-                      <a:lumMod val="65000"/>
-                    </a:schemeClr>
-                  </a:solidFill>
-                  <a:latin typeface="+mn-lt"/>
-                  <a:ea typeface="+mn-ea"/>
-                  <a:cs typeface="+mn-cs"/>
-                </a:defRPr>
-              </a:lvl1pPr>
-              <a:lvl2pPr marL="742950" indent="-285750" algn="l" defTabSz="914400" rtl="0" eaLnBrk="1" latinLnBrk="0" hangingPunct="1">
-                <a:spcBef>
-                  <a:spcPct val="20000"/>
-                </a:spcBef>
-                <a:buFont typeface="Arial" panose="020B0604020202020204" pitchFamily="34" charset="0"/>
-                <a:buChar char="–"/>
-                <a:defRPr sz="1200" kern="1200">
-                  <a:solidFill>
-                    <a:schemeClr val="bg1">
-                      <a:lumMod val="65000"/>
-                    </a:schemeClr>
-                  </a:solidFill>
-                  <a:latin typeface="+mn-lt"/>
-                  <a:ea typeface="+mn-ea"/>
-                  <a:cs typeface="+mn-cs"/>
-                </a:defRPr>
-              </a:lvl2pPr>
-              <a:lvl3pPr marL="1143000" indent="-228600" algn="l" defTabSz="914400" rtl="0" eaLnBrk="1" latinLnBrk="0" hangingPunct="1">
-                <a:spcBef>
-                  <a:spcPct val="20000"/>
-                </a:spcBef>
-                <a:buFont typeface="Arial" panose="020B0604020202020204" pitchFamily="34" charset="0"/>
-                <a:buChar char="•"/>
-                <a:defRPr sz="1100" kern="1200">
-                  <a:solidFill>
-                    <a:schemeClr val="bg1">
-                      <a:lumMod val="65000"/>
-                    </a:schemeClr>
-                  </a:solidFill>
-                  <a:latin typeface="+mn-lt"/>
-                  <a:ea typeface="+mn-ea"/>
-                  <a:cs typeface="+mn-cs"/>
-                </a:defRPr>
-              </a:lvl3pPr>
-              <a:lvl4pPr marL="1600200" indent="-228600" algn="l" defTabSz="914400" rtl="0" eaLnBrk="1" latinLnBrk="0" hangingPunct="1">
-                <a:spcBef>
-                  <a:spcPct val="20000"/>
-                </a:spcBef>
-                <a:buFont typeface="Arial" panose="020B0604020202020204" pitchFamily="34" charset="0"/>
-                <a:buChar char="–"/>
-                <a:defRPr sz="1050" kern="1200">
-                  <a:solidFill>
-                    <a:schemeClr val="bg1">
-                      <a:lumMod val="65000"/>
-                    </a:schemeClr>
-                  </a:solidFill>
-                  <a:latin typeface="+mn-lt"/>
-                  <a:ea typeface="+mn-ea"/>
-                  <a:cs typeface="+mn-cs"/>
-                </a:defRPr>
-              </a:lvl4pPr>
-              <a:lvl5pPr marL="2057400" indent="-228600" algn="l" defTabSz="914400" rtl="0" eaLnBrk="1" latinLnBrk="0" hangingPunct="1">
-                <a:spcBef>
-                  <a:spcPct val="20000"/>
-                </a:spcBef>
-                <a:buFont typeface="Arial" panose="020B0604020202020204" pitchFamily="34" charset="0"/>
-                <a:buChar char="»"/>
-                <a:defRPr sz="1050" kern="1200">
-                  <a:solidFill>
-                    <a:schemeClr val="bg1">
-                      <a:lumMod val="65000"/>
-                    </a:schemeClr>
-                  </a:solidFill>
-                  <a:latin typeface="+mn-lt"/>
-                  <a:ea typeface="+mn-ea"/>
-                  <a:cs typeface="+mn-cs"/>
-                </a:defRPr>
-              </a:lvl5pPr>
-              <a:lvl6pPr marL="2514600" indent="-228600" algn="l" defTabSz="914400" rtl="0" eaLnBrk="1" latinLnBrk="0" hangingPunct="1">
-                <a:spcBef>
-                  <a:spcPct val="20000"/>
-                </a:spcBef>
-                <a:buFont typeface="Arial" panose="020B0604020202020204" pitchFamily="34" charset="0"/>
-                <a:buChar char="•"/>
-                <a:defRPr sz="2000" kern="1200">
-                  <a:solidFill>
-                    <a:schemeClr val="tx1"/>
-                  </a:solidFill>
-                  <a:latin typeface="+mn-lt"/>
-                  <a:ea typeface="+mn-ea"/>
-                  <a:cs typeface="+mn-cs"/>
-                </a:defRPr>
-              </a:lvl6pPr>
-              <a:lvl7pPr marL="2971800" indent="-228600" algn="l" defTabSz="914400" rtl="0" eaLnBrk="1" latinLnBrk="0" hangingPunct="1">
-                <a:spcBef>
-                  <a:spcPct val="20000"/>
-                </a:spcBef>
-                <a:buFont typeface="Arial" panose="020B0604020202020204" pitchFamily="34" charset="0"/>
-                <a:buChar char="•"/>
-                <a:defRPr sz="2000" kern="1200">
-                  <a:solidFill>
-                    <a:schemeClr val="tx1"/>
-                  </a:solidFill>
-                  <a:latin typeface="+mn-lt"/>
-                  <a:ea typeface="+mn-ea"/>
-                  <a:cs typeface="+mn-cs"/>
-                </a:defRPr>
-              </a:lvl7pPr>
-              <a:lvl8pPr marL="3429000" indent="-228600" algn="l" defTabSz="914400" rtl="0" eaLnBrk="1" latinLnBrk="0" hangingPunct="1">
-                <a:spcBef>
-                  <a:spcPct val="20000"/>
-                </a:spcBef>
-                <a:buFont typeface="Arial" panose="020B0604020202020204" pitchFamily="34" charset="0"/>
-                <a:buChar char="•"/>
-                <a:defRPr sz="2000" kern="1200">
-                  <a:solidFill>
-                    <a:schemeClr val="tx1"/>
-                  </a:solidFill>
-                  <a:latin typeface="+mn-lt"/>
-                  <a:ea typeface="+mn-ea"/>
-                  <a:cs typeface="+mn-cs"/>
-                </a:defRPr>
-              </a:lvl8pPr>
-              <a:lvl9pPr marL="3886200" indent="-228600" algn="l" defTabSz="914400" rtl="0" eaLnBrk="1" latinLnBrk="0" hangingPunct="1">
-                <a:spcBef>
-                  <a:spcPct val="20000"/>
-                </a:spcBef>
-                <a:buFont typeface="Arial" panose="020B0604020202020204" pitchFamily="34" charset="0"/>
-                <a:buChar char="•"/>
-                <a:defRPr sz="2000" kern="1200">
-                  <a:solidFill>
-                    <a:schemeClr val="tx1"/>
-                  </a:solidFill>
-                  <a:latin typeface="+mn-lt"/>
-                  <a:ea typeface="+mn-ea"/>
-                  <a:cs typeface="+mn-cs"/>
-                </a:defRPr>
-              </a:lvl9pPr>
-            </a:lstStyle>
-            <a:p>
-              <a:pPr marL="0" indent="0" algn="just">
-                <a:lnSpc>
-                  <a:spcPct val="120000"/>
-                </a:lnSpc>
-                <a:buNone/>
-              </a:pPr>
-              <a:r>
-                <a:rPr lang="en-US" sz="1200" dirty="0">
-                  <a:solidFill>
-                    <a:schemeClr val="bg1"/>
-                  </a:solidFill>
-                  <a:latin typeface="Arial" panose="020B0604020202020204" pitchFamily="34" charset="0"/>
-                  <a:ea typeface="微软雅黑" panose="020B0503020204020204" pitchFamily="34" charset="-122"/>
-                  <a:cs typeface="+mn-ea"/>
-                  <a:sym typeface="Arial" panose="020B0604020202020204" pitchFamily="34" charset="0"/>
-                </a:rPr>
-                <a:t>45%</a:t>
-              </a:r>
-            </a:p>
-          </p:txBody>
-        </p:sp>
-        <p:sp>
-          <p:nvSpPr>
-            <p:cNvPr id="115" name="Content Placeholder 2">
-              <a:extLst>
-                <a:ext uri="{FF2B5EF4-FFF2-40B4-BE49-F238E27FC236}">
-                  <a16:creationId xmlns:a16="http://schemas.microsoft.com/office/drawing/2014/main" id="{D437C6FD-9C82-7E49-9279-CAEBBD86FC19}"/>
-                </a:ext>
-              </a:extLst>
-            </p:cNvPr>
-            <p:cNvSpPr txBox="1"/>
-            <p:nvPr/>
-          </p:nvSpPr>
-          <p:spPr>
-            <a:xfrm>
-              <a:off x="7015625" y="3289616"/>
-              <a:ext cx="3663156" cy="773673"/>
-            </a:xfrm>
-            <a:prstGeom prst="rect">
-              <a:avLst/>
-            </a:prstGeom>
-            <a:noFill/>
-          </p:spPr>
-          <p:txBody>
-            <a:bodyPr vert="horz" wrap="square" lIns="91441" tIns="45720" rIns="91441" bIns="45720" rtlCol="0">
-              <a:spAutoFit/>
-            </a:bodyPr>
-            <a:lstStyle>
-              <a:lvl1pPr marL="342900" indent="-342900" algn="l" defTabSz="914400" rtl="0" eaLnBrk="1" latinLnBrk="0" hangingPunct="1">
-                <a:spcBef>
-                  <a:spcPct val="20000"/>
-                </a:spcBef>
-                <a:buFont typeface="Arial" panose="020B0604020202020204" pitchFamily="34" charset="0"/>
-                <a:buChar char="•"/>
-                <a:defRPr sz="1400" kern="1200">
-                  <a:solidFill>
-                    <a:schemeClr val="bg1">
-                      <a:lumMod val="65000"/>
-                    </a:schemeClr>
-                  </a:solidFill>
-                  <a:latin typeface="+mn-lt"/>
-                  <a:ea typeface="+mn-ea"/>
-                  <a:cs typeface="+mn-cs"/>
-                </a:defRPr>
-              </a:lvl1pPr>
-              <a:lvl2pPr marL="742950" indent="-285750" algn="l" defTabSz="914400" rtl="0" eaLnBrk="1" latinLnBrk="0" hangingPunct="1">
-                <a:spcBef>
-                  <a:spcPct val="20000"/>
-                </a:spcBef>
-                <a:buFont typeface="Arial" panose="020B0604020202020204" pitchFamily="34" charset="0"/>
-                <a:buChar char="–"/>
-                <a:defRPr sz="1200" kern="1200">
-                  <a:solidFill>
-                    <a:schemeClr val="bg1">
-                      <a:lumMod val="65000"/>
-                    </a:schemeClr>
-                  </a:solidFill>
-                  <a:latin typeface="+mn-lt"/>
-                  <a:ea typeface="+mn-ea"/>
-                  <a:cs typeface="+mn-cs"/>
-                </a:defRPr>
-              </a:lvl2pPr>
-              <a:lvl3pPr marL="1143000" indent="-228600" algn="l" defTabSz="914400" rtl="0" eaLnBrk="1" latinLnBrk="0" hangingPunct="1">
-                <a:spcBef>
-                  <a:spcPct val="20000"/>
-                </a:spcBef>
-                <a:buFont typeface="Arial" panose="020B0604020202020204" pitchFamily="34" charset="0"/>
-                <a:buChar char="•"/>
-                <a:defRPr sz="1100" kern="1200">
-                  <a:solidFill>
-                    <a:schemeClr val="bg1">
-                      <a:lumMod val="65000"/>
-                    </a:schemeClr>
-                  </a:solidFill>
-                  <a:latin typeface="+mn-lt"/>
-                  <a:ea typeface="+mn-ea"/>
-                  <a:cs typeface="+mn-cs"/>
-                </a:defRPr>
-              </a:lvl3pPr>
-              <a:lvl4pPr marL="1600200" indent="-228600" algn="l" defTabSz="914400" rtl="0" eaLnBrk="1" latinLnBrk="0" hangingPunct="1">
-                <a:spcBef>
-                  <a:spcPct val="20000"/>
-                </a:spcBef>
-                <a:buFont typeface="Arial" panose="020B0604020202020204" pitchFamily="34" charset="0"/>
-                <a:buChar char="–"/>
-                <a:defRPr sz="1050" kern="1200">
-                  <a:solidFill>
-                    <a:schemeClr val="bg1">
-                      <a:lumMod val="65000"/>
-                    </a:schemeClr>
-                  </a:solidFill>
-                  <a:latin typeface="+mn-lt"/>
-                  <a:ea typeface="+mn-ea"/>
-                  <a:cs typeface="+mn-cs"/>
-                </a:defRPr>
-              </a:lvl4pPr>
-              <a:lvl5pPr marL="2057400" indent="-228600" algn="l" defTabSz="914400" rtl="0" eaLnBrk="1" latinLnBrk="0" hangingPunct="1">
-                <a:spcBef>
-                  <a:spcPct val="20000"/>
-                </a:spcBef>
-                <a:buFont typeface="Arial" panose="020B0604020202020204" pitchFamily="34" charset="0"/>
-                <a:buChar char="»"/>
-                <a:defRPr sz="1050" kern="1200">
-                  <a:solidFill>
-                    <a:schemeClr val="bg1">
-                      <a:lumMod val="65000"/>
-                    </a:schemeClr>
-                  </a:solidFill>
-                  <a:latin typeface="+mn-lt"/>
-                  <a:ea typeface="+mn-ea"/>
-                  <a:cs typeface="+mn-cs"/>
-                </a:defRPr>
-              </a:lvl5pPr>
-              <a:lvl6pPr marL="2514600" indent="-228600" algn="l" defTabSz="914400" rtl="0" eaLnBrk="1" latinLnBrk="0" hangingPunct="1">
-                <a:spcBef>
-                  <a:spcPct val="20000"/>
-                </a:spcBef>
-                <a:buFont typeface="Arial" panose="020B0604020202020204" pitchFamily="34" charset="0"/>
-                <a:buChar char="•"/>
-                <a:defRPr sz="2000" kern="1200">
-                  <a:solidFill>
-                    <a:schemeClr val="tx1"/>
-                  </a:solidFill>
-                  <a:latin typeface="+mn-lt"/>
-                  <a:ea typeface="+mn-ea"/>
-                  <a:cs typeface="+mn-cs"/>
-                </a:defRPr>
-              </a:lvl6pPr>
-              <a:lvl7pPr marL="2971800" indent="-228600" algn="l" defTabSz="914400" rtl="0" eaLnBrk="1" latinLnBrk="0" hangingPunct="1">
-                <a:spcBef>
-                  <a:spcPct val="20000"/>
-                </a:spcBef>
-                <a:buFont typeface="Arial" panose="020B0604020202020204" pitchFamily="34" charset="0"/>
-                <a:buChar char="•"/>
-                <a:defRPr sz="2000" kern="1200">
-                  <a:solidFill>
-                    <a:schemeClr val="tx1"/>
-                  </a:solidFill>
-                  <a:latin typeface="+mn-lt"/>
-                  <a:ea typeface="+mn-ea"/>
-                  <a:cs typeface="+mn-cs"/>
-                </a:defRPr>
-              </a:lvl7pPr>
-              <a:lvl8pPr marL="3429000" indent="-228600" algn="l" defTabSz="914400" rtl="0" eaLnBrk="1" latinLnBrk="0" hangingPunct="1">
-                <a:spcBef>
-                  <a:spcPct val="20000"/>
-                </a:spcBef>
-                <a:buFont typeface="Arial" panose="020B0604020202020204" pitchFamily="34" charset="0"/>
-                <a:buChar char="•"/>
-                <a:defRPr sz="2000" kern="1200">
-                  <a:solidFill>
-                    <a:schemeClr val="tx1"/>
-                  </a:solidFill>
-                  <a:latin typeface="+mn-lt"/>
-                  <a:ea typeface="+mn-ea"/>
-                  <a:cs typeface="+mn-cs"/>
-                </a:defRPr>
-              </a:lvl8pPr>
-              <a:lvl9pPr marL="3886200" indent="-228600" algn="l" defTabSz="914400" rtl="0" eaLnBrk="1" latinLnBrk="0" hangingPunct="1">
-                <a:spcBef>
-                  <a:spcPct val="20000"/>
-                </a:spcBef>
-                <a:buFont typeface="Arial" panose="020B0604020202020204" pitchFamily="34" charset="0"/>
-                <a:buChar char="•"/>
-                <a:defRPr sz="2000" kern="1200">
-                  <a:solidFill>
-                    <a:schemeClr val="tx1"/>
-                  </a:solidFill>
-                  <a:latin typeface="+mn-lt"/>
-                  <a:ea typeface="+mn-ea"/>
-                  <a:cs typeface="+mn-cs"/>
-                </a:defRPr>
-              </a:lvl9pPr>
-            </a:lstStyle>
-            <a:p>
-              <a:pPr marL="0" indent="0" algn="just">
-                <a:lnSpc>
-                  <a:spcPct val="120000"/>
-                </a:lnSpc>
-                <a:buNone/>
-              </a:pPr>
-              <a:r>
-                <a:rPr lang="en-US" altLang="zh-CN" sz="1200" dirty="0">
-                  <a:solidFill>
-                    <a:schemeClr val="bg1"/>
-                  </a:solidFill>
-                  <a:latin typeface="Arial" panose="020B0604020202020204" pitchFamily="34" charset="0"/>
-                  <a:ea typeface="微软雅黑" panose="020B0503020204020204" pitchFamily="34" charset="-122"/>
-                  <a:cs typeface="+mn-ea"/>
-                  <a:sym typeface="Arial" panose="020B0604020202020204" pitchFamily="34" charset="0"/>
-                </a:rPr>
-                <a:t>3. </a:t>
-              </a:r>
-              <a:r>
-                <a:rPr lang="zh-CN" altLang="en-US" sz="1200" dirty="0">
-                  <a:solidFill>
-                    <a:schemeClr val="bg1"/>
-                  </a:solidFill>
-                  <a:latin typeface="Arial" panose="020B0604020202020204" pitchFamily="34" charset="0"/>
-                  <a:ea typeface="微软雅黑" panose="020B0503020204020204" pitchFamily="34" charset="-122"/>
-                  <a:cs typeface="+mn-ea"/>
-                  <a:sym typeface="Arial" panose="020B0604020202020204" pitchFamily="34" charset="0"/>
-                </a:rPr>
-                <a:t>开发环境约束多，有些用习惯的软件无法使用、遇到技术问题和外界交流比较困难。</a:t>
-              </a:r>
-            </a:p>
-            <a:p>
-              <a:pPr marL="0" indent="0" algn="just">
-                <a:lnSpc>
-                  <a:spcPct val="120000"/>
-                </a:lnSpc>
-                <a:buNone/>
-              </a:pPr>
-              <a:r>
-                <a:rPr lang="en-US" sz="1200" dirty="0">
-                  <a:solidFill>
-                    <a:schemeClr val="bg1"/>
-                  </a:solidFill>
-                  <a:latin typeface="Arial" panose="020B0604020202020204" pitchFamily="34" charset="0"/>
-                  <a:ea typeface="微软雅黑" panose="020B0503020204020204" pitchFamily="34" charset="-122"/>
-                  <a:cs typeface="+mn-ea"/>
-                  <a:sym typeface="Arial" panose="020B0604020202020204" pitchFamily="34" charset="0"/>
-                </a:rPr>
-                <a:t>75</a:t>
-              </a:r>
-            </a:p>
-          </p:txBody>
-        </p:sp>
-        <p:sp>
-          <p:nvSpPr>
-            <p:cNvPr id="118" name="Content Placeholder 2">
-              <a:extLst>
-                <a:ext uri="{FF2B5EF4-FFF2-40B4-BE49-F238E27FC236}">
-                  <a16:creationId xmlns:a16="http://schemas.microsoft.com/office/drawing/2014/main" id="{FBD6DE41-09AA-1C48-921D-2CC294A0DCAC}"/>
-                </a:ext>
-              </a:extLst>
-            </p:cNvPr>
-            <p:cNvSpPr txBox="1"/>
-            <p:nvPr/>
-          </p:nvSpPr>
-          <p:spPr>
-            <a:xfrm>
-              <a:off x="7143839" y="4108540"/>
-              <a:ext cx="671652" cy="366750"/>
-            </a:xfrm>
-            <a:prstGeom prst="rect">
-              <a:avLst/>
-            </a:prstGeom>
-            <a:noFill/>
-          </p:spPr>
-          <p:txBody>
-            <a:bodyPr vert="horz" wrap="square" lIns="91441" tIns="45720" rIns="91441" bIns="45720" rtlCol="0">
-              <a:spAutoFit/>
-            </a:bodyPr>
-            <a:lstStyle>
-              <a:lvl1pPr marL="342900" indent="-342900" algn="l" defTabSz="914400" rtl="0" eaLnBrk="1" latinLnBrk="0" hangingPunct="1">
-                <a:spcBef>
-                  <a:spcPct val="20000"/>
-                </a:spcBef>
-                <a:buFont typeface="Arial" panose="020B0604020202020204" pitchFamily="34" charset="0"/>
-                <a:buChar char="•"/>
-                <a:defRPr sz="1400" kern="1200">
-                  <a:solidFill>
-                    <a:schemeClr val="bg1">
-                      <a:lumMod val="65000"/>
-                    </a:schemeClr>
-                  </a:solidFill>
-                  <a:latin typeface="+mn-lt"/>
-                  <a:ea typeface="+mn-ea"/>
-                  <a:cs typeface="+mn-cs"/>
-                </a:defRPr>
-              </a:lvl1pPr>
-              <a:lvl2pPr marL="742950" indent="-285750" algn="l" defTabSz="914400" rtl="0" eaLnBrk="1" latinLnBrk="0" hangingPunct="1">
-                <a:spcBef>
-                  <a:spcPct val="20000"/>
-                </a:spcBef>
-                <a:buFont typeface="Arial" panose="020B0604020202020204" pitchFamily="34" charset="0"/>
-                <a:buChar char="–"/>
-                <a:defRPr sz="1200" kern="1200">
-                  <a:solidFill>
-                    <a:schemeClr val="bg1">
-                      <a:lumMod val="65000"/>
-                    </a:schemeClr>
-                  </a:solidFill>
-                  <a:latin typeface="+mn-lt"/>
-                  <a:ea typeface="+mn-ea"/>
-                  <a:cs typeface="+mn-cs"/>
-                </a:defRPr>
-              </a:lvl2pPr>
-              <a:lvl3pPr marL="1143000" indent="-228600" algn="l" defTabSz="914400" rtl="0" eaLnBrk="1" latinLnBrk="0" hangingPunct="1">
-                <a:spcBef>
-                  <a:spcPct val="20000"/>
-                </a:spcBef>
-                <a:buFont typeface="Arial" panose="020B0604020202020204" pitchFamily="34" charset="0"/>
-                <a:buChar char="•"/>
-                <a:defRPr sz="1100" kern="1200">
-                  <a:solidFill>
-                    <a:schemeClr val="bg1">
-                      <a:lumMod val="65000"/>
-                    </a:schemeClr>
-                  </a:solidFill>
-                  <a:latin typeface="+mn-lt"/>
-                  <a:ea typeface="+mn-ea"/>
-                  <a:cs typeface="+mn-cs"/>
-                </a:defRPr>
-              </a:lvl3pPr>
-              <a:lvl4pPr marL="1600200" indent="-228600" algn="l" defTabSz="914400" rtl="0" eaLnBrk="1" latinLnBrk="0" hangingPunct="1">
-                <a:spcBef>
-                  <a:spcPct val="20000"/>
-                </a:spcBef>
-                <a:buFont typeface="Arial" panose="020B0604020202020204" pitchFamily="34" charset="0"/>
-                <a:buChar char="–"/>
-                <a:defRPr sz="1050" kern="1200">
-                  <a:solidFill>
-                    <a:schemeClr val="bg1">
-                      <a:lumMod val="65000"/>
-                    </a:schemeClr>
-                  </a:solidFill>
-                  <a:latin typeface="+mn-lt"/>
-                  <a:ea typeface="+mn-ea"/>
-                  <a:cs typeface="+mn-cs"/>
-                </a:defRPr>
-              </a:lvl4pPr>
-              <a:lvl5pPr marL="2057400" indent="-228600" algn="l" defTabSz="914400" rtl="0" eaLnBrk="1" latinLnBrk="0" hangingPunct="1">
-                <a:spcBef>
-                  <a:spcPct val="20000"/>
-                </a:spcBef>
-                <a:buFont typeface="Arial" panose="020B0604020202020204" pitchFamily="34" charset="0"/>
-                <a:buChar char="»"/>
-                <a:defRPr sz="1050" kern="1200">
-                  <a:solidFill>
-                    <a:schemeClr val="bg1">
-                      <a:lumMod val="65000"/>
-                    </a:schemeClr>
-                  </a:solidFill>
-                  <a:latin typeface="+mn-lt"/>
-                  <a:ea typeface="+mn-ea"/>
-                  <a:cs typeface="+mn-cs"/>
-                </a:defRPr>
-              </a:lvl5pPr>
-              <a:lvl6pPr marL="2514600" indent="-228600" algn="l" defTabSz="914400" rtl="0" eaLnBrk="1" latinLnBrk="0" hangingPunct="1">
-                <a:spcBef>
-                  <a:spcPct val="20000"/>
-                </a:spcBef>
-                <a:buFont typeface="Arial" panose="020B0604020202020204" pitchFamily="34" charset="0"/>
-                <a:buChar char="•"/>
-                <a:defRPr sz="2000" kern="1200">
-                  <a:solidFill>
-                    <a:schemeClr val="tx1"/>
-                  </a:solidFill>
-                  <a:latin typeface="+mn-lt"/>
-                  <a:ea typeface="+mn-ea"/>
-                  <a:cs typeface="+mn-cs"/>
-                </a:defRPr>
-              </a:lvl6pPr>
-              <a:lvl7pPr marL="2971800" indent="-228600" algn="l" defTabSz="914400" rtl="0" eaLnBrk="1" latinLnBrk="0" hangingPunct="1">
-                <a:spcBef>
-                  <a:spcPct val="20000"/>
-                </a:spcBef>
-                <a:buFont typeface="Arial" panose="020B0604020202020204" pitchFamily="34" charset="0"/>
-                <a:buChar char="•"/>
-                <a:defRPr sz="2000" kern="1200">
-                  <a:solidFill>
-                    <a:schemeClr val="tx1"/>
-                  </a:solidFill>
-                  <a:latin typeface="+mn-lt"/>
-                  <a:ea typeface="+mn-ea"/>
-                  <a:cs typeface="+mn-cs"/>
-                </a:defRPr>
-              </a:lvl7pPr>
-              <a:lvl8pPr marL="3429000" indent="-228600" algn="l" defTabSz="914400" rtl="0" eaLnBrk="1" latinLnBrk="0" hangingPunct="1">
-                <a:spcBef>
-                  <a:spcPct val="20000"/>
-                </a:spcBef>
-                <a:buFont typeface="Arial" panose="020B0604020202020204" pitchFamily="34" charset="0"/>
-                <a:buChar char="•"/>
-                <a:defRPr sz="2000" kern="1200">
-                  <a:solidFill>
-                    <a:schemeClr val="tx1"/>
-                  </a:solidFill>
-                  <a:latin typeface="+mn-lt"/>
-                  <a:ea typeface="+mn-ea"/>
-                  <a:cs typeface="+mn-cs"/>
-                </a:defRPr>
-              </a:lvl8pPr>
-              <a:lvl9pPr marL="3886200" indent="-228600" algn="l" defTabSz="914400" rtl="0" eaLnBrk="1" latinLnBrk="0" hangingPunct="1">
-                <a:spcBef>
-                  <a:spcPct val="20000"/>
-                </a:spcBef>
-                <a:buFont typeface="Arial" panose="020B0604020202020204" pitchFamily="34" charset="0"/>
-                <a:buChar char="•"/>
-                <a:defRPr sz="2000" kern="1200">
-                  <a:solidFill>
-                    <a:schemeClr val="tx1"/>
-                  </a:solidFill>
-                  <a:latin typeface="+mn-lt"/>
-                  <a:ea typeface="+mn-ea"/>
-                  <a:cs typeface="+mn-cs"/>
-                </a:defRPr>
-              </a:lvl9pPr>
-            </a:lstStyle>
-            <a:p>
-              <a:pPr marL="0" indent="0" algn="just">
-                <a:lnSpc>
-                  <a:spcPct val="120000"/>
-                </a:lnSpc>
-                <a:buNone/>
-              </a:pPr>
-              <a:r>
-                <a:rPr lang="en-US" sz="1200" dirty="0">
-                  <a:solidFill>
-                    <a:schemeClr val="bg1"/>
-                  </a:solidFill>
-                  <a:latin typeface="Arial" panose="020B0604020202020204" pitchFamily="34" charset="0"/>
-                  <a:ea typeface="微软雅黑" panose="020B0503020204020204" pitchFamily="34" charset="-122"/>
-                  <a:cs typeface="+mn-ea"/>
-                  <a:sym typeface="Arial" panose="020B0604020202020204" pitchFamily="34" charset="0"/>
-                </a:rPr>
-                <a:t>62%</a:t>
-              </a:r>
-            </a:p>
-          </p:txBody>
-        </p:sp>
-        <p:grpSp>
-          <p:nvGrpSpPr>
-            <p:cNvPr id="119" name="Group 169">
-              <a:extLst>
-                <a:ext uri="{FF2B5EF4-FFF2-40B4-BE49-F238E27FC236}">
-                  <a16:creationId xmlns:a16="http://schemas.microsoft.com/office/drawing/2014/main" id="{FB27A60D-E56A-4243-9141-7C22F6081DDB}"/>
+                  <a16:creationId xmlns:a16="http://schemas.microsoft.com/office/drawing/2014/main" id="{82AED6FA-BE2D-1647-8D26-D493880B232C}"/>
                 </a:ext>
               </a:extLst>
             </p:cNvPr>
@@ -18811,2002 +19994,1624 @@
           </p:nvGrpSpPr>
           <p:grpSpPr>
             <a:xfrm>
-              <a:off x="6547319" y="4143289"/>
-              <a:ext cx="310699" cy="389305"/>
-              <a:chOff x="7275629" y="4075434"/>
-              <a:chExt cx="464344" cy="581711"/>
+              <a:off x="4516942" y="3809481"/>
+              <a:ext cx="330216" cy="1082817"/>
+              <a:chOff x="4516942" y="3809481"/>
+              <a:chExt cx="330216" cy="1082817"/>
             </a:xfrm>
-            <a:grpFill/>
           </p:grpSpPr>
-          <p:sp>
-            <p:nvSpPr>
-              <p:cNvPr id="140" name="AutoShape 37">
+          <p:grpSp>
+            <p:nvGrpSpPr>
+              <p:cNvPr id="119" name="Group 169">
                 <a:extLst>
                   <a:ext uri="{FF2B5EF4-FFF2-40B4-BE49-F238E27FC236}">
-                    <a16:creationId xmlns:a16="http://schemas.microsoft.com/office/drawing/2014/main" id="{04D018AB-813F-EB4B-90B1-6CEDA86FFB24}"/>
+                    <a16:creationId xmlns:a16="http://schemas.microsoft.com/office/drawing/2014/main" id="{FB27A60D-E56A-4243-9141-7C22F6081DDB}"/>
                   </a:ext>
                 </a:extLst>
               </p:cNvPr>
-              <p:cNvSpPr/>
+              <p:cNvGrpSpPr/>
               <p:nvPr/>
-            </p:nvSpPr>
-            <p:spPr bwMode="auto">
+            </p:nvGrpSpPr>
+            <p:grpSpPr>
               <a:xfrm>
-                <a:off x="7275629" y="4235662"/>
-                <a:ext cx="423069" cy="421483"/>
+                <a:off x="4536459" y="3809481"/>
+                <a:ext cx="310699" cy="389305"/>
+                <a:chOff x="7275629" y="4075434"/>
+                <a:chExt cx="464344" cy="581711"/>
               </a:xfrm>
-              <a:custGeom>
-                <a:avLst/>
-                <a:gdLst>
-                  <a:gd name="T0" fmla="+- 0 10849 98"/>
-                  <a:gd name="T1" fmla="*/ T0 w 21502"/>
-                  <a:gd name="T2" fmla="*/ 10800 h 21600"/>
-                  <a:gd name="T3" fmla="+- 0 10849 98"/>
-                  <a:gd name="T4" fmla="*/ T3 w 21502"/>
-                  <a:gd name="T5" fmla="*/ 10800 h 21600"/>
-                  <a:gd name="T6" fmla="+- 0 10849 98"/>
-                  <a:gd name="T7" fmla="*/ T6 w 21502"/>
-                  <a:gd name="T8" fmla="*/ 10800 h 21600"/>
-                  <a:gd name="T9" fmla="+- 0 10849 98"/>
-                  <a:gd name="T10" fmla="*/ T9 w 21502"/>
-                  <a:gd name="T11" fmla="*/ 10800 h 21600"/>
-                </a:gdLst>
-                <a:ahLst/>
-                <a:cxnLst>
-                  <a:cxn ang="0">
-                    <a:pos x="T1" y="T2"/>
-                  </a:cxn>
-                  <a:cxn ang="0">
-                    <a:pos x="T4" y="T5"/>
-                  </a:cxn>
-                  <a:cxn ang="0">
-                    <a:pos x="T7" y="T8"/>
-                  </a:cxn>
-                  <a:cxn ang="0">
-                    <a:pos x="T10" y="T11"/>
-                  </a:cxn>
-                </a:cxnLst>
-                <a:rect l="0" t="0" r="r" b="b"/>
-                <a:pathLst>
-                  <a:path w="21502" h="21600">
-                    <a:moveTo>
-                      <a:pt x="19917" y="7880"/>
-                    </a:moveTo>
-                    <a:lnTo>
-                      <a:pt x="18875" y="8932"/>
-                    </a:lnTo>
-                    <a:cubicBezTo>
-                      <a:pt x="18730" y="9079"/>
-                      <a:pt x="18497" y="9079"/>
-                      <a:pt x="18353" y="8932"/>
-                    </a:cubicBezTo>
-                    <a:lnTo>
-                      <a:pt x="17048" y="7617"/>
-                    </a:lnTo>
-                    <a:lnTo>
-                      <a:pt x="15991" y="10290"/>
-                    </a:lnTo>
-                    <a:lnTo>
-                      <a:pt x="16080" y="10064"/>
-                    </a:lnTo>
-                    <a:cubicBezTo>
-                      <a:pt x="13859" y="7826"/>
-                      <a:pt x="11601" y="7544"/>
-                      <a:pt x="9565" y="7291"/>
-                    </a:cubicBezTo>
-                    <a:cubicBezTo>
-                      <a:pt x="8910" y="7210"/>
-                      <a:pt x="8276" y="7126"/>
-                      <a:pt x="7652" y="6990"/>
-                    </a:cubicBezTo>
-                    <a:lnTo>
-                      <a:pt x="13918" y="4456"/>
-                    </a:lnTo>
-                    <a:lnTo>
-                      <a:pt x="12652" y="3179"/>
-                    </a:lnTo>
-                    <a:cubicBezTo>
-                      <a:pt x="12508" y="3033"/>
-                      <a:pt x="12508" y="2798"/>
-                      <a:pt x="12652" y="2652"/>
-                    </a:cubicBezTo>
-                    <a:lnTo>
-                      <a:pt x="13695" y="1598"/>
-                    </a:lnTo>
-                    <a:cubicBezTo>
-                      <a:pt x="13840" y="1453"/>
-                      <a:pt x="14073" y="1453"/>
-                      <a:pt x="14217" y="1598"/>
-                    </a:cubicBezTo>
-                    <a:lnTo>
-                      <a:pt x="19917" y="7353"/>
-                    </a:lnTo>
-                    <a:cubicBezTo>
-                      <a:pt x="20062" y="7499"/>
-                      <a:pt x="20062" y="7734"/>
-                      <a:pt x="19917" y="7880"/>
-                    </a:cubicBezTo>
-                    <a:moveTo>
-                      <a:pt x="12292" y="19639"/>
-                    </a:moveTo>
-                    <a:cubicBezTo>
-                      <a:pt x="12200" y="19872"/>
-                      <a:pt x="11999" y="20044"/>
-                      <a:pt x="11756" y="20095"/>
-                    </a:cubicBezTo>
-                    <a:cubicBezTo>
-                      <a:pt x="11700" y="20106"/>
-                      <a:pt x="11643" y="20111"/>
-                      <a:pt x="11587" y="20110"/>
-                    </a:cubicBezTo>
-                    <a:cubicBezTo>
-                      <a:pt x="11400" y="20105"/>
-                      <a:pt x="11219" y="20030"/>
-                      <a:pt x="11084" y="19892"/>
-                    </a:cubicBezTo>
-                    <a:lnTo>
-                      <a:pt x="1692" y="10517"/>
-                    </a:lnTo>
-                    <a:cubicBezTo>
-                      <a:pt x="1519" y="10343"/>
-                      <a:pt x="1443" y="10094"/>
-                      <a:pt x="1488" y="9852"/>
-                    </a:cubicBezTo>
-                    <a:cubicBezTo>
-                      <a:pt x="1533" y="9610"/>
-                      <a:pt x="1695" y="9407"/>
-                      <a:pt x="1917" y="9308"/>
-                    </a:cubicBezTo>
-                    <a:lnTo>
-                      <a:pt x="6505" y="7453"/>
-                    </a:lnTo>
-                    <a:cubicBezTo>
-                      <a:pt x="9597" y="8490"/>
-                      <a:pt x="12689" y="7491"/>
-                      <a:pt x="15781" y="10821"/>
-                    </a:cubicBezTo>
-                    <a:cubicBezTo>
-                      <a:pt x="15781" y="10821"/>
-                      <a:pt x="12292" y="19639"/>
-                      <a:pt x="12292" y="19639"/>
-                    </a:cubicBezTo>
-                    <a:close/>
-                    <a:moveTo>
-                      <a:pt x="15260" y="545"/>
-                    </a:moveTo>
-                    <a:cubicBezTo>
-                      <a:pt x="14912" y="193"/>
-                      <a:pt x="14449" y="0"/>
-                      <a:pt x="13956" y="0"/>
-                    </a:cubicBezTo>
-                    <a:cubicBezTo>
-                      <a:pt x="13463" y="0"/>
-                      <a:pt x="13000" y="193"/>
-                      <a:pt x="12651" y="546"/>
-                    </a:cubicBezTo>
-                    <a:lnTo>
-                      <a:pt x="11610" y="1598"/>
-                    </a:lnTo>
-                    <a:cubicBezTo>
-                      <a:pt x="11261" y="1949"/>
-                      <a:pt x="11068" y="2417"/>
-                      <a:pt x="11068" y="2915"/>
-                    </a:cubicBezTo>
-                    <a:cubicBezTo>
-                      <a:pt x="11068" y="3265"/>
-                      <a:pt x="11164" y="3601"/>
-                      <a:pt x="11342" y="3893"/>
-                    </a:cubicBezTo>
-                    <a:lnTo>
-                      <a:pt x="1324" y="7944"/>
-                    </a:lnTo>
-                    <a:cubicBezTo>
-                      <a:pt x="654" y="8241"/>
-                      <a:pt x="173" y="8851"/>
-                      <a:pt x="38" y="9575"/>
-                    </a:cubicBezTo>
-                    <a:cubicBezTo>
-                      <a:pt x="-98" y="10302"/>
-                      <a:pt x="130" y="11048"/>
-                      <a:pt x="654" y="11576"/>
-                    </a:cubicBezTo>
-                    <a:lnTo>
-                      <a:pt x="10041" y="20946"/>
-                    </a:lnTo>
-                    <a:cubicBezTo>
-                      <a:pt x="10445" y="21354"/>
-                      <a:pt x="10982" y="21586"/>
-                      <a:pt x="11549" y="21599"/>
-                    </a:cubicBezTo>
-                    <a:cubicBezTo>
-                      <a:pt x="11562" y="21599"/>
-                      <a:pt x="11593" y="21599"/>
-                      <a:pt x="11605" y="21599"/>
-                    </a:cubicBezTo>
-                    <a:cubicBezTo>
-                      <a:pt x="11754" y="21599"/>
-                      <a:pt x="11906" y="21584"/>
-                      <a:pt x="12056" y="21553"/>
-                    </a:cubicBezTo>
-                    <a:cubicBezTo>
-                      <a:pt x="12789" y="21399"/>
-                      <a:pt x="13390" y="20888"/>
-                      <a:pt x="13662" y="20191"/>
-                    </a:cubicBezTo>
-                    <a:lnTo>
-                      <a:pt x="17604" y="10229"/>
-                    </a:lnTo>
-                    <a:cubicBezTo>
-                      <a:pt x="17902" y="10426"/>
-                      <a:pt x="18250" y="10532"/>
-                      <a:pt x="18613" y="10532"/>
-                    </a:cubicBezTo>
-                    <a:cubicBezTo>
-                      <a:pt x="19107" y="10532"/>
-                      <a:pt x="19570" y="10338"/>
-                      <a:pt x="19918" y="9986"/>
-                    </a:cubicBezTo>
-                    <a:lnTo>
-                      <a:pt x="20957" y="8937"/>
-                    </a:lnTo>
-                    <a:cubicBezTo>
-                      <a:pt x="21308" y="8585"/>
-                      <a:pt x="21502" y="8116"/>
-                      <a:pt x="21502" y="7617"/>
-                    </a:cubicBezTo>
-                    <a:cubicBezTo>
-                      <a:pt x="21502" y="7117"/>
-                      <a:pt x="21308" y="6648"/>
-                      <a:pt x="20961" y="6300"/>
-                    </a:cubicBezTo>
-                    <a:cubicBezTo>
-                      <a:pt x="20961" y="6300"/>
-                      <a:pt x="15260" y="545"/>
-                      <a:pt x="15260" y="545"/>
-                    </a:cubicBezTo>
-                    <a:close/>
-                  </a:path>
-                </a:pathLst>
-              </a:custGeom>
-              <a:grpFill/>
-              <a:ln>
-                <a:noFill/>
-              </a:ln>
-              <a:effectLst/>
-              <a:extLst>
-                <a:ext uri="{91240B29-F687-4F45-9708-019B960494DF}">
-                  <a14:hiddenLine xmlns:a14="http://schemas.microsoft.com/office/drawing/2010/main" w="12700">
+              <a:solidFill>
+                <a:srgbClr val="7DAFA3"/>
+              </a:solidFill>
+            </p:grpSpPr>
+            <p:sp>
+              <p:nvSpPr>
+                <p:cNvPr id="140" name="AutoShape 37">
+                  <a:extLst>
+                    <a:ext uri="{FF2B5EF4-FFF2-40B4-BE49-F238E27FC236}">
+                      <a16:creationId xmlns:a16="http://schemas.microsoft.com/office/drawing/2014/main" id="{04D018AB-813F-EB4B-90B1-6CEDA86FFB24}"/>
+                    </a:ext>
+                  </a:extLst>
+                </p:cNvPr>
+                <p:cNvSpPr/>
+                <p:nvPr/>
+              </p:nvSpPr>
+              <p:spPr bwMode="auto">
+                <a:xfrm>
+                  <a:off x="7275629" y="4235662"/>
+                  <a:ext cx="423069" cy="421483"/>
+                </a:xfrm>
+                <a:custGeom>
+                  <a:avLst/>
+                  <a:gdLst>
+                    <a:gd name="T0" fmla="+- 0 10849 98"/>
+                    <a:gd name="T1" fmla="*/ T0 w 21502"/>
+                    <a:gd name="T2" fmla="*/ 10800 h 21600"/>
+                    <a:gd name="T3" fmla="+- 0 10849 98"/>
+                    <a:gd name="T4" fmla="*/ T3 w 21502"/>
+                    <a:gd name="T5" fmla="*/ 10800 h 21600"/>
+                    <a:gd name="T6" fmla="+- 0 10849 98"/>
+                    <a:gd name="T7" fmla="*/ T6 w 21502"/>
+                    <a:gd name="T8" fmla="*/ 10800 h 21600"/>
+                    <a:gd name="T9" fmla="+- 0 10849 98"/>
+                    <a:gd name="T10" fmla="*/ T9 w 21502"/>
+                    <a:gd name="T11" fmla="*/ 10800 h 21600"/>
+                  </a:gdLst>
+                  <a:ahLst/>
+                  <a:cxnLst>
+                    <a:cxn ang="0">
+                      <a:pos x="T1" y="T2"/>
+                    </a:cxn>
+                    <a:cxn ang="0">
+                      <a:pos x="T4" y="T5"/>
+                    </a:cxn>
+                    <a:cxn ang="0">
+                      <a:pos x="T7" y="T8"/>
+                    </a:cxn>
+                    <a:cxn ang="0">
+                      <a:pos x="T10" y="T11"/>
+                    </a:cxn>
+                  </a:cxnLst>
+                  <a:rect l="0" t="0" r="r" b="b"/>
+                  <a:pathLst>
+                    <a:path w="21502" h="21600">
+                      <a:moveTo>
+                        <a:pt x="19917" y="7880"/>
+                      </a:moveTo>
+                      <a:lnTo>
+                        <a:pt x="18875" y="8932"/>
+                      </a:lnTo>
+                      <a:cubicBezTo>
+                        <a:pt x="18730" y="9079"/>
+                        <a:pt x="18497" y="9079"/>
+                        <a:pt x="18353" y="8932"/>
+                      </a:cubicBezTo>
+                      <a:lnTo>
+                        <a:pt x="17048" y="7617"/>
+                      </a:lnTo>
+                      <a:lnTo>
+                        <a:pt x="15991" y="10290"/>
+                      </a:lnTo>
+                      <a:lnTo>
+                        <a:pt x="16080" y="10064"/>
+                      </a:lnTo>
+                      <a:cubicBezTo>
+                        <a:pt x="13859" y="7826"/>
+                        <a:pt x="11601" y="7544"/>
+                        <a:pt x="9565" y="7291"/>
+                      </a:cubicBezTo>
+                      <a:cubicBezTo>
+                        <a:pt x="8910" y="7210"/>
+                        <a:pt x="8276" y="7126"/>
+                        <a:pt x="7652" y="6990"/>
+                      </a:cubicBezTo>
+                      <a:lnTo>
+                        <a:pt x="13918" y="4456"/>
+                      </a:lnTo>
+                      <a:lnTo>
+                        <a:pt x="12652" y="3179"/>
+                      </a:lnTo>
+                      <a:cubicBezTo>
+                        <a:pt x="12508" y="3033"/>
+                        <a:pt x="12508" y="2798"/>
+                        <a:pt x="12652" y="2652"/>
+                      </a:cubicBezTo>
+                      <a:lnTo>
+                        <a:pt x="13695" y="1598"/>
+                      </a:lnTo>
+                      <a:cubicBezTo>
+                        <a:pt x="13840" y="1453"/>
+                        <a:pt x="14073" y="1453"/>
+                        <a:pt x="14217" y="1598"/>
+                      </a:cubicBezTo>
+                      <a:lnTo>
+                        <a:pt x="19917" y="7353"/>
+                      </a:lnTo>
+                      <a:cubicBezTo>
+                        <a:pt x="20062" y="7499"/>
+                        <a:pt x="20062" y="7734"/>
+                        <a:pt x="19917" y="7880"/>
+                      </a:cubicBezTo>
+                      <a:moveTo>
+                        <a:pt x="12292" y="19639"/>
+                      </a:moveTo>
+                      <a:cubicBezTo>
+                        <a:pt x="12200" y="19872"/>
+                        <a:pt x="11999" y="20044"/>
+                        <a:pt x="11756" y="20095"/>
+                      </a:cubicBezTo>
+                      <a:cubicBezTo>
+                        <a:pt x="11700" y="20106"/>
+                        <a:pt x="11643" y="20111"/>
+                        <a:pt x="11587" y="20110"/>
+                      </a:cubicBezTo>
+                      <a:cubicBezTo>
+                        <a:pt x="11400" y="20105"/>
+                        <a:pt x="11219" y="20030"/>
+                        <a:pt x="11084" y="19892"/>
+                      </a:cubicBezTo>
+                      <a:lnTo>
+                        <a:pt x="1692" y="10517"/>
+                      </a:lnTo>
+                      <a:cubicBezTo>
+                        <a:pt x="1519" y="10343"/>
+                        <a:pt x="1443" y="10094"/>
+                        <a:pt x="1488" y="9852"/>
+                      </a:cubicBezTo>
+                      <a:cubicBezTo>
+                        <a:pt x="1533" y="9610"/>
+                        <a:pt x="1695" y="9407"/>
+                        <a:pt x="1917" y="9308"/>
+                      </a:cubicBezTo>
+                      <a:lnTo>
+                        <a:pt x="6505" y="7453"/>
+                      </a:lnTo>
+                      <a:cubicBezTo>
+                        <a:pt x="9597" y="8490"/>
+                        <a:pt x="12689" y="7491"/>
+                        <a:pt x="15781" y="10821"/>
+                      </a:cubicBezTo>
+                      <a:cubicBezTo>
+                        <a:pt x="15781" y="10821"/>
+                        <a:pt x="12292" y="19639"/>
+                        <a:pt x="12292" y="19639"/>
+                      </a:cubicBezTo>
+                      <a:close/>
+                      <a:moveTo>
+                        <a:pt x="15260" y="545"/>
+                      </a:moveTo>
+                      <a:cubicBezTo>
+                        <a:pt x="14912" y="193"/>
+                        <a:pt x="14449" y="0"/>
+                        <a:pt x="13956" y="0"/>
+                      </a:cubicBezTo>
+                      <a:cubicBezTo>
+                        <a:pt x="13463" y="0"/>
+                        <a:pt x="13000" y="193"/>
+                        <a:pt x="12651" y="546"/>
+                      </a:cubicBezTo>
+                      <a:lnTo>
+                        <a:pt x="11610" y="1598"/>
+                      </a:lnTo>
+                      <a:cubicBezTo>
+                        <a:pt x="11261" y="1949"/>
+                        <a:pt x="11068" y="2417"/>
+                        <a:pt x="11068" y="2915"/>
+                      </a:cubicBezTo>
+                      <a:cubicBezTo>
+                        <a:pt x="11068" y="3265"/>
+                        <a:pt x="11164" y="3601"/>
+                        <a:pt x="11342" y="3893"/>
+                      </a:cubicBezTo>
+                      <a:lnTo>
+                        <a:pt x="1324" y="7944"/>
+                      </a:lnTo>
+                      <a:cubicBezTo>
+                        <a:pt x="654" y="8241"/>
+                        <a:pt x="173" y="8851"/>
+                        <a:pt x="38" y="9575"/>
+                      </a:cubicBezTo>
+                      <a:cubicBezTo>
+                        <a:pt x="-98" y="10302"/>
+                        <a:pt x="130" y="11048"/>
+                        <a:pt x="654" y="11576"/>
+                      </a:cubicBezTo>
+                      <a:lnTo>
+                        <a:pt x="10041" y="20946"/>
+                      </a:lnTo>
+                      <a:cubicBezTo>
+                        <a:pt x="10445" y="21354"/>
+                        <a:pt x="10982" y="21586"/>
+                        <a:pt x="11549" y="21599"/>
+                      </a:cubicBezTo>
+                      <a:cubicBezTo>
+                        <a:pt x="11562" y="21599"/>
+                        <a:pt x="11593" y="21599"/>
+                        <a:pt x="11605" y="21599"/>
+                      </a:cubicBezTo>
+                      <a:cubicBezTo>
+                        <a:pt x="11754" y="21599"/>
+                        <a:pt x="11906" y="21584"/>
+                        <a:pt x="12056" y="21553"/>
+                      </a:cubicBezTo>
+                      <a:cubicBezTo>
+                        <a:pt x="12789" y="21399"/>
+                        <a:pt x="13390" y="20888"/>
+                        <a:pt x="13662" y="20191"/>
+                      </a:cubicBezTo>
+                      <a:lnTo>
+                        <a:pt x="17604" y="10229"/>
+                      </a:lnTo>
+                      <a:cubicBezTo>
+                        <a:pt x="17902" y="10426"/>
+                        <a:pt x="18250" y="10532"/>
+                        <a:pt x="18613" y="10532"/>
+                      </a:cubicBezTo>
+                      <a:cubicBezTo>
+                        <a:pt x="19107" y="10532"/>
+                        <a:pt x="19570" y="10338"/>
+                        <a:pt x="19918" y="9986"/>
+                      </a:cubicBezTo>
+                      <a:lnTo>
+                        <a:pt x="20957" y="8937"/>
+                      </a:lnTo>
+                      <a:cubicBezTo>
+                        <a:pt x="21308" y="8585"/>
+                        <a:pt x="21502" y="8116"/>
+                        <a:pt x="21502" y="7617"/>
+                      </a:cubicBezTo>
+                      <a:cubicBezTo>
+                        <a:pt x="21502" y="7117"/>
+                        <a:pt x="21308" y="6648"/>
+                        <a:pt x="20961" y="6300"/>
+                      </a:cubicBezTo>
+                      <a:cubicBezTo>
+                        <a:pt x="20961" y="6300"/>
+                        <a:pt x="15260" y="545"/>
+                        <a:pt x="15260" y="545"/>
+                      </a:cubicBezTo>
+                      <a:close/>
+                    </a:path>
+                  </a:pathLst>
+                </a:custGeom>
+                <a:grpFill/>
+                <a:ln>
+                  <a:noFill/>
+                </a:ln>
+                <a:effectLst/>
+                <a:extLst>
+                  <a:ext uri="{91240B29-F687-4F45-9708-019B960494DF}">
+                    <a14:hiddenLine xmlns:a14="http://schemas.microsoft.com/office/drawing/2010/main" w="12700">
+                      <a:solidFill>
+                        <a:srgbClr val="000000"/>
+                      </a:solidFill>
+                      <a:prstDash val="solid"/>
+                      <a:miter lim="0"/>
+                      <a:headEnd/>
+                      <a:tailEnd/>
+                    </a14:hiddenLine>
+                  </a:ext>
+                  <a:ext uri="{AF507438-7753-43E0-B8FC-AC1667EBCBE1}">
+                    <a14:hiddenEffects xmlns:a14="http://schemas.microsoft.com/office/drawing/2010/main">
+                      <a:effectLst>
+                        <a:outerShdw blurRad="63500" dist="38099" dir="2700000" algn="ctr" rotWithShape="0">
+                          <a:srgbClr val="000000">
+                            <a:alpha val="74998"/>
+                          </a:srgbClr>
+                        </a:outerShdw>
+                      </a:effectLst>
+                    </a14:hiddenEffects>
+                  </a:ext>
+                </a:extLst>
+              </p:spPr>
+              <p:txBody>
+                <a:bodyPr lIns="20090" tIns="20090" rIns="20090" bIns="20090" anchor="ctr"/>
+                <a:lstStyle/>
+                <a:p>
+                  <a:pPr algn="just" defTabSz="170815" hangingPunct="0">
+                    <a:lnSpc>
+                      <a:spcPct val="120000"/>
+                    </a:lnSpc>
+                  </a:pPr>
+                  <a:endParaRPr lang="en-US" sz="700" dirty="0">
                     <a:solidFill>
-                      <a:srgbClr val="000000"/>
+                      <a:srgbClr val="FFFFFF"/>
                     </a:solidFill>
-                    <a:prstDash val="solid"/>
-                    <a:miter lim="0"/>
-                    <a:headEnd/>
-                    <a:tailEnd/>
-                  </a14:hiddenLine>
-                </a:ext>
-                <a:ext uri="{AF507438-7753-43E0-B8FC-AC1667EBCBE1}">
-                  <a14:hiddenEffects xmlns:a14="http://schemas.microsoft.com/office/drawing/2010/main">
                     <a:effectLst>
-                      <a:outerShdw blurRad="63500" dist="38099" dir="2700000" algn="ctr" rotWithShape="0">
-                        <a:srgbClr val="000000">
-                          <a:alpha val="74998"/>
-                        </a:srgbClr>
+                      <a:outerShdw blurRad="38100" dist="38100" dir="2700000" algn="tl">
+                        <a:srgbClr val="000000"/>
                       </a:outerShdw>
                     </a:effectLst>
-                  </a14:hiddenEffects>
-                </a:ext>
-              </a:extLst>
-            </p:spPr>
-            <p:txBody>
-              <a:bodyPr lIns="20090" tIns="20090" rIns="20090" bIns="20090" anchor="ctr"/>
-              <a:lstStyle/>
-              <a:p>
-                <a:pPr algn="just" defTabSz="170815" hangingPunct="0">
-                  <a:lnSpc>
-                    <a:spcPct val="120000"/>
-                  </a:lnSpc>
-                </a:pPr>
-                <a:endParaRPr lang="en-US" sz="700" dirty="0">
-                  <a:solidFill>
-                    <a:srgbClr val="FFFFFF"/>
-                  </a:solidFill>
-                  <a:effectLst>
-                    <a:outerShdw blurRad="38100" dist="38100" dir="2700000" algn="tl">
-                      <a:srgbClr val="000000"/>
-                    </a:outerShdw>
-                  </a:effectLst>
-                  <a:latin typeface="Arial" panose="020B0604020202020204" pitchFamily="34" charset="0"/>
-                  <a:ea typeface="微软雅黑" panose="020B0503020204020204" pitchFamily="34" charset="-122"/>
-                  <a:cs typeface="+mn-ea"/>
-                  <a:sym typeface="Arial" panose="020B0604020202020204" pitchFamily="34" charset="0"/>
-                </a:endParaRPr>
-              </a:p>
-            </p:txBody>
-          </p:sp>
-          <p:sp>
-            <p:nvSpPr>
-              <p:cNvPr id="141" name="AutoShape 38">
+                    <a:latin typeface="Arial" panose="020B0604020202020204" pitchFamily="34" charset="0"/>
+                    <a:ea typeface="微软雅黑" panose="020B0503020204020204" pitchFamily="34" charset="-122"/>
+                    <a:cs typeface="+mn-ea"/>
+                    <a:sym typeface="Arial" panose="020B0604020202020204" pitchFamily="34" charset="0"/>
+                  </a:endParaRPr>
+                </a:p>
+              </p:txBody>
+            </p:sp>
+            <p:sp>
+              <p:nvSpPr>
+                <p:cNvPr id="141" name="AutoShape 38">
+                  <a:extLst>
+                    <a:ext uri="{FF2B5EF4-FFF2-40B4-BE49-F238E27FC236}">
+                      <a16:creationId xmlns:a16="http://schemas.microsoft.com/office/drawing/2014/main" id="{E73E5099-DB6B-7144-9CF6-2DFB4A00C15A}"/>
+                    </a:ext>
+                  </a:extLst>
+                </p:cNvPr>
+                <p:cNvSpPr/>
+                <p:nvPr/>
+              </p:nvSpPr>
+              <p:spPr bwMode="auto">
+                <a:xfrm>
+                  <a:off x="7478829" y="4441955"/>
+                  <a:ext cx="72231" cy="73024"/>
+                </a:xfrm>
+                <a:custGeom>
+                  <a:avLst/>
+                  <a:gdLst>
+                    <a:gd name="T0" fmla="*/ 10800 w 21600"/>
+                    <a:gd name="T1" fmla="*/ 10800 h 21600"/>
+                    <a:gd name="T2" fmla="*/ 10800 w 21600"/>
+                    <a:gd name="T3" fmla="*/ 10800 h 21600"/>
+                    <a:gd name="T4" fmla="*/ 10800 w 21600"/>
+                    <a:gd name="T5" fmla="*/ 10800 h 21600"/>
+                    <a:gd name="T6" fmla="*/ 10800 w 21600"/>
+                    <a:gd name="T7" fmla="*/ 10800 h 21600"/>
+                  </a:gdLst>
+                  <a:ahLst/>
+                  <a:cxnLst>
+                    <a:cxn ang="0">
+                      <a:pos x="T0" y="T1"/>
+                    </a:cxn>
+                    <a:cxn ang="0">
+                      <a:pos x="T2" y="T3"/>
+                    </a:cxn>
+                    <a:cxn ang="0">
+                      <a:pos x="T4" y="T5"/>
+                    </a:cxn>
+                    <a:cxn ang="0">
+                      <a:pos x="T6" y="T7"/>
+                    </a:cxn>
+                  </a:cxnLst>
+                  <a:rect l="0" t="0" r="r" b="b"/>
+                  <a:pathLst>
+                    <a:path w="21600" h="21600">
+                      <a:moveTo>
+                        <a:pt x="10800" y="4320"/>
+                      </a:moveTo>
+                      <a:cubicBezTo>
+                        <a:pt x="14381" y="4320"/>
+                        <a:pt x="17279" y="7222"/>
+                        <a:pt x="17279" y="10800"/>
+                      </a:cubicBezTo>
+                      <a:cubicBezTo>
+                        <a:pt x="17279" y="14377"/>
+                        <a:pt x="14381" y="17279"/>
+                        <a:pt x="10800" y="17279"/>
+                      </a:cubicBezTo>
+                      <a:cubicBezTo>
+                        <a:pt x="7218" y="17279"/>
+                        <a:pt x="4319" y="14377"/>
+                        <a:pt x="4319" y="10800"/>
+                      </a:cubicBezTo>
+                      <a:cubicBezTo>
+                        <a:pt x="4319" y="7222"/>
+                        <a:pt x="7218" y="4320"/>
+                        <a:pt x="10800" y="4320"/>
+                      </a:cubicBezTo>
+                      <a:moveTo>
+                        <a:pt x="10800" y="21599"/>
+                      </a:moveTo>
+                      <a:cubicBezTo>
+                        <a:pt x="16752" y="21599"/>
+                        <a:pt x="21600" y="16756"/>
+                        <a:pt x="21600" y="10800"/>
+                      </a:cubicBezTo>
+                      <a:cubicBezTo>
+                        <a:pt x="21600" y="4843"/>
+                        <a:pt x="16752" y="0"/>
+                        <a:pt x="10800" y="0"/>
+                      </a:cubicBezTo>
+                      <a:cubicBezTo>
+                        <a:pt x="4847" y="0"/>
+                        <a:pt x="0" y="4843"/>
+                        <a:pt x="0" y="10800"/>
+                      </a:cubicBezTo>
+                      <a:cubicBezTo>
+                        <a:pt x="0" y="16756"/>
+                        <a:pt x="4847" y="21599"/>
+                        <a:pt x="10800" y="21599"/>
+                      </a:cubicBezTo>
+                    </a:path>
+                  </a:pathLst>
+                </a:custGeom>
+                <a:grpFill/>
+                <a:ln>
+                  <a:noFill/>
+                </a:ln>
+                <a:effectLst/>
+                <a:extLst>
+                  <a:ext uri="{91240B29-F687-4F45-9708-019B960494DF}">
+                    <a14:hiddenLine xmlns:a14="http://schemas.microsoft.com/office/drawing/2010/main" w="12700">
+                      <a:solidFill>
+                        <a:srgbClr val="000000"/>
+                      </a:solidFill>
+                      <a:prstDash val="solid"/>
+                      <a:miter lim="0"/>
+                      <a:headEnd/>
+                      <a:tailEnd/>
+                    </a14:hiddenLine>
+                  </a:ext>
+                  <a:ext uri="{AF507438-7753-43E0-B8FC-AC1667EBCBE1}">
+                    <a14:hiddenEffects xmlns:a14="http://schemas.microsoft.com/office/drawing/2010/main">
+                      <a:effectLst>
+                        <a:outerShdw blurRad="63500" dist="38099" dir="2700000" algn="ctr" rotWithShape="0">
+                          <a:srgbClr val="000000">
+                            <a:alpha val="74998"/>
+                          </a:srgbClr>
+                        </a:outerShdw>
+                      </a:effectLst>
+                    </a14:hiddenEffects>
+                  </a:ext>
+                </a:extLst>
+              </p:spPr>
+              <p:txBody>
+                <a:bodyPr lIns="20090" tIns="20090" rIns="20090" bIns="20090" anchor="ctr"/>
+                <a:lstStyle/>
+                <a:p>
+                  <a:pPr algn="just" defTabSz="170815" hangingPunct="0">
+                    <a:lnSpc>
+                      <a:spcPct val="120000"/>
+                    </a:lnSpc>
+                  </a:pPr>
+                  <a:endParaRPr lang="en-US" sz="700" dirty="0">
+                    <a:solidFill>
+                      <a:srgbClr val="FFFFFF"/>
+                    </a:solidFill>
+                    <a:effectLst>
+                      <a:outerShdw blurRad="38100" dist="38100" dir="2700000" algn="tl">
+                        <a:srgbClr val="000000"/>
+                      </a:outerShdw>
+                    </a:effectLst>
+                    <a:latin typeface="Arial" panose="020B0604020202020204" pitchFamily="34" charset="0"/>
+                    <a:ea typeface="微软雅黑" panose="020B0503020204020204" pitchFamily="34" charset="-122"/>
+                    <a:cs typeface="+mn-ea"/>
+                    <a:sym typeface="Arial" panose="020B0604020202020204" pitchFamily="34" charset="0"/>
+                  </a:endParaRPr>
+                </a:p>
+              </p:txBody>
+            </p:sp>
+            <p:sp>
+              <p:nvSpPr>
+                <p:cNvPr id="142" name="AutoShape 39">
+                  <a:extLst>
+                    <a:ext uri="{FF2B5EF4-FFF2-40B4-BE49-F238E27FC236}">
+                      <a16:creationId xmlns:a16="http://schemas.microsoft.com/office/drawing/2014/main" id="{F7E4AED3-A9AE-8744-BD4D-7A7EC2FA3A7E}"/>
+                    </a:ext>
+                  </a:extLst>
+                </p:cNvPr>
+                <p:cNvSpPr/>
+                <p:nvPr/>
+              </p:nvSpPr>
+              <p:spPr bwMode="auto">
+                <a:xfrm>
+                  <a:off x="7667742" y="4261334"/>
+                  <a:ext cx="72231" cy="73024"/>
+                </a:xfrm>
+                <a:custGeom>
+                  <a:avLst/>
+                  <a:gdLst>
+                    <a:gd name="T0" fmla="*/ 10800 w 21600"/>
+                    <a:gd name="T1" fmla="*/ 10800 h 21600"/>
+                    <a:gd name="T2" fmla="*/ 10800 w 21600"/>
+                    <a:gd name="T3" fmla="*/ 10800 h 21600"/>
+                    <a:gd name="T4" fmla="*/ 10800 w 21600"/>
+                    <a:gd name="T5" fmla="*/ 10800 h 21600"/>
+                    <a:gd name="T6" fmla="*/ 10800 w 21600"/>
+                    <a:gd name="T7" fmla="*/ 10800 h 21600"/>
+                  </a:gdLst>
+                  <a:ahLst/>
+                  <a:cxnLst>
+                    <a:cxn ang="0">
+                      <a:pos x="T0" y="T1"/>
+                    </a:cxn>
+                    <a:cxn ang="0">
+                      <a:pos x="T2" y="T3"/>
+                    </a:cxn>
+                    <a:cxn ang="0">
+                      <a:pos x="T4" y="T5"/>
+                    </a:cxn>
+                    <a:cxn ang="0">
+                      <a:pos x="T6" y="T7"/>
+                    </a:cxn>
+                  </a:cxnLst>
+                  <a:rect l="0" t="0" r="r" b="b"/>
+                  <a:pathLst>
+                    <a:path w="21600" h="21600">
+                      <a:moveTo>
+                        <a:pt x="10800" y="17279"/>
+                      </a:moveTo>
+                      <a:cubicBezTo>
+                        <a:pt x="7218" y="17279"/>
+                        <a:pt x="4320" y="14377"/>
+                        <a:pt x="4320" y="10800"/>
+                      </a:cubicBezTo>
+                      <a:cubicBezTo>
+                        <a:pt x="4320" y="7222"/>
+                        <a:pt x="7218" y="4320"/>
+                        <a:pt x="10800" y="4320"/>
+                      </a:cubicBezTo>
+                      <a:cubicBezTo>
+                        <a:pt x="14381" y="4320"/>
+                        <a:pt x="17280" y="7222"/>
+                        <a:pt x="17280" y="10800"/>
+                      </a:cubicBezTo>
+                      <a:cubicBezTo>
+                        <a:pt x="17280" y="14377"/>
+                        <a:pt x="14381" y="17279"/>
+                        <a:pt x="10800" y="17279"/>
+                      </a:cubicBezTo>
+                      <a:moveTo>
+                        <a:pt x="10800" y="0"/>
+                      </a:moveTo>
+                      <a:cubicBezTo>
+                        <a:pt x="4847" y="0"/>
+                        <a:pt x="0" y="4843"/>
+                        <a:pt x="0" y="10800"/>
+                      </a:cubicBezTo>
+                      <a:cubicBezTo>
+                        <a:pt x="0" y="16756"/>
+                        <a:pt x="4847" y="21599"/>
+                        <a:pt x="10800" y="21599"/>
+                      </a:cubicBezTo>
+                      <a:cubicBezTo>
+                        <a:pt x="16752" y="21599"/>
+                        <a:pt x="21600" y="16756"/>
+                        <a:pt x="21600" y="10800"/>
+                      </a:cubicBezTo>
+                      <a:cubicBezTo>
+                        <a:pt x="21600" y="4843"/>
+                        <a:pt x="16752" y="0"/>
+                        <a:pt x="10800" y="0"/>
+                      </a:cubicBezTo>
+                    </a:path>
+                  </a:pathLst>
+                </a:custGeom>
+                <a:grpFill/>
+                <a:ln>
+                  <a:noFill/>
+                </a:ln>
+                <a:effectLst/>
+                <a:extLst>
+                  <a:ext uri="{91240B29-F687-4F45-9708-019B960494DF}">
+                    <a14:hiddenLine xmlns:a14="http://schemas.microsoft.com/office/drawing/2010/main" w="12700">
+                      <a:solidFill>
+                        <a:srgbClr val="000000"/>
+                      </a:solidFill>
+                      <a:prstDash val="solid"/>
+                      <a:miter lim="0"/>
+                      <a:headEnd/>
+                      <a:tailEnd/>
+                    </a14:hiddenLine>
+                  </a:ext>
+                  <a:ext uri="{AF507438-7753-43E0-B8FC-AC1667EBCBE1}">
+                    <a14:hiddenEffects xmlns:a14="http://schemas.microsoft.com/office/drawing/2010/main">
+                      <a:effectLst>
+                        <a:outerShdw blurRad="63500" dist="38099" dir="2700000" algn="ctr" rotWithShape="0">
+                          <a:srgbClr val="000000">
+                            <a:alpha val="74998"/>
+                          </a:srgbClr>
+                        </a:outerShdw>
+                      </a:effectLst>
+                    </a14:hiddenEffects>
+                  </a:ext>
+                </a:extLst>
+              </p:spPr>
+              <p:txBody>
+                <a:bodyPr lIns="20090" tIns="20090" rIns="20090" bIns="20090" anchor="ctr"/>
+                <a:lstStyle/>
+                <a:p>
+                  <a:pPr algn="just" defTabSz="170815" hangingPunct="0">
+                    <a:lnSpc>
+                      <a:spcPct val="120000"/>
+                    </a:lnSpc>
+                  </a:pPr>
+                  <a:endParaRPr lang="en-US" sz="700" dirty="0">
+                    <a:solidFill>
+                      <a:srgbClr val="FFFFFF"/>
+                    </a:solidFill>
+                    <a:effectLst>
+                      <a:outerShdw blurRad="38100" dist="38100" dir="2700000" algn="tl">
+                        <a:srgbClr val="000000"/>
+                      </a:outerShdw>
+                    </a:effectLst>
+                    <a:latin typeface="Arial" panose="020B0604020202020204" pitchFamily="34" charset="0"/>
+                    <a:ea typeface="微软雅黑" panose="020B0503020204020204" pitchFamily="34" charset="-122"/>
+                    <a:cs typeface="+mn-ea"/>
+                    <a:sym typeface="Arial" panose="020B0604020202020204" pitchFamily="34" charset="0"/>
+                  </a:endParaRPr>
+                </a:p>
+              </p:txBody>
+            </p:sp>
+            <p:sp>
+              <p:nvSpPr>
+                <p:cNvPr id="143" name="AutoShape 40">
+                  <a:extLst>
+                    <a:ext uri="{FF2B5EF4-FFF2-40B4-BE49-F238E27FC236}">
+                      <a16:creationId xmlns:a16="http://schemas.microsoft.com/office/drawing/2014/main" id="{15E51000-987C-C941-8712-B6F7626F9424}"/>
+                    </a:ext>
+                  </a:extLst>
+                </p:cNvPr>
+                <p:cNvSpPr/>
+                <p:nvPr/>
+              </p:nvSpPr>
+              <p:spPr bwMode="auto">
+                <a:xfrm>
+                  <a:off x="7391517" y="4491607"/>
+                  <a:ext cx="57944" cy="57945"/>
+                </a:xfrm>
+                <a:custGeom>
+                  <a:avLst/>
+                  <a:gdLst>
+                    <a:gd name="T0" fmla="*/ 10800 w 21600"/>
+                    <a:gd name="T1" fmla="*/ 10800 h 21600"/>
+                    <a:gd name="T2" fmla="*/ 10800 w 21600"/>
+                    <a:gd name="T3" fmla="*/ 10800 h 21600"/>
+                    <a:gd name="T4" fmla="*/ 10800 w 21600"/>
+                    <a:gd name="T5" fmla="*/ 10800 h 21600"/>
+                    <a:gd name="T6" fmla="*/ 10800 w 21600"/>
+                    <a:gd name="T7" fmla="*/ 10800 h 21600"/>
+                  </a:gdLst>
+                  <a:ahLst/>
+                  <a:cxnLst>
+                    <a:cxn ang="0">
+                      <a:pos x="T0" y="T1"/>
+                    </a:cxn>
+                    <a:cxn ang="0">
+                      <a:pos x="T2" y="T3"/>
+                    </a:cxn>
+                    <a:cxn ang="0">
+                      <a:pos x="T4" y="T5"/>
+                    </a:cxn>
+                    <a:cxn ang="0">
+                      <a:pos x="T6" y="T7"/>
+                    </a:cxn>
+                  </a:cxnLst>
+                  <a:rect l="0" t="0" r="r" b="b"/>
+                  <a:pathLst>
+                    <a:path w="21600" h="21600">
+                      <a:moveTo>
+                        <a:pt x="10800" y="5400"/>
+                      </a:moveTo>
+                      <a:cubicBezTo>
+                        <a:pt x="13779" y="5400"/>
+                        <a:pt x="16199" y="7815"/>
+                        <a:pt x="16199" y="10800"/>
+                      </a:cubicBezTo>
+                      <a:cubicBezTo>
+                        <a:pt x="16199" y="13784"/>
+                        <a:pt x="13779" y="16200"/>
+                        <a:pt x="10800" y="16200"/>
+                      </a:cubicBezTo>
+                      <a:cubicBezTo>
+                        <a:pt x="7820" y="16200"/>
+                        <a:pt x="5399" y="13784"/>
+                        <a:pt x="5399" y="10800"/>
+                      </a:cubicBezTo>
+                      <a:cubicBezTo>
+                        <a:pt x="5399" y="7815"/>
+                        <a:pt x="7820" y="5400"/>
+                        <a:pt x="10800" y="5400"/>
+                      </a:cubicBezTo>
+                      <a:moveTo>
+                        <a:pt x="0" y="10800"/>
+                      </a:moveTo>
+                      <a:cubicBezTo>
+                        <a:pt x="0" y="16753"/>
+                        <a:pt x="4843" y="21599"/>
+                        <a:pt x="10800" y="21599"/>
+                      </a:cubicBezTo>
+                      <a:cubicBezTo>
+                        <a:pt x="16756" y="21599"/>
+                        <a:pt x="21600" y="16753"/>
+                        <a:pt x="21600" y="10800"/>
+                      </a:cubicBezTo>
+                      <a:cubicBezTo>
+                        <a:pt x="21600" y="4846"/>
+                        <a:pt x="16756" y="0"/>
+                        <a:pt x="10800" y="0"/>
+                      </a:cubicBezTo>
+                      <a:cubicBezTo>
+                        <a:pt x="4843" y="0"/>
+                        <a:pt x="0" y="4846"/>
+                        <a:pt x="0" y="10800"/>
+                      </a:cubicBezTo>
+                    </a:path>
+                  </a:pathLst>
+                </a:custGeom>
+                <a:grpFill/>
+                <a:ln>
+                  <a:noFill/>
+                </a:ln>
+                <a:effectLst/>
+                <a:extLst>
+                  <a:ext uri="{91240B29-F687-4F45-9708-019B960494DF}">
+                    <a14:hiddenLine xmlns:a14="http://schemas.microsoft.com/office/drawing/2010/main" w="12700">
+                      <a:solidFill>
+                        <a:srgbClr val="000000"/>
+                      </a:solidFill>
+                      <a:prstDash val="solid"/>
+                      <a:miter lim="0"/>
+                      <a:headEnd/>
+                      <a:tailEnd/>
+                    </a14:hiddenLine>
+                  </a:ext>
+                  <a:ext uri="{AF507438-7753-43E0-B8FC-AC1667EBCBE1}">
+                    <a14:hiddenEffects xmlns:a14="http://schemas.microsoft.com/office/drawing/2010/main">
+                      <a:effectLst>
+                        <a:outerShdw blurRad="63500" dist="38099" dir="2700000" algn="ctr" rotWithShape="0">
+                          <a:srgbClr val="000000">
+                            <a:alpha val="74998"/>
+                          </a:srgbClr>
+                        </a:outerShdw>
+                      </a:effectLst>
+                    </a14:hiddenEffects>
+                  </a:ext>
+                </a:extLst>
+              </p:spPr>
+              <p:txBody>
+                <a:bodyPr lIns="20090" tIns="20090" rIns="20090" bIns="20090" anchor="ctr"/>
+                <a:lstStyle/>
+                <a:p>
+                  <a:pPr algn="just" defTabSz="170815" hangingPunct="0">
+                    <a:lnSpc>
+                      <a:spcPct val="120000"/>
+                    </a:lnSpc>
+                  </a:pPr>
+                  <a:endParaRPr lang="en-US" sz="700" dirty="0">
+                    <a:solidFill>
+                      <a:srgbClr val="FFFFFF"/>
+                    </a:solidFill>
+                    <a:effectLst>
+                      <a:outerShdw blurRad="38100" dist="38100" dir="2700000" algn="tl">
+                        <a:srgbClr val="000000"/>
+                      </a:outerShdw>
+                    </a:effectLst>
+                    <a:latin typeface="Arial" panose="020B0604020202020204" pitchFamily="34" charset="0"/>
+                    <a:ea typeface="微软雅黑" panose="020B0503020204020204" pitchFamily="34" charset="-122"/>
+                    <a:cs typeface="+mn-ea"/>
+                    <a:sym typeface="Arial" panose="020B0604020202020204" pitchFamily="34" charset="0"/>
+                  </a:endParaRPr>
+                </a:p>
+              </p:txBody>
+            </p:sp>
+            <p:sp>
+              <p:nvSpPr>
+                <p:cNvPr id="144" name="AutoShape 41">
+                  <a:extLst>
+                    <a:ext uri="{FF2B5EF4-FFF2-40B4-BE49-F238E27FC236}">
+                      <a16:creationId xmlns:a16="http://schemas.microsoft.com/office/drawing/2014/main" id="{4D33E1D0-8CC5-7441-BD23-45D0CDDA614E}"/>
+                    </a:ext>
+                  </a:extLst>
+                </p:cNvPr>
+                <p:cNvSpPr/>
+                <p:nvPr/>
+              </p:nvSpPr>
+              <p:spPr bwMode="auto">
+                <a:xfrm>
+                  <a:off x="7449460" y="4511884"/>
+                  <a:ext cx="29369" cy="28576"/>
+                </a:xfrm>
+                <a:custGeom>
+                  <a:avLst/>
+                  <a:gdLst>
+                    <a:gd name="T0" fmla="*/ 10800 w 21600"/>
+                    <a:gd name="T1" fmla="*/ 10800 h 21600"/>
+                    <a:gd name="T2" fmla="*/ 10800 w 21600"/>
+                    <a:gd name="T3" fmla="*/ 10800 h 21600"/>
+                    <a:gd name="T4" fmla="*/ 10800 w 21600"/>
+                    <a:gd name="T5" fmla="*/ 10800 h 21600"/>
+                    <a:gd name="T6" fmla="*/ 10800 w 21600"/>
+                    <a:gd name="T7" fmla="*/ 10800 h 21600"/>
+                  </a:gdLst>
+                  <a:ahLst/>
+                  <a:cxnLst>
+                    <a:cxn ang="0">
+                      <a:pos x="T0" y="T1"/>
+                    </a:cxn>
+                    <a:cxn ang="0">
+                      <a:pos x="T2" y="T3"/>
+                    </a:cxn>
+                    <a:cxn ang="0">
+                      <a:pos x="T4" y="T5"/>
+                    </a:cxn>
+                    <a:cxn ang="0">
+                      <a:pos x="T6" y="T7"/>
+                    </a:cxn>
+                  </a:cxnLst>
+                  <a:rect l="0" t="0" r="r" b="b"/>
+                  <a:pathLst>
+                    <a:path w="21600" h="21600">
+                      <a:moveTo>
+                        <a:pt x="10800" y="21599"/>
+                      </a:moveTo>
+                      <a:cubicBezTo>
+                        <a:pt x="16758" y="21599"/>
+                        <a:pt x="21600" y="16769"/>
+                        <a:pt x="21600" y="10800"/>
+                      </a:cubicBezTo>
+                      <a:cubicBezTo>
+                        <a:pt x="21600" y="4830"/>
+                        <a:pt x="16758" y="0"/>
+                        <a:pt x="10800" y="0"/>
+                      </a:cubicBezTo>
+                      <a:cubicBezTo>
+                        <a:pt x="4841" y="0"/>
+                        <a:pt x="0" y="4830"/>
+                        <a:pt x="0" y="10800"/>
+                      </a:cubicBezTo>
+                      <a:cubicBezTo>
+                        <a:pt x="0" y="16769"/>
+                        <a:pt x="4841" y="21599"/>
+                        <a:pt x="10800" y="21599"/>
+                      </a:cubicBezTo>
+                    </a:path>
+                  </a:pathLst>
+                </a:custGeom>
+                <a:grpFill/>
+                <a:ln>
+                  <a:noFill/>
+                </a:ln>
+                <a:effectLst/>
+                <a:extLst>
+                  <a:ext uri="{91240B29-F687-4F45-9708-019B960494DF}">
+                    <a14:hiddenLine xmlns:a14="http://schemas.microsoft.com/office/drawing/2010/main" w="12700">
+                      <a:solidFill>
+                        <a:srgbClr val="000000"/>
+                      </a:solidFill>
+                      <a:prstDash val="solid"/>
+                      <a:miter lim="0"/>
+                      <a:headEnd/>
+                      <a:tailEnd/>
+                    </a14:hiddenLine>
+                  </a:ext>
+                  <a:ext uri="{AF507438-7753-43E0-B8FC-AC1667EBCBE1}">
+                    <a14:hiddenEffects xmlns:a14="http://schemas.microsoft.com/office/drawing/2010/main">
+                      <a:effectLst>
+                        <a:outerShdw blurRad="63500" dist="38099" dir="2700000" algn="ctr" rotWithShape="0">
+                          <a:srgbClr val="000000">
+                            <a:alpha val="74998"/>
+                          </a:srgbClr>
+                        </a:outerShdw>
+                      </a:effectLst>
+                    </a14:hiddenEffects>
+                  </a:ext>
+                </a:extLst>
+              </p:spPr>
+              <p:txBody>
+                <a:bodyPr lIns="20090" tIns="20090" rIns="20090" bIns="20090" anchor="ctr"/>
+                <a:lstStyle/>
+                <a:p>
+                  <a:pPr algn="just" defTabSz="170815" hangingPunct="0">
+                    <a:lnSpc>
+                      <a:spcPct val="120000"/>
+                    </a:lnSpc>
+                  </a:pPr>
+                  <a:endParaRPr lang="en-US" sz="700" dirty="0">
+                    <a:solidFill>
+                      <a:srgbClr val="FFFFFF"/>
+                    </a:solidFill>
+                    <a:effectLst>
+                      <a:outerShdw blurRad="38100" dist="38100" dir="2700000" algn="tl">
+                        <a:srgbClr val="000000"/>
+                      </a:outerShdw>
+                    </a:effectLst>
+                    <a:latin typeface="Arial" panose="020B0604020202020204" pitchFamily="34" charset="0"/>
+                    <a:ea typeface="微软雅黑" panose="020B0503020204020204" pitchFamily="34" charset="-122"/>
+                    <a:cs typeface="+mn-ea"/>
+                    <a:sym typeface="Arial" panose="020B0604020202020204" pitchFamily="34" charset="0"/>
+                  </a:endParaRPr>
+                </a:p>
+              </p:txBody>
+            </p:sp>
+            <p:sp>
+              <p:nvSpPr>
+                <p:cNvPr id="145" name="AutoShape 42">
+                  <a:extLst>
+                    <a:ext uri="{FF2B5EF4-FFF2-40B4-BE49-F238E27FC236}">
+                      <a16:creationId xmlns:a16="http://schemas.microsoft.com/office/drawing/2014/main" id="{0ACA0010-D69D-424B-B250-CC6A072D47BF}"/>
+                    </a:ext>
+                  </a:extLst>
+                </p:cNvPr>
+                <p:cNvSpPr/>
+                <p:nvPr/>
+              </p:nvSpPr>
+              <p:spPr bwMode="auto">
+                <a:xfrm>
+                  <a:off x="7682029" y="4075434"/>
+                  <a:ext cx="28575" cy="29369"/>
+                </a:xfrm>
+                <a:custGeom>
+                  <a:avLst/>
+                  <a:gdLst>
+                    <a:gd name="T0" fmla="*/ 10800 w 21600"/>
+                    <a:gd name="T1" fmla="*/ 10800 h 21600"/>
+                    <a:gd name="T2" fmla="*/ 10800 w 21600"/>
+                    <a:gd name="T3" fmla="*/ 10800 h 21600"/>
+                    <a:gd name="T4" fmla="*/ 10800 w 21600"/>
+                    <a:gd name="T5" fmla="*/ 10800 h 21600"/>
+                    <a:gd name="T6" fmla="*/ 10800 w 21600"/>
+                    <a:gd name="T7" fmla="*/ 10800 h 21600"/>
+                  </a:gdLst>
+                  <a:ahLst/>
+                  <a:cxnLst>
+                    <a:cxn ang="0">
+                      <a:pos x="T0" y="T1"/>
+                    </a:cxn>
+                    <a:cxn ang="0">
+                      <a:pos x="T2" y="T3"/>
+                    </a:cxn>
+                    <a:cxn ang="0">
+                      <a:pos x="T4" y="T5"/>
+                    </a:cxn>
+                    <a:cxn ang="0">
+                      <a:pos x="T6" y="T7"/>
+                    </a:cxn>
+                  </a:cxnLst>
+                  <a:rect l="0" t="0" r="r" b="b"/>
+                  <a:pathLst>
+                    <a:path w="21600" h="21600">
+                      <a:moveTo>
+                        <a:pt x="10800" y="0"/>
+                      </a:moveTo>
+                      <a:cubicBezTo>
+                        <a:pt x="4841" y="0"/>
+                        <a:pt x="0" y="4830"/>
+                        <a:pt x="0" y="10800"/>
+                      </a:cubicBezTo>
+                      <a:cubicBezTo>
+                        <a:pt x="0" y="16769"/>
+                        <a:pt x="4841" y="21599"/>
+                        <a:pt x="10800" y="21599"/>
+                      </a:cubicBezTo>
+                      <a:cubicBezTo>
+                        <a:pt x="16758" y="21599"/>
+                        <a:pt x="21600" y="16769"/>
+                        <a:pt x="21600" y="10800"/>
+                      </a:cubicBezTo>
+                      <a:cubicBezTo>
+                        <a:pt x="21600" y="4830"/>
+                        <a:pt x="16758" y="0"/>
+                        <a:pt x="10800" y="0"/>
+                      </a:cubicBezTo>
+                    </a:path>
+                  </a:pathLst>
+                </a:custGeom>
+                <a:grpFill/>
+                <a:ln>
+                  <a:noFill/>
+                </a:ln>
+                <a:effectLst/>
+                <a:extLst>
+                  <a:ext uri="{91240B29-F687-4F45-9708-019B960494DF}">
+                    <a14:hiddenLine xmlns:a14="http://schemas.microsoft.com/office/drawing/2010/main" w="12700">
+                      <a:solidFill>
+                        <a:srgbClr val="000000"/>
+                      </a:solidFill>
+                      <a:prstDash val="solid"/>
+                      <a:miter lim="0"/>
+                      <a:headEnd/>
+                      <a:tailEnd/>
+                    </a14:hiddenLine>
+                  </a:ext>
+                  <a:ext uri="{AF507438-7753-43E0-B8FC-AC1667EBCBE1}">
+                    <a14:hiddenEffects xmlns:a14="http://schemas.microsoft.com/office/drawing/2010/main">
+                      <a:effectLst>
+                        <a:outerShdw blurRad="63500" dist="38099" dir="2700000" algn="ctr" rotWithShape="0">
+                          <a:srgbClr val="000000">
+                            <a:alpha val="74998"/>
+                          </a:srgbClr>
+                        </a:outerShdw>
+                      </a:effectLst>
+                    </a14:hiddenEffects>
+                  </a:ext>
+                </a:extLst>
+              </p:spPr>
+              <p:txBody>
+                <a:bodyPr lIns="20090" tIns="20090" rIns="20090" bIns="20090" anchor="ctr"/>
+                <a:lstStyle/>
+                <a:p>
+                  <a:pPr algn="just" defTabSz="170815" hangingPunct="0">
+                    <a:lnSpc>
+                      <a:spcPct val="120000"/>
+                    </a:lnSpc>
+                  </a:pPr>
+                  <a:endParaRPr lang="en-US" sz="700" dirty="0">
+                    <a:solidFill>
+                      <a:srgbClr val="FFFFFF"/>
+                    </a:solidFill>
+                    <a:effectLst>
+                      <a:outerShdw blurRad="38100" dist="38100" dir="2700000" algn="tl">
+                        <a:srgbClr val="000000"/>
+                      </a:outerShdw>
+                    </a:effectLst>
+                    <a:latin typeface="Arial" panose="020B0604020202020204" pitchFamily="34" charset="0"/>
+                    <a:ea typeface="微软雅黑" panose="020B0503020204020204" pitchFamily="34" charset="-122"/>
+                    <a:cs typeface="+mn-ea"/>
+                    <a:sym typeface="Arial" panose="020B0604020202020204" pitchFamily="34" charset="0"/>
+                  </a:endParaRPr>
+                </a:p>
+              </p:txBody>
+            </p:sp>
+          </p:grpSp>
+          <p:grpSp>
+            <p:nvGrpSpPr>
+              <p:cNvPr id="120" name="Group 176">
                 <a:extLst>
                   <a:ext uri="{FF2B5EF4-FFF2-40B4-BE49-F238E27FC236}">
-                    <a16:creationId xmlns:a16="http://schemas.microsoft.com/office/drawing/2014/main" id="{E73E5099-DB6B-7144-9CF6-2DFB4A00C15A}"/>
+                    <a16:creationId xmlns:a16="http://schemas.microsoft.com/office/drawing/2014/main" id="{F35250DF-904A-DE4A-99A0-D23AACA08C24}"/>
                   </a:ext>
                 </a:extLst>
               </p:cNvPr>
-              <p:cNvSpPr/>
+              <p:cNvGrpSpPr/>
               <p:nvPr/>
-            </p:nvSpPr>
-            <p:spPr bwMode="auto">
+            </p:nvGrpSpPr>
+            <p:grpSpPr>
               <a:xfrm>
-                <a:off x="7478829" y="4441955"/>
-                <a:ext cx="72231" cy="73024"/>
+                <a:off x="4516942" y="4546003"/>
+                <a:ext cx="272911" cy="346295"/>
+                <a:chOff x="9090741" y="2817006"/>
+                <a:chExt cx="420088" cy="532941"/>
               </a:xfrm>
-              <a:custGeom>
-                <a:avLst/>
-                <a:gdLst>
-                  <a:gd name="T0" fmla="*/ 10800 w 21600"/>
-                  <a:gd name="T1" fmla="*/ 10800 h 21600"/>
-                  <a:gd name="T2" fmla="*/ 10800 w 21600"/>
-                  <a:gd name="T3" fmla="*/ 10800 h 21600"/>
-                  <a:gd name="T4" fmla="*/ 10800 w 21600"/>
-                  <a:gd name="T5" fmla="*/ 10800 h 21600"/>
-                  <a:gd name="T6" fmla="*/ 10800 w 21600"/>
-                  <a:gd name="T7" fmla="*/ 10800 h 21600"/>
-                </a:gdLst>
-                <a:ahLst/>
-                <a:cxnLst>
-                  <a:cxn ang="0">
-                    <a:pos x="T0" y="T1"/>
-                  </a:cxn>
-                  <a:cxn ang="0">
-                    <a:pos x="T2" y="T3"/>
-                  </a:cxn>
-                  <a:cxn ang="0">
-                    <a:pos x="T4" y="T5"/>
-                  </a:cxn>
-                  <a:cxn ang="0">
-                    <a:pos x="T6" y="T7"/>
-                  </a:cxn>
-                </a:cxnLst>
-                <a:rect l="0" t="0" r="r" b="b"/>
-                <a:pathLst>
-                  <a:path w="21600" h="21600">
-                    <a:moveTo>
-                      <a:pt x="10800" y="4320"/>
-                    </a:moveTo>
-                    <a:cubicBezTo>
-                      <a:pt x="14381" y="4320"/>
-                      <a:pt x="17279" y="7222"/>
-                      <a:pt x="17279" y="10800"/>
-                    </a:cubicBezTo>
-                    <a:cubicBezTo>
-                      <a:pt x="17279" y="14377"/>
-                      <a:pt x="14381" y="17279"/>
-                      <a:pt x="10800" y="17279"/>
-                    </a:cubicBezTo>
-                    <a:cubicBezTo>
-                      <a:pt x="7218" y="17279"/>
-                      <a:pt x="4319" y="14377"/>
-                      <a:pt x="4319" y="10800"/>
-                    </a:cubicBezTo>
-                    <a:cubicBezTo>
-                      <a:pt x="4319" y="7222"/>
-                      <a:pt x="7218" y="4320"/>
-                      <a:pt x="10800" y="4320"/>
-                    </a:cubicBezTo>
-                    <a:moveTo>
-                      <a:pt x="10800" y="21599"/>
-                    </a:moveTo>
-                    <a:cubicBezTo>
-                      <a:pt x="16752" y="21599"/>
-                      <a:pt x="21600" y="16756"/>
-                      <a:pt x="21600" y="10800"/>
-                    </a:cubicBezTo>
-                    <a:cubicBezTo>
-                      <a:pt x="21600" y="4843"/>
-                      <a:pt x="16752" y="0"/>
-                      <a:pt x="10800" y="0"/>
-                    </a:cubicBezTo>
-                    <a:cubicBezTo>
-                      <a:pt x="4847" y="0"/>
-                      <a:pt x="0" y="4843"/>
-                      <a:pt x="0" y="10800"/>
-                    </a:cubicBezTo>
-                    <a:cubicBezTo>
-                      <a:pt x="0" y="16756"/>
-                      <a:pt x="4847" y="21599"/>
-                      <a:pt x="10800" y="21599"/>
-                    </a:cubicBezTo>
-                  </a:path>
-                </a:pathLst>
-              </a:custGeom>
-              <a:grpFill/>
-              <a:ln>
-                <a:noFill/>
-              </a:ln>
-              <a:effectLst/>
-              <a:extLst>
-                <a:ext uri="{91240B29-F687-4F45-9708-019B960494DF}">
-                  <a14:hiddenLine xmlns:a14="http://schemas.microsoft.com/office/drawing/2010/main" w="12700">
+              <a:solidFill>
+                <a:srgbClr val="7DAFA3"/>
+              </a:solidFill>
+            </p:grpSpPr>
+            <p:sp>
+              <p:nvSpPr>
+                <p:cNvPr id="136" name="AutoShape 48">
+                  <a:extLst>
+                    <a:ext uri="{FF2B5EF4-FFF2-40B4-BE49-F238E27FC236}">
+                      <a16:creationId xmlns:a16="http://schemas.microsoft.com/office/drawing/2014/main" id="{3B10606B-8A81-C14E-9EE8-C49449364175}"/>
+                    </a:ext>
+                  </a:extLst>
+                </p:cNvPr>
+                <p:cNvSpPr/>
+                <p:nvPr/>
+              </p:nvSpPr>
+              <p:spPr bwMode="auto">
+                <a:xfrm>
+                  <a:off x="9090741" y="2817006"/>
+                  <a:ext cx="406400" cy="464344"/>
+                </a:xfrm>
+                <a:custGeom>
+                  <a:avLst/>
+                  <a:gdLst>
+                    <a:gd name="T0" fmla="*/ 10800 w 21600"/>
+                    <a:gd name="T1" fmla="*/ 10800 h 21600"/>
+                    <a:gd name="T2" fmla="*/ 10800 w 21600"/>
+                    <a:gd name="T3" fmla="*/ 10800 h 21600"/>
+                    <a:gd name="T4" fmla="*/ 10800 w 21600"/>
+                    <a:gd name="T5" fmla="*/ 10800 h 21600"/>
+                    <a:gd name="T6" fmla="*/ 10800 w 21600"/>
+                    <a:gd name="T7" fmla="*/ 10800 h 21600"/>
+                  </a:gdLst>
+                  <a:ahLst/>
+                  <a:cxnLst>
+                    <a:cxn ang="0">
+                      <a:pos x="T0" y="T1"/>
+                    </a:cxn>
+                    <a:cxn ang="0">
+                      <a:pos x="T2" y="T3"/>
+                    </a:cxn>
+                    <a:cxn ang="0">
+                      <a:pos x="T4" y="T5"/>
+                    </a:cxn>
+                    <a:cxn ang="0">
+                      <a:pos x="T6" y="T7"/>
+                    </a:cxn>
+                  </a:cxnLst>
+                  <a:rect l="0" t="0" r="r" b="b"/>
+                  <a:pathLst>
+                    <a:path w="21600" h="21600">
+                      <a:moveTo>
+                        <a:pt x="10800" y="7425"/>
+                      </a:moveTo>
+                      <a:cubicBezTo>
+                        <a:pt x="5687" y="7425"/>
+                        <a:pt x="1542" y="6064"/>
+                        <a:pt x="1542" y="4387"/>
+                      </a:cubicBezTo>
+                      <a:cubicBezTo>
+                        <a:pt x="1542" y="2709"/>
+                        <a:pt x="5687" y="1350"/>
+                        <a:pt x="10800" y="1350"/>
+                      </a:cubicBezTo>
+                      <a:cubicBezTo>
+                        <a:pt x="15912" y="1350"/>
+                        <a:pt x="20057" y="2709"/>
+                        <a:pt x="20057" y="4387"/>
+                      </a:cubicBezTo>
+                      <a:cubicBezTo>
+                        <a:pt x="20057" y="6064"/>
+                        <a:pt x="15912" y="7425"/>
+                        <a:pt x="10800" y="7425"/>
+                      </a:cubicBezTo>
+                      <a:moveTo>
+                        <a:pt x="20057" y="9112"/>
+                      </a:moveTo>
+                      <a:lnTo>
+                        <a:pt x="20054" y="9112"/>
+                      </a:lnTo>
+                      <a:cubicBezTo>
+                        <a:pt x="20054" y="9119"/>
+                        <a:pt x="20057" y="9127"/>
+                        <a:pt x="20057" y="9133"/>
+                      </a:cubicBezTo>
+                      <a:cubicBezTo>
+                        <a:pt x="20057" y="10800"/>
+                        <a:pt x="15912" y="12150"/>
+                        <a:pt x="10800" y="12150"/>
+                      </a:cubicBezTo>
+                      <a:cubicBezTo>
+                        <a:pt x="5687" y="12150"/>
+                        <a:pt x="1542" y="10800"/>
+                        <a:pt x="1542" y="9133"/>
+                      </a:cubicBezTo>
+                      <a:cubicBezTo>
+                        <a:pt x="1542" y="9127"/>
+                        <a:pt x="1545" y="9119"/>
+                        <a:pt x="1545" y="9112"/>
+                      </a:cubicBezTo>
+                      <a:lnTo>
+                        <a:pt x="1542" y="9112"/>
+                      </a:lnTo>
+                      <a:lnTo>
+                        <a:pt x="1542" y="6793"/>
+                      </a:lnTo>
+                      <a:cubicBezTo>
+                        <a:pt x="3564" y="8140"/>
+                        <a:pt x="7271" y="8774"/>
+                        <a:pt x="10800" y="8774"/>
+                      </a:cubicBezTo>
+                      <a:cubicBezTo>
+                        <a:pt x="14328" y="8774"/>
+                        <a:pt x="18035" y="8140"/>
+                        <a:pt x="20057" y="6793"/>
+                      </a:cubicBezTo>
+                      <a:cubicBezTo>
+                        <a:pt x="20057" y="6793"/>
+                        <a:pt x="20057" y="9112"/>
+                        <a:pt x="20057" y="9112"/>
+                      </a:cubicBezTo>
+                      <a:close/>
+                      <a:moveTo>
+                        <a:pt x="20057" y="13162"/>
+                      </a:moveTo>
+                      <a:lnTo>
+                        <a:pt x="20054" y="13162"/>
+                      </a:lnTo>
+                      <a:cubicBezTo>
+                        <a:pt x="20054" y="13169"/>
+                        <a:pt x="20057" y="13177"/>
+                        <a:pt x="20057" y="13183"/>
+                      </a:cubicBezTo>
+                      <a:cubicBezTo>
+                        <a:pt x="20057" y="14850"/>
+                        <a:pt x="15912" y="16200"/>
+                        <a:pt x="10800" y="16200"/>
+                      </a:cubicBezTo>
+                      <a:cubicBezTo>
+                        <a:pt x="5687" y="16200"/>
+                        <a:pt x="1542" y="14850"/>
+                        <a:pt x="1542" y="13183"/>
+                      </a:cubicBezTo>
+                      <a:cubicBezTo>
+                        <a:pt x="1542" y="13177"/>
+                        <a:pt x="1545" y="13169"/>
+                        <a:pt x="1545" y="13162"/>
+                      </a:cubicBezTo>
+                      <a:lnTo>
+                        <a:pt x="1542" y="13162"/>
+                      </a:lnTo>
+                      <a:lnTo>
+                        <a:pt x="1542" y="10640"/>
+                      </a:lnTo>
+                      <a:cubicBezTo>
+                        <a:pt x="3136" y="12077"/>
+                        <a:pt x="6982" y="12825"/>
+                        <a:pt x="10800" y="12825"/>
+                      </a:cubicBezTo>
+                      <a:cubicBezTo>
+                        <a:pt x="14617" y="12825"/>
+                        <a:pt x="18463" y="12077"/>
+                        <a:pt x="20057" y="10640"/>
+                      </a:cubicBezTo>
+                      <a:cubicBezTo>
+                        <a:pt x="20057" y="10640"/>
+                        <a:pt x="20057" y="13162"/>
+                        <a:pt x="20057" y="13162"/>
+                      </a:cubicBezTo>
+                      <a:close/>
+                      <a:moveTo>
+                        <a:pt x="20057" y="17212"/>
+                      </a:moveTo>
+                      <a:cubicBezTo>
+                        <a:pt x="20057" y="18889"/>
+                        <a:pt x="15912" y="20249"/>
+                        <a:pt x="10800" y="20249"/>
+                      </a:cubicBezTo>
+                      <a:cubicBezTo>
+                        <a:pt x="5687" y="20249"/>
+                        <a:pt x="1542" y="18889"/>
+                        <a:pt x="1542" y="17212"/>
+                      </a:cubicBezTo>
+                      <a:lnTo>
+                        <a:pt x="1542" y="14690"/>
+                      </a:lnTo>
+                      <a:cubicBezTo>
+                        <a:pt x="3136" y="16127"/>
+                        <a:pt x="6982" y="16875"/>
+                        <a:pt x="10800" y="16875"/>
+                      </a:cubicBezTo>
+                      <a:cubicBezTo>
+                        <a:pt x="14617" y="16875"/>
+                        <a:pt x="18463" y="16127"/>
+                        <a:pt x="20057" y="14690"/>
+                      </a:cubicBezTo>
+                      <a:cubicBezTo>
+                        <a:pt x="20057" y="14690"/>
+                        <a:pt x="20057" y="17212"/>
+                        <a:pt x="20057" y="17212"/>
+                      </a:cubicBezTo>
+                      <a:close/>
+                      <a:moveTo>
+                        <a:pt x="10800" y="0"/>
+                      </a:moveTo>
+                      <a:cubicBezTo>
+                        <a:pt x="5598" y="0"/>
+                        <a:pt x="0" y="1372"/>
+                        <a:pt x="0" y="4387"/>
+                      </a:cubicBezTo>
+                      <a:lnTo>
+                        <a:pt x="0" y="17212"/>
+                      </a:lnTo>
+                      <a:cubicBezTo>
+                        <a:pt x="0" y="20226"/>
+                        <a:pt x="5598" y="21599"/>
+                        <a:pt x="10800" y="21599"/>
+                      </a:cubicBezTo>
+                      <a:cubicBezTo>
+                        <a:pt x="16001" y="21599"/>
+                        <a:pt x="21599" y="20226"/>
+                        <a:pt x="21599" y="17212"/>
+                      </a:cubicBezTo>
+                      <a:lnTo>
+                        <a:pt x="21599" y="4387"/>
+                      </a:lnTo>
+                      <a:cubicBezTo>
+                        <a:pt x="21599" y="1372"/>
+                        <a:pt x="16001" y="0"/>
+                        <a:pt x="10800" y="0"/>
+                      </a:cubicBezTo>
+                    </a:path>
+                  </a:pathLst>
+                </a:custGeom>
+                <a:grpFill/>
+                <a:ln>
+                  <a:noFill/>
+                </a:ln>
+                <a:effectLst/>
+                <a:extLst>
+                  <a:ext uri="{91240B29-F687-4F45-9708-019B960494DF}">
+                    <a14:hiddenLine xmlns:a14="http://schemas.microsoft.com/office/drawing/2010/main" w="12700">
+                      <a:solidFill>
+                        <a:srgbClr val="000000"/>
+                      </a:solidFill>
+                      <a:prstDash val="solid"/>
+                      <a:miter lim="0"/>
+                      <a:headEnd/>
+                      <a:tailEnd/>
+                    </a14:hiddenLine>
+                  </a:ext>
+                  <a:ext uri="{AF507438-7753-43E0-B8FC-AC1667EBCBE1}">
+                    <a14:hiddenEffects xmlns:a14="http://schemas.microsoft.com/office/drawing/2010/main">
+                      <a:effectLst>
+                        <a:outerShdw blurRad="63500" dist="38099" dir="2700000" algn="ctr" rotWithShape="0">
+                          <a:srgbClr val="000000">
+                            <a:alpha val="74998"/>
+                          </a:srgbClr>
+                        </a:outerShdw>
+                      </a:effectLst>
+                    </a14:hiddenEffects>
+                  </a:ext>
+                </a:extLst>
+              </p:spPr>
+              <p:txBody>
+                <a:bodyPr lIns="20090" tIns="20090" rIns="20090" bIns="20090" anchor="ctr"/>
+                <a:lstStyle/>
+                <a:p>
+                  <a:pPr algn="just" defTabSz="170815" hangingPunct="0">
+                    <a:lnSpc>
+                      <a:spcPct val="120000"/>
+                    </a:lnSpc>
+                  </a:pPr>
+                  <a:endParaRPr lang="en-US" sz="700" dirty="0">
                     <a:solidFill>
-                      <a:srgbClr val="000000"/>
+                      <a:srgbClr val="FFFFFF"/>
                     </a:solidFill>
-                    <a:prstDash val="solid"/>
-                    <a:miter lim="0"/>
-                    <a:headEnd/>
-                    <a:tailEnd/>
-                  </a14:hiddenLine>
-                </a:ext>
-                <a:ext uri="{AF507438-7753-43E0-B8FC-AC1667EBCBE1}">
-                  <a14:hiddenEffects xmlns:a14="http://schemas.microsoft.com/office/drawing/2010/main">
                     <a:effectLst>
-                      <a:outerShdw blurRad="63500" dist="38099" dir="2700000" algn="ctr" rotWithShape="0">
-                        <a:srgbClr val="000000">
-                          <a:alpha val="74998"/>
-                        </a:srgbClr>
+                      <a:outerShdw blurRad="38100" dist="38100" dir="2700000" algn="tl">
+                        <a:srgbClr val="000000"/>
                       </a:outerShdw>
                     </a:effectLst>
-                  </a14:hiddenEffects>
-                </a:ext>
-              </a:extLst>
-            </p:spPr>
-            <p:txBody>
-              <a:bodyPr lIns="20090" tIns="20090" rIns="20090" bIns="20090" anchor="ctr"/>
-              <a:lstStyle/>
-              <a:p>
-                <a:pPr algn="just" defTabSz="170815" hangingPunct="0">
-                  <a:lnSpc>
-                    <a:spcPct val="120000"/>
-                  </a:lnSpc>
-                </a:pPr>
-                <a:endParaRPr lang="en-US" sz="700" dirty="0">
-                  <a:solidFill>
-                    <a:srgbClr val="FFFFFF"/>
-                  </a:solidFill>
-                  <a:effectLst>
-                    <a:outerShdw blurRad="38100" dist="38100" dir="2700000" algn="tl">
-                      <a:srgbClr val="000000"/>
-                    </a:outerShdw>
-                  </a:effectLst>
-                  <a:latin typeface="Arial" panose="020B0604020202020204" pitchFamily="34" charset="0"/>
-                  <a:ea typeface="微软雅黑" panose="020B0503020204020204" pitchFamily="34" charset="-122"/>
-                  <a:cs typeface="+mn-ea"/>
-                  <a:sym typeface="Arial" panose="020B0604020202020204" pitchFamily="34" charset="0"/>
-                </a:endParaRPr>
-              </a:p>
-            </p:txBody>
-          </p:sp>
-          <p:sp>
-            <p:nvSpPr>
-              <p:cNvPr id="142" name="AutoShape 39">
+                    <a:latin typeface="Arial" panose="020B0604020202020204" pitchFamily="34" charset="0"/>
+                    <a:ea typeface="微软雅黑" panose="020B0503020204020204" pitchFamily="34" charset="-122"/>
+                    <a:cs typeface="+mn-ea"/>
+                    <a:sym typeface="Arial" panose="020B0604020202020204" pitchFamily="34" charset="0"/>
+                  </a:endParaRPr>
+                </a:p>
+              </p:txBody>
+            </p:sp>
+            <p:sp>
+              <p:nvSpPr>
+                <p:cNvPr id="138" name="AutoShape 50">
+                  <a:extLst>
+                    <a:ext uri="{FF2B5EF4-FFF2-40B4-BE49-F238E27FC236}">
+                      <a16:creationId xmlns:a16="http://schemas.microsoft.com/office/drawing/2014/main" id="{4EAB6CD8-30DE-E844-9BDF-636E11280BAF}"/>
+                    </a:ext>
+                  </a:extLst>
+                </p:cNvPr>
+                <p:cNvSpPr/>
+                <p:nvPr/>
+              </p:nvSpPr>
+              <p:spPr bwMode="auto">
+                <a:xfrm>
+                  <a:off x="9481460" y="3320578"/>
+                  <a:ext cx="29369" cy="29369"/>
+                </a:xfrm>
+                <a:custGeom>
+                  <a:avLst/>
+                  <a:gdLst>
+                    <a:gd name="T0" fmla="*/ 10800 w 21600"/>
+                    <a:gd name="T1" fmla="*/ 10800 h 21600"/>
+                    <a:gd name="T2" fmla="*/ 10800 w 21600"/>
+                    <a:gd name="T3" fmla="*/ 10800 h 21600"/>
+                    <a:gd name="T4" fmla="*/ 10800 w 21600"/>
+                    <a:gd name="T5" fmla="*/ 10800 h 21600"/>
+                    <a:gd name="T6" fmla="*/ 10800 w 21600"/>
+                    <a:gd name="T7" fmla="*/ 10800 h 21600"/>
+                  </a:gdLst>
+                  <a:ahLst/>
+                  <a:cxnLst>
+                    <a:cxn ang="0">
+                      <a:pos x="T0" y="T1"/>
+                    </a:cxn>
+                    <a:cxn ang="0">
+                      <a:pos x="T2" y="T3"/>
+                    </a:cxn>
+                    <a:cxn ang="0">
+                      <a:pos x="T4" y="T5"/>
+                    </a:cxn>
+                    <a:cxn ang="0">
+                      <a:pos x="T6" y="T7"/>
+                    </a:cxn>
+                  </a:cxnLst>
+                  <a:rect l="0" t="0" r="r" b="b"/>
+                  <a:pathLst>
+                    <a:path w="21600" h="21600">
+                      <a:moveTo>
+                        <a:pt x="10800" y="21599"/>
+                      </a:moveTo>
+                      <a:cubicBezTo>
+                        <a:pt x="16769" y="21599"/>
+                        <a:pt x="21600" y="16769"/>
+                        <a:pt x="21600" y="10800"/>
+                      </a:cubicBezTo>
+                      <a:cubicBezTo>
+                        <a:pt x="21600" y="4830"/>
+                        <a:pt x="16769" y="0"/>
+                        <a:pt x="10800" y="0"/>
+                      </a:cubicBezTo>
+                      <a:cubicBezTo>
+                        <a:pt x="4830" y="0"/>
+                        <a:pt x="0" y="4830"/>
+                        <a:pt x="0" y="10800"/>
+                      </a:cubicBezTo>
+                      <a:cubicBezTo>
+                        <a:pt x="0" y="16769"/>
+                        <a:pt x="4830" y="21599"/>
+                        <a:pt x="10800" y="21599"/>
+                      </a:cubicBezTo>
+                    </a:path>
+                  </a:pathLst>
+                </a:custGeom>
+                <a:grpFill/>
+                <a:ln>
+                  <a:noFill/>
+                </a:ln>
+                <a:effectLst/>
                 <a:extLst>
-                  <a:ext uri="{FF2B5EF4-FFF2-40B4-BE49-F238E27FC236}">
-                    <a16:creationId xmlns:a16="http://schemas.microsoft.com/office/drawing/2014/main" id="{F7E4AED3-A9AE-8744-BD4D-7A7EC2FA3A7E}"/>
+                  <a:ext uri="{91240B29-F687-4F45-9708-019B960494DF}">
+                    <a14:hiddenLine xmlns:a14="http://schemas.microsoft.com/office/drawing/2010/main" w="12700">
+                      <a:solidFill>
+                        <a:srgbClr val="000000"/>
+                      </a:solidFill>
+                      <a:prstDash val="solid"/>
+                      <a:miter lim="0"/>
+                      <a:headEnd/>
+                      <a:tailEnd/>
+                    </a14:hiddenLine>
+                  </a:ext>
+                  <a:ext uri="{AF507438-7753-43E0-B8FC-AC1667EBCBE1}">
+                    <a14:hiddenEffects xmlns:a14="http://schemas.microsoft.com/office/drawing/2010/main">
+                      <a:effectLst>
+                        <a:outerShdw blurRad="63500" dist="38099" dir="2700000" algn="ctr" rotWithShape="0">
+                          <a:srgbClr val="000000">
+                            <a:alpha val="74998"/>
+                          </a:srgbClr>
+                        </a:outerShdw>
+                      </a:effectLst>
+                    </a14:hiddenEffects>
                   </a:ext>
                 </a:extLst>
-              </p:cNvPr>
-              <p:cNvSpPr/>
-              <p:nvPr/>
-            </p:nvSpPr>
-            <p:spPr bwMode="auto">
-              <a:xfrm>
-                <a:off x="7667742" y="4261334"/>
-                <a:ext cx="72231" cy="73024"/>
-              </a:xfrm>
-              <a:custGeom>
-                <a:avLst/>
-                <a:gdLst>
-                  <a:gd name="T0" fmla="*/ 10800 w 21600"/>
-                  <a:gd name="T1" fmla="*/ 10800 h 21600"/>
-                  <a:gd name="T2" fmla="*/ 10800 w 21600"/>
-                  <a:gd name="T3" fmla="*/ 10800 h 21600"/>
-                  <a:gd name="T4" fmla="*/ 10800 w 21600"/>
-                  <a:gd name="T5" fmla="*/ 10800 h 21600"/>
-                  <a:gd name="T6" fmla="*/ 10800 w 21600"/>
-                  <a:gd name="T7" fmla="*/ 10800 h 21600"/>
-                </a:gdLst>
-                <a:ahLst/>
-                <a:cxnLst>
-                  <a:cxn ang="0">
-                    <a:pos x="T0" y="T1"/>
-                  </a:cxn>
-                  <a:cxn ang="0">
-                    <a:pos x="T2" y="T3"/>
-                  </a:cxn>
-                  <a:cxn ang="0">
-                    <a:pos x="T4" y="T5"/>
-                  </a:cxn>
-                  <a:cxn ang="0">
-                    <a:pos x="T6" y="T7"/>
-                  </a:cxn>
-                </a:cxnLst>
-                <a:rect l="0" t="0" r="r" b="b"/>
-                <a:pathLst>
-                  <a:path w="21600" h="21600">
-                    <a:moveTo>
-                      <a:pt x="10800" y="17279"/>
-                    </a:moveTo>
-                    <a:cubicBezTo>
-                      <a:pt x="7218" y="17279"/>
-                      <a:pt x="4320" y="14377"/>
-                      <a:pt x="4320" y="10800"/>
-                    </a:cubicBezTo>
-                    <a:cubicBezTo>
-                      <a:pt x="4320" y="7222"/>
-                      <a:pt x="7218" y="4320"/>
-                      <a:pt x="10800" y="4320"/>
-                    </a:cubicBezTo>
-                    <a:cubicBezTo>
-                      <a:pt x="14381" y="4320"/>
-                      <a:pt x="17280" y="7222"/>
-                      <a:pt x="17280" y="10800"/>
-                    </a:cubicBezTo>
-                    <a:cubicBezTo>
-                      <a:pt x="17280" y="14377"/>
-                      <a:pt x="14381" y="17279"/>
-                      <a:pt x="10800" y="17279"/>
-                    </a:cubicBezTo>
-                    <a:moveTo>
-                      <a:pt x="10800" y="0"/>
-                    </a:moveTo>
-                    <a:cubicBezTo>
-                      <a:pt x="4847" y="0"/>
-                      <a:pt x="0" y="4843"/>
-                      <a:pt x="0" y="10800"/>
-                    </a:cubicBezTo>
-                    <a:cubicBezTo>
-                      <a:pt x="0" y="16756"/>
-                      <a:pt x="4847" y="21599"/>
-                      <a:pt x="10800" y="21599"/>
-                    </a:cubicBezTo>
-                    <a:cubicBezTo>
-                      <a:pt x="16752" y="21599"/>
-                      <a:pt x="21600" y="16756"/>
-                      <a:pt x="21600" y="10800"/>
-                    </a:cubicBezTo>
-                    <a:cubicBezTo>
-                      <a:pt x="21600" y="4843"/>
-                      <a:pt x="16752" y="0"/>
-                      <a:pt x="10800" y="0"/>
-                    </a:cubicBezTo>
-                  </a:path>
-                </a:pathLst>
-              </a:custGeom>
-              <a:grpFill/>
-              <a:ln>
-                <a:noFill/>
-              </a:ln>
-              <a:effectLst/>
-              <a:extLst>
-                <a:ext uri="{91240B29-F687-4F45-9708-019B960494DF}">
-                  <a14:hiddenLine xmlns:a14="http://schemas.microsoft.com/office/drawing/2010/main" w="12700">
+              </p:spPr>
+              <p:txBody>
+                <a:bodyPr lIns="20090" tIns="20090" rIns="20090" bIns="20090" anchor="ctr"/>
+                <a:lstStyle/>
+                <a:p>
+                  <a:pPr algn="just" defTabSz="170815" hangingPunct="0">
+                    <a:lnSpc>
+                      <a:spcPct val="120000"/>
+                    </a:lnSpc>
+                  </a:pPr>
+                  <a:endParaRPr lang="en-US" sz="700" dirty="0">
                     <a:solidFill>
-                      <a:srgbClr val="000000"/>
+                      <a:srgbClr val="FFFFFF"/>
                     </a:solidFill>
-                    <a:prstDash val="solid"/>
-                    <a:miter lim="0"/>
-                    <a:headEnd/>
-                    <a:tailEnd/>
-                  </a14:hiddenLine>
-                </a:ext>
-                <a:ext uri="{AF507438-7753-43E0-B8FC-AC1667EBCBE1}">
-                  <a14:hiddenEffects xmlns:a14="http://schemas.microsoft.com/office/drawing/2010/main">
                     <a:effectLst>
-                      <a:outerShdw blurRad="63500" dist="38099" dir="2700000" algn="ctr" rotWithShape="0">
-                        <a:srgbClr val="000000">
-                          <a:alpha val="74998"/>
-                        </a:srgbClr>
+                      <a:outerShdw blurRad="38100" dist="38100" dir="2700000" algn="tl">
+                        <a:srgbClr val="000000"/>
                       </a:outerShdw>
                     </a:effectLst>
-                  </a14:hiddenEffects>
-                </a:ext>
-              </a:extLst>
-            </p:spPr>
-            <p:txBody>
-              <a:bodyPr lIns="20090" tIns="20090" rIns="20090" bIns="20090" anchor="ctr"/>
-              <a:lstStyle/>
-              <a:p>
-                <a:pPr algn="just" defTabSz="170815" hangingPunct="0">
-                  <a:lnSpc>
-                    <a:spcPct val="120000"/>
-                  </a:lnSpc>
-                </a:pPr>
-                <a:endParaRPr lang="en-US" sz="700" dirty="0">
-                  <a:solidFill>
-                    <a:srgbClr val="FFFFFF"/>
-                  </a:solidFill>
-                  <a:effectLst>
-                    <a:outerShdw blurRad="38100" dist="38100" dir="2700000" algn="tl">
-                      <a:srgbClr val="000000"/>
-                    </a:outerShdw>
-                  </a:effectLst>
-                  <a:latin typeface="Arial" panose="020B0604020202020204" pitchFamily="34" charset="0"/>
-                  <a:ea typeface="微软雅黑" panose="020B0503020204020204" pitchFamily="34" charset="-122"/>
-                  <a:cs typeface="+mn-ea"/>
-                  <a:sym typeface="Arial" panose="020B0604020202020204" pitchFamily="34" charset="0"/>
-                </a:endParaRPr>
-              </a:p>
-            </p:txBody>
-          </p:sp>
-          <p:sp>
-            <p:nvSpPr>
-              <p:cNvPr id="143" name="AutoShape 40">
+                    <a:latin typeface="Arial" panose="020B0604020202020204" pitchFamily="34" charset="0"/>
+                    <a:ea typeface="微软雅黑" panose="020B0503020204020204" pitchFamily="34" charset="-122"/>
+                    <a:cs typeface="+mn-ea"/>
+                    <a:sym typeface="Arial" panose="020B0604020202020204" pitchFamily="34" charset="0"/>
+                  </a:endParaRPr>
+                </a:p>
+              </p:txBody>
+            </p:sp>
+            <p:sp>
+              <p:nvSpPr>
+                <p:cNvPr id="139" name="AutoShape 51">
+                  <a:extLst>
+                    <a:ext uri="{FF2B5EF4-FFF2-40B4-BE49-F238E27FC236}">
+                      <a16:creationId xmlns:a16="http://schemas.microsoft.com/office/drawing/2014/main" id="{050313F4-7A9B-824E-AA91-BF324CC72433}"/>
+                    </a:ext>
+                  </a:extLst>
+                </p:cNvPr>
+                <p:cNvSpPr/>
+                <p:nvPr/>
+              </p:nvSpPr>
+              <p:spPr bwMode="auto">
+                <a:xfrm>
+                  <a:off x="9481460" y="3233265"/>
+                  <a:ext cx="29369" cy="29369"/>
+                </a:xfrm>
+                <a:custGeom>
+                  <a:avLst/>
+                  <a:gdLst>
+                    <a:gd name="T0" fmla="*/ 10800 w 21600"/>
+                    <a:gd name="T1" fmla="*/ 10800 h 21600"/>
+                    <a:gd name="T2" fmla="*/ 10800 w 21600"/>
+                    <a:gd name="T3" fmla="*/ 10800 h 21600"/>
+                    <a:gd name="T4" fmla="*/ 10800 w 21600"/>
+                    <a:gd name="T5" fmla="*/ 10800 h 21600"/>
+                    <a:gd name="T6" fmla="*/ 10800 w 21600"/>
+                    <a:gd name="T7" fmla="*/ 10800 h 21600"/>
+                  </a:gdLst>
+                  <a:ahLst/>
+                  <a:cxnLst>
+                    <a:cxn ang="0">
+                      <a:pos x="T0" y="T1"/>
+                    </a:cxn>
+                    <a:cxn ang="0">
+                      <a:pos x="T2" y="T3"/>
+                    </a:cxn>
+                    <a:cxn ang="0">
+                      <a:pos x="T4" y="T5"/>
+                    </a:cxn>
+                    <a:cxn ang="0">
+                      <a:pos x="T6" y="T7"/>
+                    </a:cxn>
+                  </a:cxnLst>
+                  <a:rect l="0" t="0" r="r" b="b"/>
+                  <a:pathLst>
+                    <a:path w="21600" h="21600">
+                      <a:moveTo>
+                        <a:pt x="10800" y="21599"/>
+                      </a:moveTo>
+                      <a:cubicBezTo>
+                        <a:pt x="16769" y="21599"/>
+                        <a:pt x="21600" y="16769"/>
+                        <a:pt x="21600" y="10800"/>
+                      </a:cubicBezTo>
+                      <a:cubicBezTo>
+                        <a:pt x="21600" y="4830"/>
+                        <a:pt x="16769" y="0"/>
+                        <a:pt x="10800" y="0"/>
+                      </a:cubicBezTo>
+                      <a:cubicBezTo>
+                        <a:pt x="4830" y="0"/>
+                        <a:pt x="0" y="4830"/>
+                        <a:pt x="0" y="10800"/>
+                      </a:cubicBezTo>
+                      <a:cubicBezTo>
+                        <a:pt x="0" y="16769"/>
+                        <a:pt x="4830" y="21599"/>
+                        <a:pt x="10800" y="21599"/>
+                      </a:cubicBezTo>
+                    </a:path>
+                  </a:pathLst>
+                </a:custGeom>
+                <a:grpFill/>
+                <a:ln>
+                  <a:noFill/>
+                </a:ln>
+                <a:effectLst/>
                 <a:extLst>
-                  <a:ext uri="{FF2B5EF4-FFF2-40B4-BE49-F238E27FC236}">
-                    <a16:creationId xmlns:a16="http://schemas.microsoft.com/office/drawing/2014/main" id="{15E51000-987C-C941-8712-B6F7626F9424}"/>
+                  <a:ext uri="{91240B29-F687-4F45-9708-019B960494DF}">
+                    <a14:hiddenLine xmlns:a14="http://schemas.microsoft.com/office/drawing/2010/main" w="12700">
+                      <a:solidFill>
+                        <a:srgbClr val="000000"/>
+                      </a:solidFill>
+                      <a:prstDash val="solid"/>
+                      <a:miter lim="0"/>
+                      <a:headEnd/>
+                      <a:tailEnd/>
+                    </a14:hiddenLine>
+                  </a:ext>
+                  <a:ext uri="{AF507438-7753-43E0-B8FC-AC1667EBCBE1}">
+                    <a14:hiddenEffects xmlns:a14="http://schemas.microsoft.com/office/drawing/2010/main">
+                      <a:effectLst>
+                        <a:outerShdw blurRad="63500" dist="38099" dir="2700000" algn="ctr" rotWithShape="0">
+                          <a:srgbClr val="000000">
+                            <a:alpha val="74998"/>
+                          </a:srgbClr>
+                        </a:outerShdw>
+                      </a:effectLst>
+                    </a14:hiddenEffects>
                   </a:ext>
                 </a:extLst>
-              </p:cNvPr>
-              <p:cNvSpPr/>
-              <p:nvPr/>
-            </p:nvSpPr>
-            <p:spPr bwMode="auto">
-              <a:xfrm>
-                <a:off x="7391517" y="4491607"/>
-                <a:ext cx="57944" cy="57945"/>
-              </a:xfrm>
-              <a:custGeom>
-                <a:avLst/>
-                <a:gdLst>
-                  <a:gd name="T0" fmla="*/ 10800 w 21600"/>
-                  <a:gd name="T1" fmla="*/ 10800 h 21600"/>
-                  <a:gd name="T2" fmla="*/ 10800 w 21600"/>
-                  <a:gd name="T3" fmla="*/ 10800 h 21600"/>
-                  <a:gd name="T4" fmla="*/ 10800 w 21600"/>
-                  <a:gd name="T5" fmla="*/ 10800 h 21600"/>
-                  <a:gd name="T6" fmla="*/ 10800 w 21600"/>
-                  <a:gd name="T7" fmla="*/ 10800 h 21600"/>
-                </a:gdLst>
-                <a:ahLst/>
-                <a:cxnLst>
-                  <a:cxn ang="0">
-                    <a:pos x="T0" y="T1"/>
-                  </a:cxn>
-                  <a:cxn ang="0">
-                    <a:pos x="T2" y="T3"/>
-                  </a:cxn>
-                  <a:cxn ang="0">
-                    <a:pos x="T4" y="T5"/>
-                  </a:cxn>
-                  <a:cxn ang="0">
-                    <a:pos x="T6" y="T7"/>
-                  </a:cxn>
-                </a:cxnLst>
-                <a:rect l="0" t="0" r="r" b="b"/>
-                <a:pathLst>
-                  <a:path w="21600" h="21600">
-                    <a:moveTo>
-                      <a:pt x="10800" y="5400"/>
-                    </a:moveTo>
-                    <a:cubicBezTo>
-                      <a:pt x="13779" y="5400"/>
-                      <a:pt x="16199" y="7815"/>
-                      <a:pt x="16199" y="10800"/>
-                    </a:cubicBezTo>
-                    <a:cubicBezTo>
-                      <a:pt x="16199" y="13784"/>
-                      <a:pt x="13779" y="16200"/>
-                      <a:pt x="10800" y="16200"/>
-                    </a:cubicBezTo>
-                    <a:cubicBezTo>
-                      <a:pt x="7820" y="16200"/>
-                      <a:pt x="5399" y="13784"/>
-                      <a:pt x="5399" y="10800"/>
-                    </a:cubicBezTo>
-                    <a:cubicBezTo>
-                      <a:pt x="5399" y="7815"/>
-                      <a:pt x="7820" y="5400"/>
-                      <a:pt x="10800" y="5400"/>
-                    </a:cubicBezTo>
-                    <a:moveTo>
-                      <a:pt x="0" y="10800"/>
-                    </a:moveTo>
-                    <a:cubicBezTo>
-                      <a:pt x="0" y="16753"/>
-                      <a:pt x="4843" y="21599"/>
-                      <a:pt x="10800" y="21599"/>
-                    </a:cubicBezTo>
-                    <a:cubicBezTo>
-                      <a:pt x="16756" y="21599"/>
-                      <a:pt x="21600" y="16753"/>
-                      <a:pt x="21600" y="10800"/>
-                    </a:cubicBezTo>
-                    <a:cubicBezTo>
-                      <a:pt x="21600" y="4846"/>
-                      <a:pt x="16756" y="0"/>
-                      <a:pt x="10800" y="0"/>
-                    </a:cubicBezTo>
-                    <a:cubicBezTo>
-                      <a:pt x="4843" y="0"/>
-                      <a:pt x="0" y="4846"/>
-                      <a:pt x="0" y="10800"/>
-                    </a:cubicBezTo>
-                  </a:path>
-                </a:pathLst>
-              </a:custGeom>
-              <a:grpFill/>
-              <a:ln>
-                <a:noFill/>
-              </a:ln>
-              <a:effectLst/>
-              <a:extLst>
-                <a:ext uri="{91240B29-F687-4F45-9708-019B960494DF}">
-                  <a14:hiddenLine xmlns:a14="http://schemas.microsoft.com/office/drawing/2010/main" w="12700">
+              </p:spPr>
+              <p:txBody>
+                <a:bodyPr lIns="20090" tIns="20090" rIns="20090" bIns="20090" anchor="ctr"/>
+                <a:lstStyle/>
+                <a:p>
+                  <a:pPr algn="just" defTabSz="170815" hangingPunct="0">
+                    <a:lnSpc>
+                      <a:spcPct val="120000"/>
+                    </a:lnSpc>
+                  </a:pPr>
+                  <a:endParaRPr lang="en-US" sz="700" dirty="0">
                     <a:solidFill>
-                      <a:srgbClr val="000000"/>
+                      <a:srgbClr val="FFFFFF"/>
                     </a:solidFill>
-                    <a:prstDash val="solid"/>
-                    <a:miter lim="0"/>
-                    <a:headEnd/>
-                    <a:tailEnd/>
-                  </a14:hiddenLine>
-                </a:ext>
-                <a:ext uri="{AF507438-7753-43E0-B8FC-AC1667EBCBE1}">
-                  <a14:hiddenEffects xmlns:a14="http://schemas.microsoft.com/office/drawing/2010/main">
                     <a:effectLst>
-                      <a:outerShdw blurRad="63500" dist="38099" dir="2700000" algn="ctr" rotWithShape="0">
-                        <a:srgbClr val="000000">
-                          <a:alpha val="74998"/>
-                        </a:srgbClr>
+                      <a:outerShdw blurRad="38100" dist="38100" dir="2700000" algn="tl">
+                        <a:srgbClr val="000000"/>
                       </a:outerShdw>
                     </a:effectLst>
-                  </a14:hiddenEffects>
-                </a:ext>
-              </a:extLst>
-            </p:spPr>
-            <p:txBody>
-              <a:bodyPr lIns="20090" tIns="20090" rIns="20090" bIns="20090" anchor="ctr"/>
-              <a:lstStyle/>
-              <a:p>
-                <a:pPr algn="just" defTabSz="170815" hangingPunct="0">
-                  <a:lnSpc>
-                    <a:spcPct val="120000"/>
-                  </a:lnSpc>
-                </a:pPr>
-                <a:endParaRPr lang="en-US" sz="700" dirty="0">
-                  <a:solidFill>
-                    <a:srgbClr val="FFFFFF"/>
-                  </a:solidFill>
-                  <a:effectLst>
-                    <a:outerShdw blurRad="38100" dist="38100" dir="2700000" algn="tl">
-                      <a:srgbClr val="000000"/>
-                    </a:outerShdw>
-                  </a:effectLst>
-                  <a:latin typeface="Arial" panose="020B0604020202020204" pitchFamily="34" charset="0"/>
-                  <a:ea typeface="微软雅黑" panose="020B0503020204020204" pitchFamily="34" charset="-122"/>
-                  <a:cs typeface="+mn-ea"/>
-                  <a:sym typeface="Arial" panose="020B0604020202020204" pitchFamily="34" charset="0"/>
-                </a:endParaRPr>
-              </a:p>
-            </p:txBody>
-          </p:sp>
-          <p:sp>
-            <p:nvSpPr>
-              <p:cNvPr id="144" name="AutoShape 41">
-                <a:extLst>
-                  <a:ext uri="{FF2B5EF4-FFF2-40B4-BE49-F238E27FC236}">
-                    <a16:creationId xmlns:a16="http://schemas.microsoft.com/office/drawing/2014/main" id="{4D33E1D0-8CC5-7441-BD23-45D0CDDA614E}"/>
-                  </a:ext>
-                </a:extLst>
-              </p:cNvPr>
-              <p:cNvSpPr/>
-              <p:nvPr/>
-            </p:nvSpPr>
-            <p:spPr bwMode="auto">
-              <a:xfrm>
-                <a:off x="7449460" y="4511884"/>
-                <a:ext cx="29369" cy="28576"/>
-              </a:xfrm>
-              <a:custGeom>
-                <a:avLst/>
-                <a:gdLst>
-                  <a:gd name="T0" fmla="*/ 10800 w 21600"/>
-                  <a:gd name="T1" fmla="*/ 10800 h 21600"/>
-                  <a:gd name="T2" fmla="*/ 10800 w 21600"/>
-                  <a:gd name="T3" fmla="*/ 10800 h 21600"/>
-                  <a:gd name="T4" fmla="*/ 10800 w 21600"/>
-                  <a:gd name="T5" fmla="*/ 10800 h 21600"/>
-                  <a:gd name="T6" fmla="*/ 10800 w 21600"/>
-                  <a:gd name="T7" fmla="*/ 10800 h 21600"/>
-                </a:gdLst>
-                <a:ahLst/>
-                <a:cxnLst>
-                  <a:cxn ang="0">
-                    <a:pos x="T0" y="T1"/>
-                  </a:cxn>
-                  <a:cxn ang="0">
-                    <a:pos x="T2" y="T3"/>
-                  </a:cxn>
-                  <a:cxn ang="0">
-                    <a:pos x="T4" y="T5"/>
-                  </a:cxn>
-                  <a:cxn ang="0">
-                    <a:pos x="T6" y="T7"/>
-                  </a:cxn>
-                </a:cxnLst>
-                <a:rect l="0" t="0" r="r" b="b"/>
-                <a:pathLst>
-                  <a:path w="21600" h="21600">
-                    <a:moveTo>
-                      <a:pt x="10800" y="21599"/>
-                    </a:moveTo>
-                    <a:cubicBezTo>
-                      <a:pt x="16758" y="21599"/>
-                      <a:pt x="21600" y="16769"/>
-                      <a:pt x="21600" y="10800"/>
-                    </a:cubicBezTo>
-                    <a:cubicBezTo>
-                      <a:pt x="21600" y="4830"/>
-                      <a:pt x="16758" y="0"/>
-                      <a:pt x="10800" y="0"/>
-                    </a:cubicBezTo>
-                    <a:cubicBezTo>
-                      <a:pt x="4841" y="0"/>
-                      <a:pt x="0" y="4830"/>
-                      <a:pt x="0" y="10800"/>
-                    </a:cubicBezTo>
-                    <a:cubicBezTo>
-                      <a:pt x="0" y="16769"/>
-                      <a:pt x="4841" y="21599"/>
-                      <a:pt x="10800" y="21599"/>
-                    </a:cubicBezTo>
-                  </a:path>
-                </a:pathLst>
-              </a:custGeom>
-              <a:grpFill/>
-              <a:ln>
-                <a:noFill/>
-              </a:ln>
-              <a:effectLst/>
-              <a:extLst>
-                <a:ext uri="{91240B29-F687-4F45-9708-019B960494DF}">
-                  <a14:hiddenLine xmlns:a14="http://schemas.microsoft.com/office/drawing/2010/main" w="12700">
-                    <a:solidFill>
-                      <a:srgbClr val="000000"/>
-                    </a:solidFill>
-                    <a:prstDash val="solid"/>
-                    <a:miter lim="0"/>
-                    <a:headEnd/>
-                    <a:tailEnd/>
-                  </a14:hiddenLine>
-                </a:ext>
-                <a:ext uri="{AF507438-7753-43E0-B8FC-AC1667EBCBE1}">
-                  <a14:hiddenEffects xmlns:a14="http://schemas.microsoft.com/office/drawing/2010/main">
-                    <a:effectLst>
-                      <a:outerShdw blurRad="63500" dist="38099" dir="2700000" algn="ctr" rotWithShape="0">
-                        <a:srgbClr val="000000">
-                          <a:alpha val="74998"/>
-                        </a:srgbClr>
-                      </a:outerShdw>
-                    </a:effectLst>
-                  </a14:hiddenEffects>
-                </a:ext>
-              </a:extLst>
-            </p:spPr>
-            <p:txBody>
-              <a:bodyPr lIns="20090" tIns="20090" rIns="20090" bIns="20090" anchor="ctr"/>
-              <a:lstStyle/>
-              <a:p>
-                <a:pPr algn="just" defTabSz="170815" hangingPunct="0">
-                  <a:lnSpc>
-                    <a:spcPct val="120000"/>
-                  </a:lnSpc>
-                </a:pPr>
-                <a:endParaRPr lang="en-US" sz="700" dirty="0">
-                  <a:solidFill>
-                    <a:srgbClr val="FFFFFF"/>
-                  </a:solidFill>
-                  <a:effectLst>
-                    <a:outerShdw blurRad="38100" dist="38100" dir="2700000" algn="tl">
-                      <a:srgbClr val="000000"/>
-                    </a:outerShdw>
-                  </a:effectLst>
-                  <a:latin typeface="Arial" panose="020B0604020202020204" pitchFamily="34" charset="0"/>
-                  <a:ea typeface="微软雅黑" panose="020B0503020204020204" pitchFamily="34" charset="-122"/>
-                  <a:cs typeface="+mn-ea"/>
-                  <a:sym typeface="Arial" panose="020B0604020202020204" pitchFamily="34" charset="0"/>
-                </a:endParaRPr>
-              </a:p>
-            </p:txBody>
-          </p:sp>
-          <p:sp>
-            <p:nvSpPr>
-              <p:cNvPr id="145" name="AutoShape 42">
-                <a:extLst>
-                  <a:ext uri="{FF2B5EF4-FFF2-40B4-BE49-F238E27FC236}">
-                    <a16:creationId xmlns:a16="http://schemas.microsoft.com/office/drawing/2014/main" id="{0ACA0010-D69D-424B-B250-CC6A072D47BF}"/>
-                  </a:ext>
-                </a:extLst>
-              </p:cNvPr>
-              <p:cNvSpPr/>
-              <p:nvPr/>
-            </p:nvSpPr>
-            <p:spPr bwMode="auto">
-              <a:xfrm>
-                <a:off x="7682029" y="4075434"/>
-                <a:ext cx="28575" cy="29369"/>
-              </a:xfrm>
-              <a:custGeom>
-                <a:avLst/>
-                <a:gdLst>
-                  <a:gd name="T0" fmla="*/ 10800 w 21600"/>
-                  <a:gd name="T1" fmla="*/ 10800 h 21600"/>
-                  <a:gd name="T2" fmla="*/ 10800 w 21600"/>
-                  <a:gd name="T3" fmla="*/ 10800 h 21600"/>
-                  <a:gd name="T4" fmla="*/ 10800 w 21600"/>
-                  <a:gd name="T5" fmla="*/ 10800 h 21600"/>
-                  <a:gd name="T6" fmla="*/ 10800 w 21600"/>
-                  <a:gd name="T7" fmla="*/ 10800 h 21600"/>
-                </a:gdLst>
-                <a:ahLst/>
-                <a:cxnLst>
-                  <a:cxn ang="0">
-                    <a:pos x="T0" y="T1"/>
-                  </a:cxn>
-                  <a:cxn ang="0">
-                    <a:pos x="T2" y="T3"/>
-                  </a:cxn>
-                  <a:cxn ang="0">
-                    <a:pos x="T4" y="T5"/>
-                  </a:cxn>
-                  <a:cxn ang="0">
-                    <a:pos x="T6" y="T7"/>
-                  </a:cxn>
-                </a:cxnLst>
-                <a:rect l="0" t="0" r="r" b="b"/>
-                <a:pathLst>
-                  <a:path w="21600" h="21600">
-                    <a:moveTo>
-                      <a:pt x="10800" y="0"/>
-                    </a:moveTo>
-                    <a:cubicBezTo>
-                      <a:pt x="4841" y="0"/>
-                      <a:pt x="0" y="4830"/>
-                      <a:pt x="0" y="10800"/>
-                    </a:cubicBezTo>
-                    <a:cubicBezTo>
-                      <a:pt x="0" y="16769"/>
-                      <a:pt x="4841" y="21599"/>
-                      <a:pt x="10800" y="21599"/>
-                    </a:cubicBezTo>
-                    <a:cubicBezTo>
-                      <a:pt x="16758" y="21599"/>
-                      <a:pt x="21600" y="16769"/>
-                      <a:pt x="21600" y="10800"/>
-                    </a:cubicBezTo>
-                    <a:cubicBezTo>
-                      <a:pt x="21600" y="4830"/>
-                      <a:pt x="16758" y="0"/>
-                      <a:pt x="10800" y="0"/>
-                    </a:cubicBezTo>
-                  </a:path>
-                </a:pathLst>
-              </a:custGeom>
-              <a:grpFill/>
-              <a:ln>
-                <a:noFill/>
-              </a:ln>
-              <a:effectLst/>
-              <a:extLst>
-                <a:ext uri="{91240B29-F687-4F45-9708-019B960494DF}">
-                  <a14:hiddenLine xmlns:a14="http://schemas.microsoft.com/office/drawing/2010/main" w="12700">
-                    <a:solidFill>
-                      <a:srgbClr val="000000"/>
-                    </a:solidFill>
-                    <a:prstDash val="solid"/>
-                    <a:miter lim="0"/>
-                    <a:headEnd/>
-                    <a:tailEnd/>
-                  </a14:hiddenLine>
-                </a:ext>
-                <a:ext uri="{AF507438-7753-43E0-B8FC-AC1667EBCBE1}">
-                  <a14:hiddenEffects xmlns:a14="http://schemas.microsoft.com/office/drawing/2010/main">
-                    <a:effectLst>
-                      <a:outerShdw blurRad="63500" dist="38099" dir="2700000" algn="ctr" rotWithShape="0">
-                        <a:srgbClr val="000000">
-                          <a:alpha val="74998"/>
-                        </a:srgbClr>
-                      </a:outerShdw>
-                    </a:effectLst>
-                  </a14:hiddenEffects>
-                </a:ext>
-              </a:extLst>
-            </p:spPr>
-            <p:txBody>
-              <a:bodyPr lIns="20090" tIns="20090" rIns="20090" bIns="20090" anchor="ctr"/>
-              <a:lstStyle/>
-              <a:p>
-                <a:pPr algn="just" defTabSz="170815" hangingPunct="0">
-                  <a:lnSpc>
-                    <a:spcPct val="120000"/>
-                  </a:lnSpc>
-                </a:pPr>
-                <a:endParaRPr lang="en-US" sz="700" dirty="0">
-                  <a:solidFill>
-                    <a:srgbClr val="FFFFFF"/>
-                  </a:solidFill>
-                  <a:effectLst>
-                    <a:outerShdw blurRad="38100" dist="38100" dir="2700000" algn="tl">
-                      <a:srgbClr val="000000"/>
-                    </a:outerShdw>
-                  </a:effectLst>
-                  <a:latin typeface="Arial" panose="020B0604020202020204" pitchFamily="34" charset="0"/>
-                  <a:ea typeface="微软雅黑" panose="020B0503020204020204" pitchFamily="34" charset="-122"/>
-                  <a:cs typeface="+mn-ea"/>
-                  <a:sym typeface="Arial" panose="020B0604020202020204" pitchFamily="34" charset="0"/>
-                </a:endParaRPr>
-              </a:p>
-            </p:txBody>
-          </p:sp>
-        </p:grpSp>
-        <p:grpSp>
-          <p:nvGrpSpPr>
-            <p:cNvPr id="120" name="Group 176">
-              <a:extLst>
-                <a:ext uri="{FF2B5EF4-FFF2-40B4-BE49-F238E27FC236}">
-                  <a16:creationId xmlns:a16="http://schemas.microsoft.com/office/drawing/2014/main" id="{F35250DF-904A-DE4A-99A0-D23AACA08C24}"/>
-                </a:ext>
-              </a:extLst>
-            </p:cNvPr>
-            <p:cNvGrpSpPr/>
-            <p:nvPr/>
-          </p:nvGrpSpPr>
-          <p:grpSpPr>
-            <a:xfrm>
-              <a:off x="6527802" y="4879811"/>
-              <a:ext cx="272911" cy="346295"/>
-              <a:chOff x="9090741" y="2817006"/>
-              <a:chExt cx="420088" cy="532941"/>
-            </a:xfrm>
-            <a:grpFill/>
-          </p:grpSpPr>
-          <p:sp>
-            <p:nvSpPr>
-              <p:cNvPr id="136" name="AutoShape 48">
-                <a:extLst>
-                  <a:ext uri="{FF2B5EF4-FFF2-40B4-BE49-F238E27FC236}">
-                    <a16:creationId xmlns:a16="http://schemas.microsoft.com/office/drawing/2014/main" id="{3B10606B-8A81-C14E-9EE8-C49449364175}"/>
-                  </a:ext>
-                </a:extLst>
-              </p:cNvPr>
-              <p:cNvSpPr/>
-              <p:nvPr/>
-            </p:nvSpPr>
-            <p:spPr bwMode="auto">
-              <a:xfrm>
-                <a:off x="9090741" y="2817006"/>
-                <a:ext cx="406400" cy="464344"/>
-              </a:xfrm>
-              <a:custGeom>
-                <a:avLst/>
-                <a:gdLst>
-                  <a:gd name="T0" fmla="*/ 10800 w 21600"/>
-                  <a:gd name="T1" fmla="*/ 10800 h 21600"/>
-                  <a:gd name="T2" fmla="*/ 10800 w 21600"/>
-                  <a:gd name="T3" fmla="*/ 10800 h 21600"/>
-                  <a:gd name="T4" fmla="*/ 10800 w 21600"/>
-                  <a:gd name="T5" fmla="*/ 10800 h 21600"/>
-                  <a:gd name="T6" fmla="*/ 10800 w 21600"/>
-                  <a:gd name="T7" fmla="*/ 10800 h 21600"/>
-                </a:gdLst>
-                <a:ahLst/>
-                <a:cxnLst>
-                  <a:cxn ang="0">
-                    <a:pos x="T0" y="T1"/>
-                  </a:cxn>
-                  <a:cxn ang="0">
-                    <a:pos x="T2" y="T3"/>
-                  </a:cxn>
-                  <a:cxn ang="0">
-                    <a:pos x="T4" y="T5"/>
-                  </a:cxn>
-                  <a:cxn ang="0">
-                    <a:pos x="T6" y="T7"/>
-                  </a:cxn>
-                </a:cxnLst>
-                <a:rect l="0" t="0" r="r" b="b"/>
-                <a:pathLst>
-                  <a:path w="21600" h="21600">
-                    <a:moveTo>
-                      <a:pt x="10800" y="7425"/>
-                    </a:moveTo>
-                    <a:cubicBezTo>
-                      <a:pt x="5687" y="7425"/>
-                      <a:pt x="1542" y="6064"/>
-                      <a:pt x="1542" y="4387"/>
-                    </a:cubicBezTo>
-                    <a:cubicBezTo>
-                      <a:pt x="1542" y="2709"/>
-                      <a:pt x="5687" y="1350"/>
-                      <a:pt x="10800" y="1350"/>
-                    </a:cubicBezTo>
-                    <a:cubicBezTo>
-                      <a:pt x="15912" y="1350"/>
-                      <a:pt x="20057" y="2709"/>
-                      <a:pt x="20057" y="4387"/>
-                    </a:cubicBezTo>
-                    <a:cubicBezTo>
-                      <a:pt x="20057" y="6064"/>
-                      <a:pt x="15912" y="7425"/>
-                      <a:pt x="10800" y="7425"/>
-                    </a:cubicBezTo>
-                    <a:moveTo>
-                      <a:pt x="20057" y="9112"/>
-                    </a:moveTo>
-                    <a:lnTo>
-                      <a:pt x="20054" y="9112"/>
-                    </a:lnTo>
-                    <a:cubicBezTo>
-                      <a:pt x="20054" y="9119"/>
-                      <a:pt x="20057" y="9127"/>
-                      <a:pt x="20057" y="9133"/>
-                    </a:cubicBezTo>
-                    <a:cubicBezTo>
-                      <a:pt x="20057" y="10800"/>
-                      <a:pt x="15912" y="12150"/>
-                      <a:pt x="10800" y="12150"/>
-                    </a:cubicBezTo>
-                    <a:cubicBezTo>
-                      <a:pt x="5687" y="12150"/>
-                      <a:pt x="1542" y="10800"/>
-                      <a:pt x="1542" y="9133"/>
-                    </a:cubicBezTo>
-                    <a:cubicBezTo>
-                      <a:pt x="1542" y="9127"/>
-                      <a:pt x="1545" y="9119"/>
-                      <a:pt x="1545" y="9112"/>
-                    </a:cubicBezTo>
-                    <a:lnTo>
-                      <a:pt x="1542" y="9112"/>
-                    </a:lnTo>
-                    <a:lnTo>
-                      <a:pt x="1542" y="6793"/>
-                    </a:lnTo>
-                    <a:cubicBezTo>
-                      <a:pt x="3564" y="8140"/>
-                      <a:pt x="7271" y="8774"/>
-                      <a:pt x="10800" y="8774"/>
-                    </a:cubicBezTo>
-                    <a:cubicBezTo>
-                      <a:pt x="14328" y="8774"/>
-                      <a:pt x="18035" y="8140"/>
-                      <a:pt x="20057" y="6793"/>
-                    </a:cubicBezTo>
-                    <a:cubicBezTo>
-                      <a:pt x="20057" y="6793"/>
-                      <a:pt x="20057" y="9112"/>
-                      <a:pt x="20057" y="9112"/>
-                    </a:cubicBezTo>
-                    <a:close/>
-                    <a:moveTo>
-                      <a:pt x="20057" y="13162"/>
-                    </a:moveTo>
-                    <a:lnTo>
-                      <a:pt x="20054" y="13162"/>
-                    </a:lnTo>
-                    <a:cubicBezTo>
-                      <a:pt x="20054" y="13169"/>
-                      <a:pt x="20057" y="13177"/>
-                      <a:pt x="20057" y="13183"/>
-                    </a:cubicBezTo>
-                    <a:cubicBezTo>
-                      <a:pt x="20057" y="14850"/>
-                      <a:pt x="15912" y="16200"/>
-                      <a:pt x="10800" y="16200"/>
-                    </a:cubicBezTo>
-                    <a:cubicBezTo>
-                      <a:pt x="5687" y="16200"/>
-                      <a:pt x="1542" y="14850"/>
-                      <a:pt x="1542" y="13183"/>
-                    </a:cubicBezTo>
-                    <a:cubicBezTo>
-                      <a:pt x="1542" y="13177"/>
-                      <a:pt x="1545" y="13169"/>
-                      <a:pt x="1545" y="13162"/>
-                    </a:cubicBezTo>
-                    <a:lnTo>
-                      <a:pt x="1542" y="13162"/>
-                    </a:lnTo>
-                    <a:lnTo>
-                      <a:pt x="1542" y="10640"/>
-                    </a:lnTo>
-                    <a:cubicBezTo>
-                      <a:pt x="3136" y="12077"/>
-                      <a:pt x="6982" y="12825"/>
-                      <a:pt x="10800" y="12825"/>
-                    </a:cubicBezTo>
-                    <a:cubicBezTo>
-                      <a:pt x="14617" y="12825"/>
-                      <a:pt x="18463" y="12077"/>
-                      <a:pt x="20057" y="10640"/>
-                    </a:cubicBezTo>
-                    <a:cubicBezTo>
-                      <a:pt x="20057" y="10640"/>
-                      <a:pt x="20057" y="13162"/>
-                      <a:pt x="20057" y="13162"/>
-                    </a:cubicBezTo>
-                    <a:close/>
-                    <a:moveTo>
-                      <a:pt x="20057" y="17212"/>
-                    </a:moveTo>
-                    <a:cubicBezTo>
-                      <a:pt x="20057" y="18889"/>
-                      <a:pt x="15912" y="20249"/>
-                      <a:pt x="10800" y="20249"/>
-                    </a:cubicBezTo>
-                    <a:cubicBezTo>
-                      <a:pt x="5687" y="20249"/>
-                      <a:pt x="1542" y="18889"/>
-                      <a:pt x="1542" y="17212"/>
-                    </a:cubicBezTo>
-                    <a:lnTo>
-                      <a:pt x="1542" y="14690"/>
-                    </a:lnTo>
-                    <a:cubicBezTo>
-                      <a:pt x="3136" y="16127"/>
-                      <a:pt x="6982" y="16875"/>
-                      <a:pt x="10800" y="16875"/>
-                    </a:cubicBezTo>
-                    <a:cubicBezTo>
-                      <a:pt x="14617" y="16875"/>
-                      <a:pt x="18463" y="16127"/>
-                      <a:pt x="20057" y="14690"/>
-                    </a:cubicBezTo>
-                    <a:cubicBezTo>
-                      <a:pt x="20057" y="14690"/>
-                      <a:pt x="20057" y="17212"/>
-                      <a:pt x="20057" y="17212"/>
-                    </a:cubicBezTo>
-                    <a:close/>
-                    <a:moveTo>
-                      <a:pt x="10800" y="0"/>
-                    </a:moveTo>
-                    <a:cubicBezTo>
-                      <a:pt x="5598" y="0"/>
-                      <a:pt x="0" y="1372"/>
-                      <a:pt x="0" y="4387"/>
-                    </a:cubicBezTo>
-                    <a:lnTo>
-                      <a:pt x="0" y="17212"/>
-                    </a:lnTo>
-                    <a:cubicBezTo>
-                      <a:pt x="0" y="20226"/>
-                      <a:pt x="5598" y="21599"/>
-                      <a:pt x="10800" y="21599"/>
-                    </a:cubicBezTo>
-                    <a:cubicBezTo>
-                      <a:pt x="16001" y="21599"/>
-                      <a:pt x="21599" y="20226"/>
-                      <a:pt x="21599" y="17212"/>
-                    </a:cubicBezTo>
-                    <a:lnTo>
-                      <a:pt x="21599" y="4387"/>
-                    </a:lnTo>
-                    <a:cubicBezTo>
-                      <a:pt x="21599" y="1372"/>
-                      <a:pt x="16001" y="0"/>
-                      <a:pt x="10800" y="0"/>
-                    </a:cubicBezTo>
-                  </a:path>
-                </a:pathLst>
-              </a:custGeom>
-              <a:grpFill/>
-              <a:ln>
-                <a:noFill/>
-              </a:ln>
-              <a:effectLst/>
-              <a:extLst>
-                <a:ext uri="{91240B29-F687-4F45-9708-019B960494DF}">
-                  <a14:hiddenLine xmlns:a14="http://schemas.microsoft.com/office/drawing/2010/main" w="12700">
-                    <a:solidFill>
-                      <a:srgbClr val="000000"/>
-                    </a:solidFill>
-                    <a:prstDash val="solid"/>
-                    <a:miter lim="0"/>
-                    <a:headEnd/>
-                    <a:tailEnd/>
-                  </a14:hiddenLine>
-                </a:ext>
-                <a:ext uri="{AF507438-7753-43E0-B8FC-AC1667EBCBE1}">
-                  <a14:hiddenEffects xmlns:a14="http://schemas.microsoft.com/office/drawing/2010/main">
-                    <a:effectLst>
-                      <a:outerShdw blurRad="63500" dist="38099" dir="2700000" algn="ctr" rotWithShape="0">
-                        <a:srgbClr val="000000">
-                          <a:alpha val="74998"/>
-                        </a:srgbClr>
-                      </a:outerShdw>
-                    </a:effectLst>
-                  </a14:hiddenEffects>
-                </a:ext>
-              </a:extLst>
-            </p:spPr>
-            <p:txBody>
-              <a:bodyPr lIns="20090" tIns="20090" rIns="20090" bIns="20090" anchor="ctr"/>
-              <a:lstStyle/>
-              <a:p>
-                <a:pPr algn="just" defTabSz="170815" hangingPunct="0">
-                  <a:lnSpc>
-                    <a:spcPct val="120000"/>
-                  </a:lnSpc>
-                </a:pPr>
-                <a:endParaRPr lang="en-US" sz="700" dirty="0">
-                  <a:solidFill>
-                    <a:srgbClr val="FFFFFF"/>
-                  </a:solidFill>
-                  <a:effectLst>
-                    <a:outerShdw blurRad="38100" dist="38100" dir="2700000" algn="tl">
-                      <a:srgbClr val="000000"/>
-                    </a:outerShdw>
-                  </a:effectLst>
-                  <a:latin typeface="Arial" panose="020B0604020202020204" pitchFamily="34" charset="0"/>
-                  <a:ea typeface="微软雅黑" panose="020B0503020204020204" pitchFamily="34" charset="-122"/>
-                  <a:cs typeface="+mn-ea"/>
-                  <a:sym typeface="Arial" panose="020B0604020202020204" pitchFamily="34" charset="0"/>
-                </a:endParaRPr>
-              </a:p>
-            </p:txBody>
-          </p:sp>
-          <p:sp>
-            <p:nvSpPr>
-              <p:cNvPr id="138" name="AutoShape 50">
-                <a:extLst>
-                  <a:ext uri="{FF2B5EF4-FFF2-40B4-BE49-F238E27FC236}">
-                    <a16:creationId xmlns:a16="http://schemas.microsoft.com/office/drawing/2014/main" id="{4EAB6CD8-30DE-E844-9BDF-636E11280BAF}"/>
-                  </a:ext>
-                </a:extLst>
-              </p:cNvPr>
-              <p:cNvSpPr/>
-              <p:nvPr/>
-            </p:nvSpPr>
-            <p:spPr bwMode="auto">
-              <a:xfrm>
-                <a:off x="9481460" y="3320578"/>
-                <a:ext cx="29369" cy="29369"/>
-              </a:xfrm>
-              <a:custGeom>
-                <a:avLst/>
-                <a:gdLst>
-                  <a:gd name="T0" fmla="*/ 10800 w 21600"/>
-                  <a:gd name="T1" fmla="*/ 10800 h 21600"/>
-                  <a:gd name="T2" fmla="*/ 10800 w 21600"/>
-                  <a:gd name="T3" fmla="*/ 10800 h 21600"/>
-                  <a:gd name="T4" fmla="*/ 10800 w 21600"/>
-                  <a:gd name="T5" fmla="*/ 10800 h 21600"/>
-                  <a:gd name="T6" fmla="*/ 10800 w 21600"/>
-                  <a:gd name="T7" fmla="*/ 10800 h 21600"/>
-                </a:gdLst>
-                <a:ahLst/>
-                <a:cxnLst>
-                  <a:cxn ang="0">
-                    <a:pos x="T0" y="T1"/>
-                  </a:cxn>
-                  <a:cxn ang="0">
-                    <a:pos x="T2" y="T3"/>
-                  </a:cxn>
-                  <a:cxn ang="0">
-                    <a:pos x="T4" y="T5"/>
-                  </a:cxn>
-                  <a:cxn ang="0">
-                    <a:pos x="T6" y="T7"/>
-                  </a:cxn>
-                </a:cxnLst>
-                <a:rect l="0" t="0" r="r" b="b"/>
-                <a:pathLst>
-                  <a:path w="21600" h="21600">
-                    <a:moveTo>
-                      <a:pt x="10800" y="21599"/>
-                    </a:moveTo>
-                    <a:cubicBezTo>
-                      <a:pt x="16769" y="21599"/>
-                      <a:pt x="21600" y="16769"/>
-                      <a:pt x="21600" y="10800"/>
-                    </a:cubicBezTo>
-                    <a:cubicBezTo>
-                      <a:pt x="21600" y="4830"/>
-                      <a:pt x="16769" y="0"/>
-                      <a:pt x="10800" y="0"/>
-                    </a:cubicBezTo>
-                    <a:cubicBezTo>
-                      <a:pt x="4830" y="0"/>
-                      <a:pt x="0" y="4830"/>
-                      <a:pt x="0" y="10800"/>
-                    </a:cubicBezTo>
-                    <a:cubicBezTo>
-                      <a:pt x="0" y="16769"/>
-                      <a:pt x="4830" y="21599"/>
-                      <a:pt x="10800" y="21599"/>
-                    </a:cubicBezTo>
-                  </a:path>
-                </a:pathLst>
-              </a:custGeom>
-              <a:grpFill/>
-              <a:ln>
-                <a:noFill/>
-              </a:ln>
-              <a:effectLst/>
-              <a:extLst>
-                <a:ext uri="{91240B29-F687-4F45-9708-019B960494DF}">
-                  <a14:hiddenLine xmlns:a14="http://schemas.microsoft.com/office/drawing/2010/main" w="12700">
-                    <a:solidFill>
-                      <a:srgbClr val="000000"/>
-                    </a:solidFill>
-                    <a:prstDash val="solid"/>
-                    <a:miter lim="0"/>
-                    <a:headEnd/>
-                    <a:tailEnd/>
-                  </a14:hiddenLine>
-                </a:ext>
-                <a:ext uri="{AF507438-7753-43E0-B8FC-AC1667EBCBE1}">
-                  <a14:hiddenEffects xmlns:a14="http://schemas.microsoft.com/office/drawing/2010/main">
-                    <a:effectLst>
-                      <a:outerShdw blurRad="63500" dist="38099" dir="2700000" algn="ctr" rotWithShape="0">
-                        <a:srgbClr val="000000">
-                          <a:alpha val="74998"/>
-                        </a:srgbClr>
-                      </a:outerShdw>
-                    </a:effectLst>
-                  </a14:hiddenEffects>
-                </a:ext>
-              </a:extLst>
-            </p:spPr>
-            <p:txBody>
-              <a:bodyPr lIns="20090" tIns="20090" rIns="20090" bIns="20090" anchor="ctr"/>
-              <a:lstStyle/>
-              <a:p>
-                <a:pPr algn="just" defTabSz="170815" hangingPunct="0">
-                  <a:lnSpc>
-                    <a:spcPct val="120000"/>
-                  </a:lnSpc>
-                </a:pPr>
-                <a:endParaRPr lang="en-US" sz="700" dirty="0">
-                  <a:solidFill>
-                    <a:srgbClr val="FFFFFF"/>
-                  </a:solidFill>
-                  <a:effectLst>
-                    <a:outerShdw blurRad="38100" dist="38100" dir="2700000" algn="tl">
-                      <a:srgbClr val="000000"/>
-                    </a:outerShdw>
-                  </a:effectLst>
-                  <a:latin typeface="Arial" panose="020B0604020202020204" pitchFamily="34" charset="0"/>
-                  <a:ea typeface="微软雅黑" panose="020B0503020204020204" pitchFamily="34" charset="-122"/>
-                  <a:cs typeface="+mn-ea"/>
-                  <a:sym typeface="Arial" panose="020B0604020202020204" pitchFamily="34" charset="0"/>
-                </a:endParaRPr>
-              </a:p>
-            </p:txBody>
-          </p:sp>
-          <p:sp>
-            <p:nvSpPr>
-              <p:cNvPr id="139" name="AutoShape 51">
-                <a:extLst>
-                  <a:ext uri="{FF2B5EF4-FFF2-40B4-BE49-F238E27FC236}">
-                    <a16:creationId xmlns:a16="http://schemas.microsoft.com/office/drawing/2014/main" id="{050313F4-7A9B-824E-AA91-BF324CC72433}"/>
-                  </a:ext>
-                </a:extLst>
-              </p:cNvPr>
-              <p:cNvSpPr/>
-              <p:nvPr/>
-            </p:nvSpPr>
-            <p:spPr bwMode="auto">
-              <a:xfrm>
-                <a:off x="9481460" y="3233265"/>
-                <a:ext cx="29369" cy="29369"/>
-              </a:xfrm>
-              <a:custGeom>
-                <a:avLst/>
-                <a:gdLst>
-                  <a:gd name="T0" fmla="*/ 10800 w 21600"/>
-                  <a:gd name="T1" fmla="*/ 10800 h 21600"/>
-                  <a:gd name="T2" fmla="*/ 10800 w 21600"/>
-                  <a:gd name="T3" fmla="*/ 10800 h 21600"/>
-                  <a:gd name="T4" fmla="*/ 10800 w 21600"/>
-                  <a:gd name="T5" fmla="*/ 10800 h 21600"/>
-                  <a:gd name="T6" fmla="*/ 10800 w 21600"/>
-                  <a:gd name="T7" fmla="*/ 10800 h 21600"/>
-                </a:gdLst>
-                <a:ahLst/>
-                <a:cxnLst>
-                  <a:cxn ang="0">
-                    <a:pos x="T0" y="T1"/>
-                  </a:cxn>
-                  <a:cxn ang="0">
-                    <a:pos x="T2" y="T3"/>
-                  </a:cxn>
-                  <a:cxn ang="0">
-                    <a:pos x="T4" y="T5"/>
-                  </a:cxn>
-                  <a:cxn ang="0">
-                    <a:pos x="T6" y="T7"/>
-                  </a:cxn>
-                </a:cxnLst>
-                <a:rect l="0" t="0" r="r" b="b"/>
-                <a:pathLst>
-                  <a:path w="21600" h="21600">
-                    <a:moveTo>
-                      <a:pt x="10800" y="21599"/>
-                    </a:moveTo>
-                    <a:cubicBezTo>
-                      <a:pt x="16769" y="21599"/>
-                      <a:pt x="21600" y="16769"/>
-                      <a:pt x="21600" y="10800"/>
-                    </a:cubicBezTo>
-                    <a:cubicBezTo>
-                      <a:pt x="21600" y="4830"/>
-                      <a:pt x="16769" y="0"/>
-                      <a:pt x="10800" y="0"/>
-                    </a:cubicBezTo>
-                    <a:cubicBezTo>
-                      <a:pt x="4830" y="0"/>
-                      <a:pt x="0" y="4830"/>
-                      <a:pt x="0" y="10800"/>
-                    </a:cubicBezTo>
-                    <a:cubicBezTo>
-                      <a:pt x="0" y="16769"/>
-                      <a:pt x="4830" y="21599"/>
-                      <a:pt x="10800" y="21599"/>
-                    </a:cubicBezTo>
-                  </a:path>
-                </a:pathLst>
-              </a:custGeom>
-              <a:grpFill/>
-              <a:ln>
-                <a:noFill/>
-              </a:ln>
-              <a:effectLst/>
-              <a:extLst>
-                <a:ext uri="{91240B29-F687-4F45-9708-019B960494DF}">
-                  <a14:hiddenLine xmlns:a14="http://schemas.microsoft.com/office/drawing/2010/main" w="12700">
-                    <a:solidFill>
-                      <a:srgbClr val="000000"/>
-                    </a:solidFill>
-                    <a:prstDash val="solid"/>
-                    <a:miter lim="0"/>
-                    <a:headEnd/>
-                    <a:tailEnd/>
-                  </a14:hiddenLine>
-                </a:ext>
-                <a:ext uri="{AF507438-7753-43E0-B8FC-AC1667EBCBE1}">
-                  <a14:hiddenEffects xmlns:a14="http://schemas.microsoft.com/office/drawing/2010/main">
-                    <a:effectLst>
-                      <a:outerShdw blurRad="63500" dist="38099" dir="2700000" algn="ctr" rotWithShape="0">
-                        <a:srgbClr val="000000">
-                          <a:alpha val="74998"/>
-                        </a:srgbClr>
-                      </a:outerShdw>
-                    </a:effectLst>
-                  </a14:hiddenEffects>
-                </a:ext>
-              </a:extLst>
-            </p:spPr>
-            <p:txBody>
-              <a:bodyPr lIns="20090" tIns="20090" rIns="20090" bIns="20090" anchor="ctr"/>
-              <a:lstStyle/>
-              <a:p>
-                <a:pPr algn="just" defTabSz="170815" hangingPunct="0">
-                  <a:lnSpc>
-                    <a:spcPct val="120000"/>
-                  </a:lnSpc>
-                </a:pPr>
-                <a:endParaRPr lang="en-US" sz="700" dirty="0">
-                  <a:solidFill>
-                    <a:srgbClr val="FFFFFF"/>
-                  </a:solidFill>
-                  <a:effectLst>
-                    <a:outerShdw blurRad="38100" dist="38100" dir="2700000" algn="tl">
-                      <a:srgbClr val="000000"/>
-                    </a:outerShdw>
-                  </a:effectLst>
-                  <a:latin typeface="Arial" panose="020B0604020202020204" pitchFamily="34" charset="0"/>
-                  <a:ea typeface="微软雅黑" panose="020B0503020204020204" pitchFamily="34" charset="-122"/>
-                  <a:cs typeface="+mn-ea"/>
-                  <a:sym typeface="Arial" panose="020B0604020202020204" pitchFamily="34" charset="0"/>
-                </a:endParaRPr>
-              </a:p>
-            </p:txBody>
-          </p:sp>
-        </p:grpSp>
-        <p:grpSp>
-          <p:nvGrpSpPr>
-            <p:cNvPr id="121" name="Group 181">
-              <a:extLst>
-                <a:ext uri="{FF2B5EF4-FFF2-40B4-BE49-F238E27FC236}">
-                  <a16:creationId xmlns:a16="http://schemas.microsoft.com/office/drawing/2014/main" id="{F0450E03-0A51-1D46-BA7A-79F7E9AD991A}"/>
-                </a:ext>
-              </a:extLst>
-            </p:cNvPr>
-            <p:cNvGrpSpPr/>
-            <p:nvPr/>
-          </p:nvGrpSpPr>
-          <p:grpSpPr>
-            <a:xfrm>
-              <a:off x="6603557" y="3628273"/>
-              <a:ext cx="213505" cy="311290"/>
-              <a:chOff x="3582988" y="3510757"/>
-              <a:chExt cx="319088" cy="465138"/>
-            </a:xfrm>
-            <a:grpFill/>
-          </p:grpSpPr>
-          <p:sp>
-            <p:nvSpPr>
-              <p:cNvPr id="134" name="AutoShape 113">
-                <a:extLst>
-                  <a:ext uri="{FF2B5EF4-FFF2-40B4-BE49-F238E27FC236}">
-                    <a16:creationId xmlns:a16="http://schemas.microsoft.com/office/drawing/2014/main" id="{43A3350C-6716-EB4C-862B-2FA67F7B98E7}"/>
-                  </a:ext>
-                </a:extLst>
-              </p:cNvPr>
-              <p:cNvSpPr/>
-              <p:nvPr/>
-            </p:nvSpPr>
-            <p:spPr bwMode="auto">
-              <a:xfrm>
-                <a:off x="3582988" y="3510757"/>
-                <a:ext cx="319088" cy="465138"/>
-              </a:xfrm>
-              <a:custGeom>
-                <a:avLst/>
-                <a:gdLst>
-                  <a:gd name="T0" fmla="*/ 10800 w 21600"/>
-                  <a:gd name="T1" fmla="*/ 10800 h 21600"/>
-                  <a:gd name="T2" fmla="*/ 10800 w 21600"/>
-                  <a:gd name="T3" fmla="*/ 10800 h 21600"/>
-                  <a:gd name="T4" fmla="*/ 10800 w 21600"/>
-                  <a:gd name="T5" fmla="*/ 10800 h 21600"/>
-                  <a:gd name="T6" fmla="*/ 10800 w 21600"/>
-                  <a:gd name="T7" fmla="*/ 10800 h 21600"/>
-                </a:gdLst>
-                <a:ahLst/>
-                <a:cxnLst>
-                  <a:cxn ang="0">
-                    <a:pos x="T0" y="T1"/>
-                  </a:cxn>
-                  <a:cxn ang="0">
-                    <a:pos x="T2" y="T3"/>
-                  </a:cxn>
-                  <a:cxn ang="0">
-                    <a:pos x="T4" y="T5"/>
-                  </a:cxn>
-                  <a:cxn ang="0">
-                    <a:pos x="T6" y="T7"/>
-                  </a:cxn>
-                </a:cxnLst>
-                <a:rect l="0" t="0" r="r" b="b"/>
-                <a:pathLst>
-                  <a:path w="21600" h="21600">
-                    <a:moveTo>
-                      <a:pt x="15386" y="14175"/>
-                    </a:moveTo>
-                    <a:lnTo>
-                      <a:pt x="6223" y="14175"/>
-                    </a:lnTo>
-                    <a:cubicBezTo>
-                      <a:pt x="5734" y="13446"/>
-                      <a:pt x="5147" y="12716"/>
-                      <a:pt x="4568" y="12003"/>
-                    </a:cubicBezTo>
-                    <a:cubicBezTo>
-                      <a:pt x="3287" y="10427"/>
-                      <a:pt x="1963" y="8797"/>
-                      <a:pt x="1963" y="7425"/>
-                    </a:cubicBezTo>
-                    <a:cubicBezTo>
-                      <a:pt x="1963" y="4075"/>
-                      <a:pt x="5927" y="1350"/>
-                      <a:pt x="10800" y="1350"/>
-                    </a:cubicBezTo>
-                    <a:cubicBezTo>
-                      <a:pt x="15672" y="1350"/>
-                      <a:pt x="19636" y="4075"/>
-                      <a:pt x="19636" y="7425"/>
-                    </a:cubicBezTo>
-                    <a:cubicBezTo>
-                      <a:pt x="19636" y="8787"/>
-                      <a:pt x="18312" y="10425"/>
-                      <a:pt x="17029" y="12011"/>
-                    </a:cubicBezTo>
-                    <a:cubicBezTo>
-                      <a:pt x="16455" y="12723"/>
-                      <a:pt x="15873" y="13449"/>
-                      <a:pt x="15386" y="14175"/>
-                    </a:cubicBezTo>
-                    <a:moveTo>
-                      <a:pt x="10800" y="20249"/>
-                    </a:moveTo>
-                    <a:cubicBezTo>
-                      <a:pt x="9805" y="20249"/>
-                      <a:pt x="9347" y="20171"/>
-                      <a:pt x="8839" y="19406"/>
-                    </a:cubicBezTo>
-                    <a:lnTo>
-                      <a:pt x="13000" y="19048"/>
-                    </a:lnTo>
-                    <a:cubicBezTo>
-                      <a:pt x="12398" y="20164"/>
-                      <a:pt x="11959" y="20249"/>
-                      <a:pt x="10800" y="20249"/>
-                    </a:cubicBezTo>
-                    <a:moveTo>
-                      <a:pt x="7595" y="16813"/>
-                    </a:moveTo>
-                    <a:cubicBezTo>
-                      <a:pt x="7417" y="16407"/>
-                      <a:pt x="7215" y="15978"/>
-                      <a:pt x="6991" y="15525"/>
-                    </a:cubicBezTo>
-                    <a:lnTo>
-                      <a:pt x="14616" y="15525"/>
-                    </a:lnTo>
-                    <a:cubicBezTo>
-                      <a:pt x="14496" y="15767"/>
-                      <a:pt x="14375" y="16010"/>
-                      <a:pt x="14270" y="16239"/>
-                    </a:cubicBezTo>
-                    <a:cubicBezTo>
-                      <a:pt x="14270" y="16239"/>
-                      <a:pt x="7595" y="16813"/>
-                      <a:pt x="7595" y="16813"/>
-                    </a:cubicBezTo>
-                    <a:close/>
-                    <a:moveTo>
-                      <a:pt x="13345" y="18343"/>
-                    </a:moveTo>
-                    <a:lnTo>
-                      <a:pt x="8476" y="18762"/>
-                    </a:lnTo>
-                    <a:cubicBezTo>
-                      <a:pt x="8303" y="18416"/>
-                      <a:pt x="8116" y="18011"/>
-                      <a:pt x="7890" y="17483"/>
-                    </a:cubicBezTo>
-                    <a:cubicBezTo>
-                      <a:pt x="7887" y="17477"/>
-                      <a:pt x="7883" y="17469"/>
-                      <a:pt x="7881" y="17462"/>
-                    </a:cubicBezTo>
-                    <a:lnTo>
-                      <a:pt x="13957" y="16941"/>
-                    </a:lnTo>
-                    <a:cubicBezTo>
-                      <a:pt x="13871" y="17140"/>
-                      <a:pt x="13778" y="17350"/>
-                      <a:pt x="13698" y="17537"/>
-                    </a:cubicBezTo>
-                    <a:cubicBezTo>
-                      <a:pt x="13569" y="17841"/>
-                      <a:pt x="13453" y="18104"/>
-                      <a:pt x="13345" y="18343"/>
-                    </a:cubicBezTo>
-                    <a:moveTo>
-                      <a:pt x="10800" y="0"/>
-                    </a:moveTo>
-                    <a:cubicBezTo>
-                      <a:pt x="4835" y="0"/>
-                      <a:pt x="0" y="3324"/>
-                      <a:pt x="0" y="7425"/>
-                    </a:cubicBezTo>
-                    <a:cubicBezTo>
-                      <a:pt x="0" y="10146"/>
-                      <a:pt x="3621" y="13029"/>
-                      <a:pt x="4939" y="15562"/>
-                    </a:cubicBezTo>
-                    <a:cubicBezTo>
-                      <a:pt x="6906" y="19339"/>
-                      <a:pt x="6688" y="21599"/>
-                      <a:pt x="10800" y="21599"/>
-                    </a:cubicBezTo>
-                    <a:cubicBezTo>
-                      <a:pt x="14972" y="21599"/>
-                      <a:pt x="14692" y="19349"/>
-                      <a:pt x="16660" y="15577"/>
-                    </a:cubicBezTo>
-                    <a:cubicBezTo>
-                      <a:pt x="17983" y="13039"/>
-                      <a:pt x="21600" y="10124"/>
-                      <a:pt x="21600" y="7425"/>
-                    </a:cubicBezTo>
-                    <a:cubicBezTo>
-                      <a:pt x="21600" y="3324"/>
-                      <a:pt x="16764" y="0"/>
-                      <a:pt x="10800" y="0"/>
-                    </a:cubicBezTo>
-                  </a:path>
-                </a:pathLst>
-              </a:custGeom>
-              <a:grpFill/>
-              <a:ln>
-                <a:noFill/>
-              </a:ln>
-              <a:effectLst/>
-              <a:extLst>
-                <a:ext uri="{91240B29-F687-4F45-9708-019B960494DF}">
-                  <a14:hiddenLine xmlns:a14="http://schemas.microsoft.com/office/drawing/2010/main" w="12700">
-                    <a:solidFill>
-                      <a:srgbClr val="000000"/>
-                    </a:solidFill>
-                    <a:prstDash val="solid"/>
-                    <a:miter lim="0"/>
-                    <a:headEnd/>
-                    <a:tailEnd/>
-                  </a14:hiddenLine>
-                </a:ext>
-                <a:ext uri="{AF507438-7753-43E0-B8FC-AC1667EBCBE1}">
-                  <a14:hiddenEffects xmlns:a14="http://schemas.microsoft.com/office/drawing/2010/main">
-                    <a:effectLst>
-                      <a:outerShdw blurRad="63500" dist="38099" dir="2700000" algn="ctr" rotWithShape="0">
-                        <a:srgbClr val="000000">
-                          <a:alpha val="74998"/>
-                        </a:srgbClr>
-                      </a:outerShdw>
-                    </a:effectLst>
-                  </a14:hiddenEffects>
-                </a:ext>
-              </a:extLst>
-            </p:spPr>
-            <p:txBody>
-              <a:bodyPr lIns="20090" tIns="20090" rIns="20090" bIns="20090" anchor="ctr"/>
-              <a:lstStyle/>
-              <a:p>
-                <a:pPr algn="just" defTabSz="170815" hangingPunct="0">
-                  <a:lnSpc>
-                    <a:spcPct val="120000"/>
-                  </a:lnSpc>
-                </a:pPr>
-                <a:endParaRPr lang="en-US" sz="700" dirty="0">
-                  <a:solidFill>
-                    <a:srgbClr val="FFFFFF"/>
-                  </a:solidFill>
-                  <a:effectLst>
-                    <a:outerShdw blurRad="38100" dist="38100" dir="2700000" algn="tl">
-                      <a:srgbClr val="000000"/>
-                    </a:outerShdw>
-                  </a:effectLst>
-                  <a:latin typeface="Arial" panose="020B0604020202020204" pitchFamily="34" charset="0"/>
-                  <a:ea typeface="微软雅黑" panose="020B0503020204020204" pitchFamily="34" charset="-122"/>
-                  <a:cs typeface="+mn-ea"/>
-                  <a:sym typeface="Arial" panose="020B0604020202020204" pitchFamily="34" charset="0"/>
-                </a:endParaRPr>
-              </a:p>
-            </p:txBody>
-          </p:sp>
-          <p:sp>
-            <p:nvSpPr>
-              <p:cNvPr id="135" name="AutoShape 114">
-                <a:extLst>
-                  <a:ext uri="{FF2B5EF4-FFF2-40B4-BE49-F238E27FC236}">
-                    <a16:creationId xmlns:a16="http://schemas.microsoft.com/office/drawing/2014/main" id="{A4E19F72-C4CC-3241-B0B5-69FAC20DCAFD}"/>
-                  </a:ext>
-                </a:extLst>
-              </p:cNvPr>
-              <p:cNvSpPr/>
-              <p:nvPr/>
-            </p:nvSpPr>
-            <p:spPr bwMode="auto">
-              <a:xfrm>
-                <a:off x="3655219" y="3583782"/>
-                <a:ext cx="94456" cy="94456"/>
-              </a:xfrm>
-              <a:custGeom>
-                <a:avLst/>
-                <a:gdLst>
-                  <a:gd name="T0" fmla="*/ 10800 w 21600"/>
-                  <a:gd name="T1" fmla="*/ 10800 h 21600"/>
-                  <a:gd name="T2" fmla="*/ 10800 w 21600"/>
-                  <a:gd name="T3" fmla="*/ 10800 h 21600"/>
-                  <a:gd name="T4" fmla="*/ 10800 w 21600"/>
-                  <a:gd name="T5" fmla="*/ 10800 h 21600"/>
-                  <a:gd name="T6" fmla="*/ 10800 w 21600"/>
-                  <a:gd name="T7" fmla="*/ 10800 h 21600"/>
-                </a:gdLst>
-                <a:ahLst/>
-                <a:cxnLst>
-                  <a:cxn ang="0">
-                    <a:pos x="T0" y="T1"/>
-                  </a:cxn>
-                  <a:cxn ang="0">
-                    <a:pos x="T2" y="T3"/>
-                  </a:cxn>
-                  <a:cxn ang="0">
-                    <a:pos x="T4" y="T5"/>
-                  </a:cxn>
-                  <a:cxn ang="0">
-                    <a:pos x="T6" y="T7"/>
-                  </a:cxn>
-                </a:cxnLst>
-                <a:rect l="0" t="0" r="r" b="b"/>
-                <a:pathLst>
-                  <a:path w="21600" h="21600">
-                    <a:moveTo>
-                      <a:pt x="19938" y="0"/>
-                    </a:moveTo>
-                    <a:cubicBezTo>
-                      <a:pt x="8943" y="0"/>
-                      <a:pt x="0" y="8942"/>
-                      <a:pt x="0" y="19938"/>
-                    </a:cubicBezTo>
-                    <a:cubicBezTo>
-                      <a:pt x="0" y="20855"/>
-                      <a:pt x="743" y="21600"/>
-                      <a:pt x="1661" y="21600"/>
-                    </a:cubicBezTo>
-                    <a:cubicBezTo>
-                      <a:pt x="2579" y="21600"/>
-                      <a:pt x="3323" y="20855"/>
-                      <a:pt x="3323" y="19938"/>
-                    </a:cubicBezTo>
-                    <a:cubicBezTo>
-                      <a:pt x="3323" y="10777"/>
-                      <a:pt x="10777" y="3323"/>
-                      <a:pt x="19938" y="3323"/>
-                    </a:cubicBezTo>
-                    <a:cubicBezTo>
-                      <a:pt x="20856" y="3323"/>
-                      <a:pt x="21600" y="2578"/>
-                      <a:pt x="21600" y="1661"/>
-                    </a:cubicBezTo>
-                    <a:cubicBezTo>
-                      <a:pt x="21600" y="744"/>
-                      <a:pt x="20856" y="0"/>
-                      <a:pt x="19938" y="0"/>
-                    </a:cubicBezTo>
-                  </a:path>
-                </a:pathLst>
-              </a:custGeom>
-              <a:grpFill/>
-              <a:ln>
-                <a:noFill/>
-              </a:ln>
-              <a:effectLst/>
-              <a:extLst>
-                <a:ext uri="{91240B29-F687-4F45-9708-019B960494DF}">
-                  <a14:hiddenLine xmlns:a14="http://schemas.microsoft.com/office/drawing/2010/main" w="12700">
-                    <a:solidFill>
-                      <a:srgbClr val="000000"/>
-                    </a:solidFill>
-                    <a:prstDash val="solid"/>
-                    <a:miter lim="0"/>
-                    <a:headEnd/>
-                    <a:tailEnd/>
-                  </a14:hiddenLine>
-                </a:ext>
-                <a:ext uri="{AF507438-7753-43E0-B8FC-AC1667EBCBE1}">
-                  <a14:hiddenEffects xmlns:a14="http://schemas.microsoft.com/office/drawing/2010/main">
-                    <a:effectLst>
-                      <a:outerShdw blurRad="63500" dist="38099" dir="2700000" algn="ctr" rotWithShape="0">
-                        <a:srgbClr val="000000">
-                          <a:alpha val="74998"/>
-                        </a:srgbClr>
-                      </a:outerShdw>
-                    </a:effectLst>
-                  </a14:hiddenEffects>
-                </a:ext>
-              </a:extLst>
-            </p:spPr>
-            <p:txBody>
-              <a:bodyPr lIns="20090" tIns="20090" rIns="20090" bIns="20090" anchor="ctr"/>
-              <a:lstStyle/>
-              <a:p>
-                <a:pPr algn="just" defTabSz="170815" hangingPunct="0">
-                  <a:lnSpc>
-                    <a:spcPct val="120000"/>
-                  </a:lnSpc>
-                </a:pPr>
-                <a:endParaRPr lang="en-US" sz="700" dirty="0">
-                  <a:solidFill>
-                    <a:srgbClr val="FFFFFF"/>
-                  </a:solidFill>
-                  <a:effectLst>
-                    <a:outerShdw blurRad="38100" dist="38100" dir="2700000" algn="tl">
-                      <a:srgbClr val="000000"/>
-                    </a:outerShdw>
-                  </a:effectLst>
-                  <a:latin typeface="Arial" panose="020B0604020202020204" pitchFamily="34" charset="0"/>
-                  <a:ea typeface="微软雅黑" panose="020B0503020204020204" pitchFamily="34" charset="-122"/>
-                  <a:cs typeface="+mn-ea"/>
-                  <a:sym typeface="Arial" panose="020B0604020202020204" pitchFamily="34" charset="0"/>
-                </a:endParaRPr>
-              </a:p>
-            </p:txBody>
-          </p:sp>
+                    <a:latin typeface="Arial" panose="020B0604020202020204" pitchFamily="34" charset="0"/>
+                    <a:ea typeface="微软雅黑" panose="020B0503020204020204" pitchFamily="34" charset="-122"/>
+                    <a:cs typeface="+mn-ea"/>
+                    <a:sym typeface="Arial" panose="020B0604020202020204" pitchFamily="34" charset="0"/>
+                  </a:endParaRPr>
+                </a:p>
+              </p:txBody>
+            </p:sp>
+          </p:grpSp>
         </p:grpSp>
         <p:sp>
           <p:nvSpPr>
@@ -20822,7 +21627,7 @@
           </p:nvSpPr>
           <p:spPr>
             <a:xfrm>
-              <a:off x="6510852" y="2582871"/>
+              <a:off x="4499992" y="2249063"/>
               <a:ext cx="2793680" cy="373037"/>
             </a:xfrm>
             <a:prstGeom prst="rect">
@@ -20869,236 +21674,633 @@
             </a:p>
           </p:txBody>
         </p:sp>
-        <p:sp>
-          <p:nvSpPr>
-            <p:cNvPr id="126" name="Content Placeholder 2">
+        <p:grpSp>
+          <p:nvGrpSpPr>
+            <p:cNvPr id="7" name="组合 6">
               <a:extLst>
                 <a:ext uri="{FF2B5EF4-FFF2-40B4-BE49-F238E27FC236}">
-                  <a16:creationId xmlns:a16="http://schemas.microsoft.com/office/drawing/2014/main" id="{7CD4B987-163E-CB48-9BB6-F31BF95DE12C}"/>
+                  <a16:creationId xmlns:a16="http://schemas.microsoft.com/office/drawing/2014/main" id="{3A28FC88-A8F6-ED4E-AC61-88EA834EBFCF}"/>
                 </a:ext>
               </a:extLst>
             </p:cNvPr>
-            <p:cNvSpPr txBox="1"/>
+            <p:cNvGrpSpPr/>
             <p:nvPr/>
-          </p:nvSpPr>
-          <p:spPr>
+          </p:nvGrpSpPr>
+          <p:grpSpPr>
             <a:xfrm>
-              <a:off x="7143839" y="5482671"/>
-              <a:ext cx="671652" cy="369072"/>
+              <a:off x="4592697" y="3294465"/>
+              <a:ext cx="4682870" cy="316748"/>
+              <a:chOff x="4592697" y="3294465"/>
+              <a:chExt cx="4682870" cy="316748"/>
             </a:xfrm>
-            <a:prstGeom prst="rect">
-              <a:avLst/>
-            </a:prstGeom>
-            <a:noFill/>
-          </p:spPr>
-          <p:txBody>
-            <a:bodyPr vert="horz" wrap="square" lIns="91441" tIns="45720" rIns="91441" bIns="45720" rtlCol="0">
-              <a:spAutoFit/>
-            </a:bodyPr>
-            <a:lstStyle>
-              <a:lvl1pPr marL="342900" indent="-342900" algn="l" defTabSz="914400" rtl="0" eaLnBrk="1" latinLnBrk="0" hangingPunct="1">
-                <a:spcBef>
-                  <a:spcPct val="20000"/>
-                </a:spcBef>
-                <a:buFont typeface="Arial" panose="020B0604020202020204" pitchFamily="34" charset="0"/>
-                <a:buChar char="•"/>
-                <a:defRPr sz="1400" kern="1200">
-                  <a:solidFill>
-                    <a:schemeClr val="bg1">
-                      <a:lumMod val="65000"/>
-                    </a:schemeClr>
-                  </a:solidFill>
-                  <a:latin typeface="+mn-lt"/>
-                  <a:ea typeface="+mn-ea"/>
-                  <a:cs typeface="+mn-cs"/>
-                </a:defRPr>
-              </a:lvl1pPr>
-              <a:lvl2pPr marL="742950" indent="-285750" algn="l" defTabSz="914400" rtl="0" eaLnBrk="1" latinLnBrk="0" hangingPunct="1">
-                <a:spcBef>
-                  <a:spcPct val="20000"/>
-                </a:spcBef>
-                <a:buFont typeface="Arial" panose="020B0604020202020204" pitchFamily="34" charset="0"/>
-                <a:buChar char="–"/>
-                <a:defRPr sz="1200" kern="1200">
-                  <a:solidFill>
-                    <a:schemeClr val="bg1">
-                      <a:lumMod val="65000"/>
-                    </a:schemeClr>
-                  </a:solidFill>
-                  <a:latin typeface="+mn-lt"/>
-                  <a:ea typeface="+mn-ea"/>
-                  <a:cs typeface="+mn-cs"/>
-                </a:defRPr>
-              </a:lvl2pPr>
-              <a:lvl3pPr marL="1143000" indent="-228600" algn="l" defTabSz="914400" rtl="0" eaLnBrk="1" latinLnBrk="0" hangingPunct="1">
-                <a:spcBef>
-                  <a:spcPct val="20000"/>
-                </a:spcBef>
-                <a:buFont typeface="Arial" panose="020B0604020202020204" pitchFamily="34" charset="0"/>
-                <a:buChar char="•"/>
-                <a:defRPr sz="1100" kern="1200">
-                  <a:solidFill>
-                    <a:schemeClr val="bg1">
-                      <a:lumMod val="65000"/>
-                    </a:schemeClr>
-                  </a:solidFill>
-                  <a:latin typeface="+mn-lt"/>
-                  <a:ea typeface="+mn-ea"/>
-                  <a:cs typeface="+mn-cs"/>
-                </a:defRPr>
-              </a:lvl3pPr>
-              <a:lvl4pPr marL="1600200" indent="-228600" algn="l" defTabSz="914400" rtl="0" eaLnBrk="1" latinLnBrk="0" hangingPunct="1">
-                <a:spcBef>
-                  <a:spcPct val="20000"/>
-                </a:spcBef>
-                <a:buFont typeface="Arial" panose="020B0604020202020204" pitchFamily="34" charset="0"/>
-                <a:buChar char="–"/>
-                <a:defRPr sz="1050" kern="1200">
-                  <a:solidFill>
-                    <a:schemeClr val="bg1">
-                      <a:lumMod val="65000"/>
-                    </a:schemeClr>
-                  </a:solidFill>
-                  <a:latin typeface="+mn-lt"/>
-                  <a:ea typeface="+mn-ea"/>
-                  <a:cs typeface="+mn-cs"/>
-                </a:defRPr>
-              </a:lvl4pPr>
-              <a:lvl5pPr marL="2057400" indent="-228600" algn="l" defTabSz="914400" rtl="0" eaLnBrk="1" latinLnBrk="0" hangingPunct="1">
-                <a:spcBef>
-                  <a:spcPct val="20000"/>
-                </a:spcBef>
-                <a:buFont typeface="Arial" panose="020B0604020202020204" pitchFamily="34" charset="0"/>
-                <a:buChar char="»"/>
-                <a:defRPr sz="1050" kern="1200">
-                  <a:solidFill>
-                    <a:schemeClr val="bg1">
-                      <a:lumMod val="65000"/>
-                    </a:schemeClr>
-                  </a:solidFill>
-                  <a:latin typeface="+mn-lt"/>
-                  <a:ea typeface="+mn-ea"/>
-                  <a:cs typeface="+mn-cs"/>
-                </a:defRPr>
-              </a:lvl5pPr>
-              <a:lvl6pPr marL="2514600" indent="-228600" algn="l" defTabSz="914400" rtl="0" eaLnBrk="1" latinLnBrk="0" hangingPunct="1">
-                <a:spcBef>
-                  <a:spcPct val="20000"/>
-                </a:spcBef>
-                <a:buFont typeface="Arial" panose="020B0604020202020204" pitchFamily="34" charset="0"/>
-                <a:buChar char="•"/>
-                <a:defRPr sz="2000" kern="1200">
-                  <a:solidFill>
-                    <a:schemeClr val="tx1"/>
-                  </a:solidFill>
-                  <a:latin typeface="+mn-lt"/>
-                  <a:ea typeface="+mn-ea"/>
-                  <a:cs typeface="+mn-cs"/>
-                </a:defRPr>
-              </a:lvl6pPr>
-              <a:lvl7pPr marL="2971800" indent="-228600" algn="l" defTabSz="914400" rtl="0" eaLnBrk="1" latinLnBrk="0" hangingPunct="1">
-                <a:spcBef>
-                  <a:spcPct val="20000"/>
-                </a:spcBef>
-                <a:buFont typeface="Arial" panose="020B0604020202020204" pitchFamily="34" charset="0"/>
-                <a:buChar char="•"/>
-                <a:defRPr sz="2000" kern="1200">
-                  <a:solidFill>
-                    <a:schemeClr val="tx1"/>
-                  </a:solidFill>
-                  <a:latin typeface="+mn-lt"/>
-                  <a:ea typeface="+mn-ea"/>
-                  <a:cs typeface="+mn-cs"/>
-                </a:defRPr>
-              </a:lvl7pPr>
-              <a:lvl8pPr marL="3429000" indent="-228600" algn="l" defTabSz="914400" rtl="0" eaLnBrk="1" latinLnBrk="0" hangingPunct="1">
-                <a:spcBef>
-                  <a:spcPct val="20000"/>
-                </a:spcBef>
-                <a:buFont typeface="Arial" panose="020B0604020202020204" pitchFamily="34" charset="0"/>
-                <a:buChar char="•"/>
-                <a:defRPr sz="2000" kern="1200">
-                  <a:solidFill>
-                    <a:schemeClr val="tx1"/>
-                  </a:solidFill>
-                  <a:latin typeface="+mn-lt"/>
-                  <a:ea typeface="+mn-ea"/>
-                  <a:cs typeface="+mn-cs"/>
-                </a:defRPr>
-              </a:lvl8pPr>
-              <a:lvl9pPr marL="3886200" indent="-228600" algn="l" defTabSz="914400" rtl="0" eaLnBrk="1" latinLnBrk="0" hangingPunct="1">
-                <a:spcBef>
-                  <a:spcPct val="20000"/>
-                </a:spcBef>
-                <a:buFont typeface="Arial" panose="020B0604020202020204" pitchFamily="34" charset="0"/>
-                <a:buChar char="•"/>
-                <a:defRPr sz="2000" kern="1200">
-                  <a:solidFill>
-                    <a:schemeClr val="tx1"/>
-                  </a:solidFill>
-                  <a:latin typeface="+mn-lt"/>
-                  <a:ea typeface="+mn-ea"/>
-                  <a:cs typeface="+mn-cs"/>
-                </a:defRPr>
-              </a:lvl9pPr>
-            </a:lstStyle>
-            <a:p>
-              <a:pPr marL="0" indent="0" algn="just">
-                <a:lnSpc>
-                  <a:spcPct val="120000"/>
-                </a:lnSpc>
-                <a:buNone/>
-              </a:pPr>
-              <a:r>
-                <a:rPr lang="en-US" sz="1100" dirty="0">
-                  <a:solidFill>
-                    <a:schemeClr val="bg1"/>
-                  </a:solidFill>
-                  <a:latin typeface="Arial" panose="020B0604020202020204" pitchFamily="34" charset="0"/>
-                  <a:ea typeface="微软雅黑" panose="020B0503020204020204" pitchFamily="34" charset="-122"/>
-                  <a:cs typeface="+mn-ea"/>
-                  <a:sym typeface="Arial" panose="020B0604020202020204" pitchFamily="34" charset="0"/>
-                </a:rPr>
-                <a:t>90%</a:t>
-              </a:r>
-            </a:p>
-          </p:txBody>
-        </p:sp>
-        <p:sp>
-          <p:nvSpPr>
-            <p:cNvPr id="128" name="TextBox 198">
+          </p:grpSpPr>
+          <p:grpSp>
+            <p:nvGrpSpPr>
+              <p:cNvPr id="121" name="Group 181">
+                <a:extLst>
+                  <a:ext uri="{FF2B5EF4-FFF2-40B4-BE49-F238E27FC236}">
+                    <a16:creationId xmlns:a16="http://schemas.microsoft.com/office/drawing/2014/main" id="{F0450E03-0A51-1D46-BA7A-79F7E9AD991A}"/>
+                  </a:ext>
+                </a:extLst>
+              </p:cNvPr>
+              <p:cNvGrpSpPr/>
+              <p:nvPr/>
+            </p:nvGrpSpPr>
+            <p:grpSpPr>
+              <a:xfrm>
+                <a:off x="4592697" y="3294465"/>
+                <a:ext cx="213505" cy="311290"/>
+                <a:chOff x="3582988" y="3510757"/>
+                <a:chExt cx="319088" cy="465138"/>
+              </a:xfrm>
+              <a:solidFill>
+                <a:srgbClr val="7DAFA3"/>
+              </a:solidFill>
+            </p:grpSpPr>
+            <p:sp>
+              <p:nvSpPr>
+                <p:cNvPr id="134" name="AutoShape 113">
+                  <a:extLst>
+                    <a:ext uri="{FF2B5EF4-FFF2-40B4-BE49-F238E27FC236}">
+                      <a16:creationId xmlns:a16="http://schemas.microsoft.com/office/drawing/2014/main" id="{43A3350C-6716-EB4C-862B-2FA67F7B98E7}"/>
+                    </a:ext>
+                  </a:extLst>
+                </p:cNvPr>
+                <p:cNvSpPr/>
+                <p:nvPr/>
+              </p:nvSpPr>
+              <p:spPr bwMode="auto">
+                <a:xfrm>
+                  <a:off x="3582988" y="3510757"/>
+                  <a:ext cx="319088" cy="465138"/>
+                </a:xfrm>
+                <a:custGeom>
+                  <a:avLst/>
+                  <a:gdLst>
+                    <a:gd name="T0" fmla="*/ 10800 w 21600"/>
+                    <a:gd name="T1" fmla="*/ 10800 h 21600"/>
+                    <a:gd name="T2" fmla="*/ 10800 w 21600"/>
+                    <a:gd name="T3" fmla="*/ 10800 h 21600"/>
+                    <a:gd name="T4" fmla="*/ 10800 w 21600"/>
+                    <a:gd name="T5" fmla="*/ 10800 h 21600"/>
+                    <a:gd name="T6" fmla="*/ 10800 w 21600"/>
+                    <a:gd name="T7" fmla="*/ 10800 h 21600"/>
+                  </a:gdLst>
+                  <a:ahLst/>
+                  <a:cxnLst>
+                    <a:cxn ang="0">
+                      <a:pos x="T0" y="T1"/>
+                    </a:cxn>
+                    <a:cxn ang="0">
+                      <a:pos x="T2" y="T3"/>
+                    </a:cxn>
+                    <a:cxn ang="0">
+                      <a:pos x="T4" y="T5"/>
+                    </a:cxn>
+                    <a:cxn ang="0">
+                      <a:pos x="T6" y="T7"/>
+                    </a:cxn>
+                  </a:cxnLst>
+                  <a:rect l="0" t="0" r="r" b="b"/>
+                  <a:pathLst>
+                    <a:path w="21600" h="21600">
+                      <a:moveTo>
+                        <a:pt x="15386" y="14175"/>
+                      </a:moveTo>
+                      <a:lnTo>
+                        <a:pt x="6223" y="14175"/>
+                      </a:lnTo>
+                      <a:cubicBezTo>
+                        <a:pt x="5734" y="13446"/>
+                        <a:pt x="5147" y="12716"/>
+                        <a:pt x="4568" y="12003"/>
+                      </a:cubicBezTo>
+                      <a:cubicBezTo>
+                        <a:pt x="3287" y="10427"/>
+                        <a:pt x="1963" y="8797"/>
+                        <a:pt x="1963" y="7425"/>
+                      </a:cubicBezTo>
+                      <a:cubicBezTo>
+                        <a:pt x="1963" y="4075"/>
+                        <a:pt x="5927" y="1350"/>
+                        <a:pt x="10800" y="1350"/>
+                      </a:cubicBezTo>
+                      <a:cubicBezTo>
+                        <a:pt x="15672" y="1350"/>
+                        <a:pt x="19636" y="4075"/>
+                        <a:pt x="19636" y="7425"/>
+                      </a:cubicBezTo>
+                      <a:cubicBezTo>
+                        <a:pt x="19636" y="8787"/>
+                        <a:pt x="18312" y="10425"/>
+                        <a:pt x="17029" y="12011"/>
+                      </a:cubicBezTo>
+                      <a:cubicBezTo>
+                        <a:pt x="16455" y="12723"/>
+                        <a:pt x="15873" y="13449"/>
+                        <a:pt x="15386" y="14175"/>
+                      </a:cubicBezTo>
+                      <a:moveTo>
+                        <a:pt x="10800" y="20249"/>
+                      </a:moveTo>
+                      <a:cubicBezTo>
+                        <a:pt x="9805" y="20249"/>
+                        <a:pt x="9347" y="20171"/>
+                        <a:pt x="8839" y="19406"/>
+                      </a:cubicBezTo>
+                      <a:lnTo>
+                        <a:pt x="13000" y="19048"/>
+                      </a:lnTo>
+                      <a:cubicBezTo>
+                        <a:pt x="12398" y="20164"/>
+                        <a:pt x="11959" y="20249"/>
+                        <a:pt x="10800" y="20249"/>
+                      </a:cubicBezTo>
+                      <a:moveTo>
+                        <a:pt x="7595" y="16813"/>
+                      </a:moveTo>
+                      <a:cubicBezTo>
+                        <a:pt x="7417" y="16407"/>
+                        <a:pt x="7215" y="15978"/>
+                        <a:pt x="6991" y="15525"/>
+                      </a:cubicBezTo>
+                      <a:lnTo>
+                        <a:pt x="14616" y="15525"/>
+                      </a:lnTo>
+                      <a:cubicBezTo>
+                        <a:pt x="14496" y="15767"/>
+                        <a:pt x="14375" y="16010"/>
+                        <a:pt x="14270" y="16239"/>
+                      </a:cubicBezTo>
+                      <a:cubicBezTo>
+                        <a:pt x="14270" y="16239"/>
+                        <a:pt x="7595" y="16813"/>
+                        <a:pt x="7595" y="16813"/>
+                      </a:cubicBezTo>
+                      <a:close/>
+                      <a:moveTo>
+                        <a:pt x="13345" y="18343"/>
+                      </a:moveTo>
+                      <a:lnTo>
+                        <a:pt x="8476" y="18762"/>
+                      </a:lnTo>
+                      <a:cubicBezTo>
+                        <a:pt x="8303" y="18416"/>
+                        <a:pt x="8116" y="18011"/>
+                        <a:pt x="7890" y="17483"/>
+                      </a:cubicBezTo>
+                      <a:cubicBezTo>
+                        <a:pt x="7887" y="17477"/>
+                        <a:pt x="7883" y="17469"/>
+                        <a:pt x="7881" y="17462"/>
+                      </a:cubicBezTo>
+                      <a:lnTo>
+                        <a:pt x="13957" y="16941"/>
+                      </a:lnTo>
+                      <a:cubicBezTo>
+                        <a:pt x="13871" y="17140"/>
+                        <a:pt x="13778" y="17350"/>
+                        <a:pt x="13698" y="17537"/>
+                      </a:cubicBezTo>
+                      <a:cubicBezTo>
+                        <a:pt x="13569" y="17841"/>
+                        <a:pt x="13453" y="18104"/>
+                        <a:pt x="13345" y="18343"/>
+                      </a:cubicBezTo>
+                      <a:moveTo>
+                        <a:pt x="10800" y="0"/>
+                      </a:moveTo>
+                      <a:cubicBezTo>
+                        <a:pt x="4835" y="0"/>
+                        <a:pt x="0" y="3324"/>
+                        <a:pt x="0" y="7425"/>
+                      </a:cubicBezTo>
+                      <a:cubicBezTo>
+                        <a:pt x="0" y="10146"/>
+                        <a:pt x="3621" y="13029"/>
+                        <a:pt x="4939" y="15562"/>
+                      </a:cubicBezTo>
+                      <a:cubicBezTo>
+                        <a:pt x="6906" y="19339"/>
+                        <a:pt x="6688" y="21599"/>
+                        <a:pt x="10800" y="21599"/>
+                      </a:cubicBezTo>
+                      <a:cubicBezTo>
+                        <a:pt x="14972" y="21599"/>
+                        <a:pt x="14692" y="19349"/>
+                        <a:pt x="16660" y="15577"/>
+                      </a:cubicBezTo>
+                      <a:cubicBezTo>
+                        <a:pt x="17983" y="13039"/>
+                        <a:pt x="21600" y="10124"/>
+                        <a:pt x="21600" y="7425"/>
+                      </a:cubicBezTo>
+                      <a:cubicBezTo>
+                        <a:pt x="21600" y="3324"/>
+                        <a:pt x="16764" y="0"/>
+                        <a:pt x="10800" y="0"/>
+                      </a:cubicBezTo>
+                    </a:path>
+                  </a:pathLst>
+                </a:custGeom>
+                <a:grpFill/>
+                <a:ln>
+                  <a:noFill/>
+                </a:ln>
+                <a:effectLst/>
+                <a:extLst>
+                  <a:ext uri="{91240B29-F687-4F45-9708-019B960494DF}">
+                    <a14:hiddenLine xmlns:a14="http://schemas.microsoft.com/office/drawing/2010/main" w="12700">
+                      <a:solidFill>
+                        <a:srgbClr val="000000"/>
+                      </a:solidFill>
+                      <a:prstDash val="solid"/>
+                      <a:miter lim="0"/>
+                      <a:headEnd/>
+                      <a:tailEnd/>
+                    </a14:hiddenLine>
+                  </a:ext>
+                  <a:ext uri="{AF507438-7753-43E0-B8FC-AC1667EBCBE1}">
+                    <a14:hiddenEffects xmlns:a14="http://schemas.microsoft.com/office/drawing/2010/main">
+                      <a:effectLst>
+                        <a:outerShdw blurRad="63500" dist="38099" dir="2700000" algn="ctr" rotWithShape="0">
+                          <a:srgbClr val="000000">
+                            <a:alpha val="74998"/>
+                          </a:srgbClr>
+                        </a:outerShdw>
+                      </a:effectLst>
+                    </a14:hiddenEffects>
+                  </a:ext>
+                </a:extLst>
+              </p:spPr>
+              <p:txBody>
+                <a:bodyPr lIns="20090" tIns="20090" rIns="20090" bIns="20090" anchor="ctr"/>
+                <a:lstStyle/>
+                <a:p>
+                  <a:pPr algn="just" defTabSz="170815" hangingPunct="0">
+                    <a:lnSpc>
+                      <a:spcPct val="120000"/>
+                    </a:lnSpc>
+                  </a:pPr>
+                  <a:endParaRPr lang="en-US" sz="700" dirty="0">
+                    <a:solidFill>
+                      <a:srgbClr val="FFFFFF"/>
+                    </a:solidFill>
+                    <a:effectLst>
+                      <a:outerShdw blurRad="38100" dist="38100" dir="2700000" algn="tl">
+                        <a:srgbClr val="000000"/>
+                      </a:outerShdw>
+                    </a:effectLst>
+                    <a:latin typeface="Arial" panose="020B0604020202020204" pitchFamily="34" charset="0"/>
+                    <a:ea typeface="微软雅黑" panose="020B0503020204020204" pitchFamily="34" charset="-122"/>
+                    <a:cs typeface="+mn-ea"/>
+                    <a:sym typeface="Arial" panose="020B0604020202020204" pitchFamily="34" charset="0"/>
+                  </a:endParaRPr>
+                </a:p>
+              </p:txBody>
+            </p:sp>
+            <p:sp>
+              <p:nvSpPr>
+                <p:cNvPr id="135" name="AutoShape 114">
+                  <a:extLst>
+                    <a:ext uri="{FF2B5EF4-FFF2-40B4-BE49-F238E27FC236}">
+                      <a16:creationId xmlns:a16="http://schemas.microsoft.com/office/drawing/2014/main" id="{A4E19F72-C4CC-3241-B0B5-69FAC20DCAFD}"/>
+                    </a:ext>
+                  </a:extLst>
+                </p:cNvPr>
+                <p:cNvSpPr/>
+                <p:nvPr/>
+              </p:nvSpPr>
+              <p:spPr bwMode="auto">
+                <a:xfrm>
+                  <a:off x="3655219" y="3583782"/>
+                  <a:ext cx="94456" cy="94456"/>
+                </a:xfrm>
+                <a:custGeom>
+                  <a:avLst/>
+                  <a:gdLst>
+                    <a:gd name="T0" fmla="*/ 10800 w 21600"/>
+                    <a:gd name="T1" fmla="*/ 10800 h 21600"/>
+                    <a:gd name="T2" fmla="*/ 10800 w 21600"/>
+                    <a:gd name="T3" fmla="*/ 10800 h 21600"/>
+                    <a:gd name="T4" fmla="*/ 10800 w 21600"/>
+                    <a:gd name="T5" fmla="*/ 10800 h 21600"/>
+                    <a:gd name="T6" fmla="*/ 10800 w 21600"/>
+                    <a:gd name="T7" fmla="*/ 10800 h 21600"/>
+                  </a:gdLst>
+                  <a:ahLst/>
+                  <a:cxnLst>
+                    <a:cxn ang="0">
+                      <a:pos x="T0" y="T1"/>
+                    </a:cxn>
+                    <a:cxn ang="0">
+                      <a:pos x="T2" y="T3"/>
+                    </a:cxn>
+                    <a:cxn ang="0">
+                      <a:pos x="T4" y="T5"/>
+                    </a:cxn>
+                    <a:cxn ang="0">
+                      <a:pos x="T6" y="T7"/>
+                    </a:cxn>
+                  </a:cxnLst>
+                  <a:rect l="0" t="0" r="r" b="b"/>
+                  <a:pathLst>
+                    <a:path w="21600" h="21600">
+                      <a:moveTo>
+                        <a:pt x="19938" y="0"/>
+                      </a:moveTo>
+                      <a:cubicBezTo>
+                        <a:pt x="8943" y="0"/>
+                        <a:pt x="0" y="8942"/>
+                        <a:pt x="0" y="19938"/>
+                      </a:cubicBezTo>
+                      <a:cubicBezTo>
+                        <a:pt x="0" y="20855"/>
+                        <a:pt x="743" y="21600"/>
+                        <a:pt x="1661" y="21600"/>
+                      </a:cubicBezTo>
+                      <a:cubicBezTo>
+                        <a:pt x="2579" y="21600"/>
+                        <a:pt x="3323" y="20855"/>
+                        <a:pt x="3323" y="19938"/>
+                      </a:cubicBezTo>
+                      <a:cubicBezTo>
+                        <a:pt x="3323" y="10777"/>
+                        <a:pt x="10777" y="3323"/>
+                        <a:pt x="19938" y="3323"/>
+                      </a:cubicBezTo>
+                      <a:cubicBezTo>
+                        <a:pt x="20856" y="3323"/>
+                        <a:pt x="21600" y="2578"/>
+                        <a:pt x="21600" y="1661"/>
+                      </a:cubicBezTo>
+                      <a:cubicBezTo>
+                        <a:pt x="21600" y="744"/>
+                        <a:pt x="20856" y="0"/>
+                        <a:pt x="19938" y="0"/>
+                      </a:cubicBezTo>
+                    </a:path>
+                  </a:pathLst>
+                </a:custGeom>
+                <a:grpFill/>
+                <a:ln>
+                  <a:noFill/>
+                </a:ln>
+                <a:effectLst/>
+                <a:extLst>
+                  <a:ext uri="{91240B29-F687-4F45-9708-019B960494DF}">
+                    <a14:hiddenLine xmlns:a14="http://schemas.microsoft.com/office/drawing/2010/main" w="12700">
+                      <a:solidFill>
+                        <a:srgbClr val="000000"/>
+                      </a:solidFill>
+                      <a:prstDash val="solid"/>
+                      <a:miter lim="0"/>
+                      <a:headEnd/>
+                      <a:tailEnd/>
+                    </a14:hiddenLine>
+                  </a:ext>
+                  <a:ext uri="{AF507438-7753-43E0-B8FC-AC1667EBCBE1}">
+                    <a14:hiddenEffects xmlns:a14="http://schemas.microsoft.com/office/drawing/2010/main">
+                      <a:effectLst>
+                        <a:outerShdw blurRad="63500" dist="38099" dir="2700000" algn="ctr" rotWithShape="0">
+                          <a:srgbClr val="000000">
+                            <a:alpha val="74998"/>
+                          </a:srgbClr>
+                        </a:outerShdw>
+                      </a:effectLst>
+                    </a14:hiddenEffects>
+                  </a:ext>
+                </a:extLst>
+              </p:spPr>
+              <p:txBody>
+                <a:bodyPr lIns="20090" tIns="20090" rIns="20090" bIns="20090" anchor="ctr"/>
+                <a:lstStyle/>
+                <a:p>
+                  <a:pPr algn="just" defTabSz="170815" hangingPunct="0">
+                    <a:lnSpc>
+                      <a:spcPct val="120000"/>
+                    </a:lnSpc>
+                  </a:pPr>
+                  <a:endParaRPr lang="en-US" sz="700" dirty="0">
+                    <a:solidFill>
+                      <a:srgbClr val="FFFFFF"/>
+                    </a:solidFill>
+                    <a:effectLst>
+                      <a:outerShdw blurRad="38100" dist="38100" dir="2700000" algn="tl">
+                        <a:srgbClr val="000000"/>
+                      </a:outerShdw>
+                    </a:effectLst>
+                    <a:latin typeface="Arial" panose="020B0604020202020204" pitchFamily="34" charset="0"/>
+                    <a:ea typeface="微软雅黑" panose="020B0503020204020204" pitchFamily="34" charset="-122"/>
+                    <a:cs typeface="+mn-ea"/>
+                    <a:sym typeface="Arial" panose="020B0604020202020204" pitchFamily="34" charset="0"/>
+                  </a:endParaRPr>
+                </a:p>
+              </p:txBody>
+            </p:sp>
+          </p:grpSp>
+          <p:sp>
+            <p:nvSpPr>
+              <p:cNvPr id="128" name="TextBox 198">
+                <a:extLst>
+                  <a:ext uri="{FF2B5EF4-FFF2-40B4-BE49-F238E27FC236}">
+                    <a16:creationId xmlns:a16="http://schemas.microsoft.com/office/drawing/2014/main" id="{ADC4E59A-FBD3-E64A-ADF0-32B1A25981BF}"/>
+                  </a:ext>
+                </a:extLst>
+              </p:cNvPr>
+              <p:cNvSpPr txBox="1"/>
+              <p:nvPr/>
+            </p:nvSpPr>
+            <p:spPr>
+              <a:xfrm>
+                <a:off x="4876373" y="3305374"/>
+                <a:ext cx="4399194" cy="305839"/>
+              </a:xfrm>
+              <a:prstGeom prst="rect">
+                <a:avLst/>
+              </a:prstGeom>
+              <a:noFill/>
+            </p:spPr>
+            <p:txBody>
+              <a:bodyPr wrap="square" lIns="68568" tIns="34283" rIns="68568" bIns="34283" rtlCol="0">
+                <a:spAutoFit/>
+              </a:bodyPr>
+              <a:lstStyle/>
+              <a:p>
+                <a:pPr>
+                  <a:lnSpc>
+                    <a:spcPct val="120000"/>
+                  </a:lnSpc>
+                </a:pPr>
+                <a:r>
+                  <a:rPr lang="en-US" altLang="zh-CN" sz="1400" dirty="0">
+                    <a:solidFill>
+                      <a:srgbClr val="FFFFFF">
+                        <a:lumMod val="50000"/>
+                      </a:srgbClr>
+                    </a:solidFill>
+                    <a:latin typeface="微软雅黑" panose="020B0503020204020204" pitchFamily="34" charset="-122"/>
+                    <a:ea typeface="微软雅黑" panose="020B0503020204020204" pitchFamily="34" charset="-122"/>
+                    <a:cs typeface="Lato Regular"/>
+                  </a:rPr>
+                  <a:t>1.</a:t>
+                </a:r>
+                <a:r>
+                  <a:rPr lang="zh-CN" altLang="en-US" sz="1400" dirty="0">
+                    <a:solidFill>
+                      <a:srgbClr val="FFFFFF">
+                        <a:lumMod val="50000"/>
+                      </a:srgbClr>
+                    </a:solidFill>
+                    <a:latin typeface="微软雅黑" panose="020B0503020204020204" pitchFamily="34" charset="-122"/>
+                    <a:ea typeface="微软雅黑" panose="020B0503020204020204" pitchFamily="34" charset="-122"/>
+                    <a:cs typeface="Lato Regular"/>
+                  </a:rPr>
+                  <a:t>系统偏向功能性，在美观和交互上有所欠缺。</a:t>
+                </a:r>
+              </a:p>
+            </p:txBody>
+          </p:sp>
+        </p:grpSp>
+        <p:grpSp>
+          <p:nvGrpSpPr>
+            <p:cNvPr id="5" name="组合 4">
               <a:extLst>
                 <a:ext uri="{FF2B5EF4-FFF2-40B4-BE49-F238E27FC236}">
-                  <a16:creationId xmlns:a16="http://schemas.microsoft.com/office/drawing/2014/main" id="{ADC4E59A-FBD3-E64A-ADF0-32B1A25981BF}"/>
+                  <a16:creationId xmlns:a16="http://schemas.microsoft.com/office/drawing/2014/main" id="{A8D9077B-4531-A84E-BE81-FB13ABB439DF}"/>
                 </a:ext>
               </a:extLst>
             </p:cNvPr>
-            <p:cNvSpPr txBox="1"/>
+            <p:cNvGrpSpPr/>
             <p:nvPr/>
-          </p:nvSpPr>
-          <p:spPr>
+          </p:nvGrpSpPr>
+          <p:grpSpPr>
             <a:xfrm>
-              <a:off x="6887233" y="3639182"/>
-              <a:ext cx="4399194" cy="305839"/>
+              <a:off x="4887840" y="3713519"/>
+              <a:ext cx="3999881" cy="1280217"/>
+              <a:chOff x="4887840" y="3713519"/>
+              <a:chExt cx="3999881" cy="1280217"/>
             </a:xfrm>
-            <a:prstGeom prst="rect">
-              <a:avLst/>
-            </a:prstGeom>
-            <a:noFill/>
-          </p:spPr>
-          <p:txBody>
-            <a:bodyPr wrap="square" lIns="68568" tIns="34283" rIns="68568" bIns="34283" rtlCol="0">
-              <a:spAutoFit/>
-            </a:bodyPr>
-            <a:lstStyle/>
-            <a:p>
-              <a:pPr>
-                <a:lnSpc>
-                  <a:spcPct val="120000"/>
-                </a:lnSpc>
-              </a:pPr>
-              <a:r>
-                <a:rPr lang="en-US" altLang="zh-CN" sz="1400" dirty="0">
+          </p:grpSpPr>
+          <p:sp>
+            <p:nvSpPr>
+              <p:cNvPr id="146" name="TextBox 198">
+                <a:extLst>
+                  <a:ext uri="{FF2B5EF4-FFF2-40B4-BE49-F238E27FC236}">
+                    <a16:creationId xmlns:a16="http://schemas.microsoft.com/office/drawing/2014/main" id="{D825F37F-CB50-2E4E-9082-FCB8A51779FF}"/>
+                  </a:ext>
+                </a:extLst>
+              </p:cNvPr>
+              <p:cNvSpPr txBox="1"/>
+              <p:nvPr/>
+            </p:nvSpPr>
+            <p:spPr>
+              <a:xfrm>
+                <a:off x="4887840" y="3713519"/>
+                <a:ext cx="3999881" cy="564371"/>
+              </a:xfrm>
+              <a:prstGeom prst="rect">
+                <a:avLst/>
+              </a:prstGeom>
+              <a:noFill/>
+            </p:spPr>
+            <p:txBody>
+              <a:bodyPr wrap="square" lIns="68568" tIns="34283" rIns="68568" bIns="34283" rtlCol="0">
+                <a:spAutoFit/>
+              </a:bodyPr>
+              <a:lstStyle/>
+              <a:p>
+                <a:pPr>
+                  <a:lnSpc>
+                    <a:spcPct val="120000"/>
+                  </a:lnSpc>
+                </a:pPr>
+                <a:r>
+                  <a:rPr lang="en-US" altLang="zh-CN" sz="1400" dirty="0">
+                    <a:solidFill>
+                      <a:srgbClr val="FFFFFF">
+                        <a:lumMod val="50000"/>
+                      </a:srgbClr>
+                    </a:solidFill>
+                    <a:latin typeface="微软雅黑" panose="020B0503020204020204" pitchFamily="34" charset="-122"/>
+                    <a:ea typeface="微软雅黑" panose="020B0503020204020204" pitchFamily="34" charset="-122"/>
+                    <a:cs typeface="Lato Regular"/>
+                  </a:rPr>
+                  <a:t>2.</a:t>
+                </a:r>
+                <a:r>
+                  <a:rPr lang="zh-CN" altLang="en-US" sz="1400" dirty="0">
+                    <a:solidFill>
+                      <a:srgbClr val="FFFFFF">
+                        <a:lumMod val="50000"/>
+                      </a:srgbClr>
+                    </a:solidFill>
+                    <a:latin typeface="微软雅黑" panose="020B0503020204020204" pitchFamily="34" charset="-122"/>
+                    <a:ea typeface="微软雅黑" panose="020B0503020204020204" pitchFamily="34" charset="-122"/>
+                    <a:cs typeface="Lato Regular"/>
+                  </a:rPr>
+                  <a:t>基础支撑模块较少，后期实际在生产环境运行，需要全面的监控系统和日志系统。</a:t>
+                </a:r>
+              </a:p>
+            </p:txBody>
+          </p:sp>
+          <p:sp>
+            <p:nvSpPr>
+              <p:cNvPr id="147" name="矩形 146">
+                <a:extLst>
+                  <a:ext uri="{FF2B5EF4-FFF2-40B4-BE49-F238E27FC236}">
+                    <a16:creationId xmlns:a16="http://schemas.microsoft.com/office/drawing/2014/main" id="{CE79A2CA-6C38-0946-8EDA-38D5BF35E82A}"/>
+                  </a:ext>
+                </a:extLst>
+              </p:cNvPr>
+              <p:cNvSpPr/>
+              <p:nvPr/>
+            </p:nvSpPr>
+            <p:spPr>
+              <a:xfrm>
+                <a:off x="4887840" y="4406267"/>
+                <a:ext cx="3999881" cy="587469"/>
+              </a:xfrm>
+              <a:prstGeom prst="rect">
+                <a:avLst/>
+              </a:prstGeom>
+            </p:spPr>
+            <p:txBody>
+              <a:bodyPr wrap="square">
+                <a:spAutoFit/>
+              </a:bodyPr>
+              <a:lstStyle/>
+              <a:p>
+                <a:pPr>
+                  <a:lnSpc>
+                    <a:spcPct val="120000"/>
+                  </a:lnSpc>
+                </a:pPr>
+                <a:r>
+                  <a:rPr lang="en-US" altLang="zh-CN" sz="1400" dirty="0">
+                    <a:solidFill>
+                      <a:srgbClr val="FFFFFF">
+                        <a:lumMod val="50000"/>
+                      </a:srgbClr>
+                    </a:solidFill>
+                    <a:latin typeface="微软雅黑" panose="020B0503020204020204" pitchFamily="34" charset="-122"/>
+                    <a:ea typeface="微软雅黑" panose="020B0503020204020204" pitchFamily="34" charset="-122"/>
+                  </a:rPr>
+                  <a:t>3.</a:t>
+                </a:r>
+                <a:r>
+                  <a:rPr lang="zh-CN" altLang="en-US" sz="1400" dirty="0">
+                    <a:solidFill>
+                      <a:srgbClr val="FFFFFF">
+                        <a:lumMod val="50000"/>
+                      </a:srgbClr>
+                    </a:solidFill>
+                    <a:latin typeface="微软雅黑" panose="020B0503020204020204" pitchFamily="34" charset="-122"/>
+                    <a:ea typeface="微软雅黑" panose="020B0503020204020204" pitchFamily="34" charset="-122"/>
+                  </a:rPr>
+                  <a:t> 开发环境约束多，有些用习惯的软件无法使用、遇到技术问题和外界交流比较困难。</a:t>
+                </a:r>
+                <a:endParaRPr lang="en-US" altLang="zh-CN" sz="1400" dirty="0">
                   <a:solidFill>
                     <a:srgbClr val="FFFFFF">
                       <a:lumMod val="50000"/>
@@ -21106,157 +22308,12 @@
                   </a:solidFill>
                   <a:latin typeface="微软雅黑" panose="020B0503020204020204" pitchFamily="34" charset="-122"/>
                   <a:ea typeface="微软雅黑" panose="020B0503020204020204" pitchFamily="34" charset="-122"/>
-                  <a:cs typeface="Lato Regular"/>
-                </a:rPr>
-                <a:t>1.</a:t>
-              </a:r>
-              <a:r>
-                <a:rPr lang="zh-CN" altLang="en-US" sz="1400" dirty="0">
-                  <a:solidFill>
-                    <a:srgbClr val="FFFFFF">
-                      <a:lumMod val="50000"/>
-                    </a:srgbClr>
-                  </a:solidFill>
-                  <a:latin typeface="微软雅黑" panose="020B0503020204020204" pitchFamily="34" charset="-122"/>
-                  <a:ea typeface="微软雅黑" panose="020B0503020204020204" pitchFamily="34" charset="-122"/>
-                  <a:cs typeface="Lato Regular"/>
-                </a:rPr>
-                <a:t>系统偏向功能性，在美观和交互上有所欠缺。</a:t>
-              </a:r>
-            </a:p>
-          </p:txBody>
-        </p:sp>
+                </a:endParaRPr>
+              </a:p>
+            </p:txBody>
+          </p:sp>
+        </p:grpSp>
       </p:grpSp>
-      <p:sp>
-        <p:nvSpPr>
-          <p:cNvPr id="146" name="TextBox 198">
-            <a:extLst>
-              <a:ext uri="{FF2B5EF4-FFF2-40B4-BE49-F238E27FC236}">
-                <a16:creationId xmlns:a16="http://schemas.microsoft.com/office/drawing/2014/main" id="{D825F37F-CB50-2E4E-9082-FCB8A51779FF}"/>
-              </a:ext>
-            </a:extLst>
-          </p:cNvPr>
-          <p:cNvSpPr txBox="1"/>
-          <p:nvPr/>
-        </p:nvSpPr>
-        <p:spPr>
-          <a:xfrm>
-            <a:off x="4887840" y="3713519"/>
-            <a:ext cx="3999881" cy="564371"/>
-          </a:xfrm>
-          <a:prstGeom prst="rect">
-            <a:avLst/>
-          </a:prstGeom>
-          <a:noFill/>
-        </p:spPr>
-        <p:txBody>
-          <a:bodyPr wrap="square" lIns="68568" tIns="34283" rIns="68568" bIns="34283" rtlCol="0">
-            <a:spAutoFit/>
-          </a:bodyPr>
-          <a:lstStyle/>
-          <a:p>
-            <a:pPr>
-              <a:lnSpc>
-                <a:spcPct val="120000"/>
-              </a:lnSpc>
-            </a:pPr>
-            <a:r>
-              <a:rPr lang="en-US" altLang="zh-CN" sz="1400" dirty="0">
-                <a:solidFill>
-                  <a:srgbClr val="FFFFFF">
-                    <a:lumMod val="50000"/>
-                  </a:srgbClr>
-                </a:solidFill>
-                <a:latin typeface="微软雅黑" panose="020B0503020204020204" pitchFamily="34" charset="-122"/>
-                <a:ea typeface="微软雅黑" panose="020B0503020204020204" pitchFamily="34" charset="-122"/>
-                <a:cs typeface="Lato Regular"/>
-              </a:rPr>
-              <a:t>2.</a:t>
-            </a:r>
-            <a:r>
-              <a:rPr lang="zh-CN" altLang="en-US" sz="1400" dirty="0">
-                <a:solidFill>
-                  <a:srgbClr val="FFFFFF">
-                    <a:lumMod val="50000"/>
-                  </a:srgbClr>
-                </a:solidFill>
-                <a:latin typeface="微软雅黑" panose="020B0503020204020204" pitchFamily="34" charset="-122"/>
-                <a:ea typeface="微软雅黑" panose="020B0503020204020204" pitchFamily="34" charset="-122"/>
-                <a:cs typeface="Lato Regular"/>
-              </a:rPr>
-              <a:t>基础支撑模块较少，后期实际在生产环境运行，需要全面的监控系统和日志系统。</a:t>
-            </a:r>
-          </a:p>
-        </p:txBody>
-      </p:sp>
-      <p:sp>
-        <p:nvSpPr>
-          <p:cNvPr id="147" name="矩形 146">
-            <a:extLst>
-              <a:ext uri="{FF2B5EF4-FFF2-40B4-BE49-F238E27FC236}">
-                <a16:creationId xmlns:a16="http://schemas.microsoft.com/office/drawing/2014/main" id="{CE79A2CA-6C38-0946-8EDA-38D5BF35E82A}"/>
-              </a:ext>
-            </a:extLst>
-          </p:cNvPr>
-          <p:cNvSpPr/>
-          <p:nvPr/>
-        </p:nvSpPr>
-        <p:spPr>
-          <a:xfrm>
-            <a:off x="4887840" y="4406267"/>
-            <a:ext cx="3999881" cy="587469"/>
-          </a:xfrm>
-          <a:prstGeom prst="rect">
-            <a:avLst/>
-          </a:prstGeom>
-        </p:spPr>
-        <p:txBody>
-          <a:bodyPr wrap="square">
-            <a:spAutoFit/>
-          </a:bodyPr>
-          <a:lstStyle/>
-          <a:p>
-            <a:pPr>
-              <a:lnSpc>
-                <a:spcPct val="120000"/>
-              </a:lnSpc>
-            </a:pPr>
-            <a:r>
-              <a:rPr lang="en-US" altLang="zh-CN" sz="1400" dirty="0">
-                <a:solidFill>
-                  <a:srgbClr val="FFFFFF">
-                    <a:lumMod val="50000"/>
-                  </a:srgbClr>
-                </a:solidFill>
-                <a:latin typeface="微软雅黑" panose="020B0503020204020204" pitchFamily="34" charset="-122"/>
-                <a:ea typeface="微软雅黑" panose="020B0503020204020204" pitchFamily="34" charset="-122"/>
-              </a:rPr>
-              <a:t>3.</a:t>
-            </a:r>
-            <a:r>
-              <a:rPr lang="zh-CN" altLang="en-US" sz="1400" dirty="0">
-                <a:solidFill>
-                  <a:srgbClr val="FFFFFF">
-                    <a:lumMod val="50000"/>
-                  </a:srgbClr>
-                </a:solidFill>
-                <a:latin typeface="微软雅黑" panose="020B0503020204020204" pitchFamily="34" charset="-122"/>
-                <a:ea typeface="微软雅黑" panose="020B0503020204020204" pitchFamily="34" charset="-122"/>
-              </a:rPr>
-              <a:t> 开发环境约束多，有些用习惯的软件无法使用、遇到技术问题和外界交流比较困难。</a:t>
-            </a:r>
-            <a:endParaRPr lang="en-US" altLang="zh-CN" sz="1400" dirty="0">
-              <a:solidFill>
-                <a:srgbClr val="FFFFFF">
-                  <a:lumMod val="50000"/>
-                </a:srgbClr>
-              </a:solidFill>
-              <a:latin typeface="微软雅黑" panose="020B0503020204020204" pitchFamily="34" charset="-122"/>
-              <a:ea typeface="微软雅黑" panose="020B0503020204020204" pitchFamily="34" charset="-122"/>
-            </a:endParaRPr>
-          </a:p>
-        </p:txBody>
-      </p:sp>
       <p:sp>
         <p:nvSpPr>
           <p:cNvPr id="148" name="文本框 147">
@@ -21311,9 +22368,6 @@
                     <p:cTn id="3" fill="hold">
                       <p:stCondLst>
                         <p:cond delay="indefinite"/>
-                        <p:cond evt="onBegin" delay="0">
-                          <p:tn val="2"/>
-                        </p:cond>
                       </p:stCondLst>
                       <p:childTnLst>
                         <p:par>
@@ -21323,7 +22377,7 @@
                             </p:stCondLst>
                             <p:childTnLst>
                               <p:par>
-                                <p:cTn id="5" presetID="22" presetClass="entr" presetSubtype="8" fill="hold" nodeType="withEffect">
+                                <p:cTn id="5" presetID="42" presetClass="entr" presetSubtype="0" fill="hold" grpId="0" nodeType="clickEffect">
                                   <p:stCondLst>
                                     <p:cond delay="0"/>
                                   </p:stCondLst>
@@ -21331,50 +22385,6 @@
                                     <p:set>
                                       <p:cBhvr>
                                         <p:cTn id="6" dur="1" fill="hold">
-                                          <p:stCondLst>
-                                            <p:cond delay="0"/>
-                                          </p:stCondLst>
-                                        </p:cTn>
-                                        <p:tgtEl>
-                                          <p:spTgt spid="56"/>
-                                        </p:tgtEl>
-                                        <p:attrNameLst>
-                                          <p:attrName>style.visibility</p:attrName>
-                                        </p:attrNameLst>
-                                      </p:cBhvr>
-                                      <p:to>
-                                        <p:strVal val="visible"/>
-                                      </p:to>
-                                    </p:set>
-                                    <p:animEffect transition="in" filter="wipe(left)">
-                                      <p:cBhvr>
-                                        <p:cTn id="7" dur="500"/>
-                                        <p:tgtEl>
-                                          <p:spTgt spid="56"/>
-                                        </p:tgtEl>
-                                      </p:cBhvr>
-                                    </p:animEffect>
-                                  </p:childTnLst>
-                                </p:cTn>
-                              </p:par>
-                            </p:childTnLst>
-                          </p:cTn>
-                        </p:par>
-                        <p:par>
-                          <p:cTn id="8" fill="hold">
-                            <p:stCondLst>
-                              <p:cond delay="500"/>
-                            </p:stCondLst>
-                            <p:childTnLst>
-                              <p:par>
-                                <p:cTn id="9" presetID="42" presetClass="entr" presetSubtype="0" fill="hold" grpId="0" nodeType="afterEffect">
-                                  <p:stCondLst>
-                                    <p:cond delay="0"/>
-                                  </p:stCondLst>
-                                  <p:childTnLst>
-                                    <p:set>
-                                      <p:cBhvr>
-                                        <p:cTn id="10" dur="1" fill="hold">
                                           <p:stCondLst>
                                             <p:cond delay="0"/>
                                           </p:stCondLst>
@@ -21392,7 +22402,7 @@
                                     </p:set>
                                     <p:animEffect transition="in" filter="fade">
                                       <p:cBhvr>
-                                        <p:cTn id="11" dur="500"/>
+                                        <p:cTn id="7" dur="1000"/>
                                         <p:tgtEl>
                                           <p:spTgt spid="61"/>
                                         </p:tgtEl>
@@ -21400,7 +22410,7 @@
                                     </p:animEffect>
                                     <p:anim calcmode="lin" valueType="num">
                                       <p:cBhvr>
-                                        <p:cTn id="12" dur="500" fill="hold"/>
+                                        <p:cTn id="8" dur="1000" fill="hold"/>
                                         <p:tgtEl>
                                           <p:spTgt spid="61"/>
                                         </p:tgtEl>
@@ -21423,7 +22433,7 @@
                                     </p:anim>
                                     <p:anim calcmode="lin" valueType="num">
                                       <p:cBhvr>
-                                        <p:cTn id="13" dur="500" fill="hold"/>
+                                        <p:cTn id="9" dur="1000" fill="hold"/>
                                         <p:tgtEl>
                                           <p:spTgt spid="61"/>
                                         </p:tgtEl>
@@ -21450,21 +22460,30 @@
                             </p:childTnLst>
                           </p:cTn>
                         </p:par>
+                      </p:childTnLst>
+                    </p:cTn>
+                  </p:par>
+                  <p:par>
+                    <p:cTn id="10" fill="hold">
+                      <p:stCondLst>
+                        <p:cond delay="indefinite"/>
+                      </p:stCondLst>
+                      <p:childTnLst>
                         <p:par>
-                          <p:cTn id="14" fill="hold">
+                          <p:cTn id="11" fill="hold">
                             <p:stCondLst>
-                              <p:cond delay="1000"/>
+                              <p:cond delay="0"/>
                             </p:stCondLst>
                             <p:childTnLst>
                               <p:par>
-                                <p:cTn id="15" presetID="42" presetClass="entr" presetSubtype="0" fill="hold" grpId="0" nodeType="afterEffect">
+                                <p:cTn id="12" presetID="42" presetClass="entr" presetSubtype="0" fill="hold" grpId="0" nodeType="clickEffect">
                                   <p:stCondLst>
                                     <p:cond delay="0"/>
                                   </p:stCondLst>
                                   <p:childTnLst>
                                     <p:set>
                                       <p:cBhvr>
-                                        <p:cTn id="16" dur="1" fill="hold">
+                                        <p:cTn id="13" dur="1" fill="hold">
                                           <p:stCondLst>
                                             <p:cond delay="0"/>
                                           </p:stCondLst>
@@ -21482,7 +22501,7 @@
                                     </p:set>
                                     <p:animEffect transition="in" filter="fade">
                                       <p:cBhvr>
-                                        <p:cTn id="17" dur="500"/>
+                                        <p:cTn id="14" dur="1000"/>
                                         <p:tgtEl>
                                           <p:spTgt spid="62"/>
                                         </p:tgtEl>
@@ -21490,7 +22509,7 @@
                                     </p:animEffect>
                                     <p:anim calcmode="lin" valueType="num">
                                       <p:cBhvr>
-                                        <p:cTn id="18" dur="500" fill="hold"/>
+                                        <p:cTn id="15" dur="1000" fill="hold"/>
                                         <p:tgtEl>
                                           <p:spTgt spid="62"/>
                                         </p:tgtEl>
@@ -21513,7 +22532,7 @@
                                     </p:anim>
                                     <p:anim calcmode="lin" valueType="num">
                                       <p:cBhvr>
-                                        <p:cTn id="19" dur="500" fill="hold"/>
+                                        <p:cTn id="16" dur="1000" fill="hold"/>
                                         <p:tgtEl>
                                           <p:spTgt spid="62"/>
                                         </p:tgtEl>
@@ -21540,27 +22559,36 @@
                             </p:childTnLst>
                           </p:cTn>
                         </p:par>
+                      </p:childTnLst>
+                    </p:cTn>
+                  </p:par>
+                  <p:par>
+                    <p:cTn id="17" fill="hold">
+                      <p:stCondLst>
+                        <p:cond delay="indefinite"/>
+                      </p:stCondLst>
+                      <p:childTnLst>
                         <p:par>
-                          <p:cTn id="20" fill="hold">
+                          <p:cTn id="18" fill="hold">
                             <p:stCondLst>
-                              <p:cond delay="1500"/>
+                              <p:cond delay="0"/>
                             </p:stCondLst>
                             <p:childTnLst>
                               <p:par>
-                                <p:cTn id="21" presetID="2" presetClass="entr" presetSubtype="2" fill="hold" nodeType="afterEffect">
+                                <p:cTn id="19" presetID="30" presetClass="entr" presetSubtype="0" fill="hold" nodeType="clickEffect">
                                   <p:stCondLst>
                                     <p:cond delay="0"/>
                                   </p:stCondLst>
                                   <p:childTnLst>
                                     <p:set>
                                       <p:cBhvr>
-                                        <p:cTn id="22" dur="1" fill="hold">
+                                        <p:cTn id="20" dur="1" fill="hold">
                                           <p:stCondLst>
                                             <p:cond delay="0"/>
                                           </p:stCondLst>
                                         </p:cTn>
                                         <p:tgtEl>
-                                          <p:spTgt spid="106"/>
+                                          <p:spTgt spid="8"/>
                                         </p:tgtEl>
                                         <p:attrNameLst>
                                           <p:attrName>style.visibility</p:attrName>
@@ -21570,11 +22598,42 @@
                                         <p:strVal val="visible"/>
                                       </p:to>
                                     </p:set>
+                                    <p:animEffect transition="in" filter="fade">
+                                      <p:cBhvr>
+                                        <p:cTn id="21" dur="800" decel="100000"/>
+                                        <p:tgtEl>
+                                          <p:spTgt spid="8"/>
+                                        </p:tgtEl>
+                                      </p:cBhvr>
+                                    </p:animEffect>
                                     <p:anim calcmode="lin" valueType="num">
-                                      <p:cBhvr additive="base">
-                                        <p:cTn id="23" dur="500" fill="hold"/>
+                                      <p:cBhvr>
+                                        <p:cTn id="22" dur="800" decel="100000" fill="hold"/>
                                         <p:tgtEl>
-                                          <p:spTgt spid="106"/>
+                                          <p:spTgt spid="8"/>
+                                        </p:tgtEl>
+                                        <p:attrNameLst>
+                                          <p:attrName>style.rotation</p:attrName>
+                                        </p:attrNameLst>
+                                      </p:cBhvr>
+                                      <p:tavLst>
+                                        <p:tav tm="0">
+                                          <p:val>
+                                            <p:fltVal val="-90"/>
+                                          </p:val>
+                                        </p:tav>
+                                        <p:tav tm="100000">
+                                          <p:val>
+                                            <p:fltVal val="0"/>
+                                          </p:val>
+                                        </p:tav>
+                                      </p:tavLst>
+                                    </p:anim>
+                                    <p:anim calcmode="lin" valueType="num">
+                                      <p:cBhvr>
+                                        <p:cTn id="23" dur="800" decel="100000" fill="hold"/>
+                                        <p:tgtEl>
+                                          <p:spTgt spid="8"/>
                                         </p:tgtEl>
                                         <p:attrNameLst>
                                           <p:attrName>ppt_x</p:attrName>
@@ -21583,7 +22642,57 @@
                                       <p:tavLst>
                                         <p:tav tm="0">
                                           <p:val>
-                                            <p:strVal val="1+#ppt_w/2"/>
+                                            <p:strVal val="#ppt_x+0.4"/>
+                                          </p:val>
+                                        </p:tav>
+                                        <p:tav tm="100000">
+                                          <p:val>
+                                            <p:strVal val="#ppt_x-0.05"/>
+                                          </p:val>
+                                        </p:tav>
+                                      </p:tavLst>
+                                    </p:anim>
+                                    <p:anim calcmode="lin" valueType="num">
+                                      <p:cBhvr>
+                                        <p:cTn id="24" dur="800" decel="100000" fill="hold"/>
+                                        <p:tgtEl>
+                                          <p:spTgt spid="8"/>
+                                        </p:tgtEl>
+                                        <p:attrNameLst>
+                                          <p:attrName>ppt_y</p:attrName>
+                                        </p:attrNameLst>
+                                      </p:cBhvr>
+                                      <p:tavLst>
+                                        <p:tav tm="0">
+                                          <p:val>
+                                            <p:strVal val="#ppt_y-0.4"/>
+                                          </p:val>
+                                        </p:tav>
+                                        <p:tav tm="100000">
+                                          <p:val>
+                                            <p:strVal val="#ppt_y+0.1"/>
+                                          </p:val>
+                                        </p:tav>
+                                      </p:tavLst>
+                                    </p:anim>
+                                    <p:anim calcmode="lin" valueType="num">
+                                      <p:cBhvr>
+                                        <p:cTn id="25" dur="200" accel="100000" fill="hold">
+                                          <p:stCondLst>
+                                            <p:cond delay="800"/>
+                                          </p:stCondLst>
+                                        </p:cTn>
+                                        <p:tgtEl>
+                                          <p:spTgt spid="8"/>
+                                        </p:tgtEl>
+                                        <p:attrNameLst>
+                                          <p:attrName>ppt_x</p:attrName>
+                                        </p:attrNameLst>
+                                      </p:cBhvr>
+                                      <p:tavLst>
+                                        <p:tav tm="0">
+                                          <p:val>
+                                            <p:strVal val="#ppt_x-0.05"/>
                                           </p:val>
                                         </p:tav>
                                         <p:tav tm="100000">
@@ -21594,10 +22703,14 @@
                                       </p:tavLst>
                                     </p:anim>
                                     <p:anim calcmode="lin" valueType="num">
-                                      <p:cBhvr additive="base">
-                                        <p:cTn id="24" dur="500" fill="hold"/>
+                                      <p:cBhvr>
+                                        <p:cTn id="26" dur="200" accel="100000" fill="hold">
+                                          <p:stCondLst>
+                                            <p:cond delay="800"/>
+                                          </p:stCondLst>
+                                        </p:cTn>
                                         <p:tgtEl>
-                                          <p:spTgt spid="106"/>
+                                          <p:spTgt spid="8"/>
                                         </p:tgtEl>
                                         <p:attrNameLst>
                                           <p:attrName>ppt_y</p:attrName>
@@ -21606,7 +22719,7 @@
                                       <p:tavLst>
                                         <p:tav tm="0">
                                           <p:val>
-                                            <p:strVal val="#ppt_y"/>
+                                            <p:strVal val="#ppt_y+0.1"/>
                                           </p:val>
                                         </p:tav>
                                         <p:tav tm="100000">
@@ -21654,7 +22767,7 @@
 </p:sld>
 </file>
 
-<file path=ppt/slides/slide5.xml><?xml version="1.0" encoding="utf-8"?>
+<file path=ppt/slides/slide6.xml><?xml version="1.0" encoding="utf-8"?>
 <p:sld xmlns:a="http://schemas.openxmlformats.org/drawingml/2006/main" xmlns:r="http://schemas.openxmlformats.org/officeDocument/2006/relationships" xmlns:p="http://schemas.openxmlformats.org/presentationml/2006/main">
   <p:cSld>
     <p:spTree>
@@ -29571,15 +30684,6 @@
               <a:headEnd/>
               <a:tailEnd/>
             </a:ln>
-            <a:extLst>
-              <a:ext uri="{909E8E84-426E-40DD-AFC4-6F175D3DCCD1}">
-                <a14:hiddenFill xmlns:a14="http://schemas.microsoft.com/office/drawing/2010/main">
-                  <a:solidFill>
-                    <a:srgbClr val="FFFFFF"/>
-                  </a:solidFill>
-                </a14:hiddenFill>
-              </a:ext>
-            </a:extLst>
           </p:spPr>
           <p:txBody>
             <a:bodyPr lIns="0" tIns="0" rIns="0" bIns="0" anchor="ctr">
@@ -29998,9 +31102,6 @@
                     <p:cTn id="3" fill="hold">
                       <p:stCondLst>
                         <p:cond delay="indefinite"/>
-                        <p:cond evt="onBegin" delay="0">
-                          <p:tn val="2"/>
-                        </p:cond>
                       </p:stCondLst>
                       <p:childTnLst>
                         <p:par>
@@ -30010,7 +31111,7 @@
                             </p:stCondLst>
                             <p:childTnLst>
                               <p:par>
-                                <p:cTn id="5" presetID="42" presetClass="entr" presetSubtype="0" fill="hold" nodeType="afterEffect">
+                                <p:cTn id="5" presetID="42" presetClass="entr" presetSubtype="0" fill="hold" nodeType="clickEffect">
                                   <p:stCondLst>
                                     <p:cond delay="0"/>
                                   </p:stCondLst>
@@ -30104,7 +31205,7 @@
                                           </p:stCondLst>
                                         </p:cTn>
                                         <p:tgtEl>
-                                          <p:spTgt spid="69"/>
+                                          <p:spTgt spid="59"/>
                                         </p:tgtEl>
                                         <p:attrNameLst>
                                           <p:attrName>style.visibility</p:attrName>
@@ -30118,13 +31219,94 @@
                                       <p:cBhvr>
                                         <p:cTn id="12" dur="1000"/>
                                         <p:tgtEl>
+                                          <p:spTgt spid="59"/>
+                                        </p:tgtEl>
+                                      </p:cBhvr>
+                                    </p:animEffect>
+                                    <p:anim calcmode="lin" valueType="num">
+                                      <p:cBhvr>
+                                        <p:cTn id="13" dur="1000" fill="hold"/>
+                                        <p:tgtEl>
+                                          <p:spTgt spid="59"/>
+                                        </p:tgtEl>
+                                        <p:attrNameLst>
+                                          <p:attrName>ppt_x</p:attrName>
+                                        </p:attrNameLst>
+                                      </p:cBhvr>
+                                      <p:tavLst>
+                                        <p:tav tm="0">
+                                          <p:val>
+                                            <p:strVal val="#ppt_x"/>
+                                          </p:val>
+                                        </p:tav>
+                                        <p:tav tm="100000">
+                                          <p:val>
+                                            <p:strVal val="#ppt_x"/>
+                                          </p:val>
+                                        </p:tav>
+                                      </p:tavLst>
+                                    </p:anim>
+                                    <p:anim calcmode="lin" valueType="num">
+                                      <p:cBhvr>
+                                        <p:cTn id="14" dur="1000" fill="hold"/>
+                                        <p:tgtEl>
+                                          <p:spTgt spid="59"/>
+                                        </p:tgtEl>
+                                        <p:attrNameLst>
+                                          <p:attrName>ppt_y</p:attrName>
+                                        </p:attrNameLst>
+                                      </p:cBhvr>
+                                      <p:tavLst>
+                                        <p:tav tm="0">
+                                          <p:val>
+                                            <p:strVal val="#ppt_y+.1"/>
+                                          </p:val>
+                                        </p:tav>
+                                        <p:tav tm="100000">
+                                          <p:val>
+                                            <p:strVal val="#ppt_y"/>
+                                          </p:val>
+                                        </p:tav>
+                                      </p:tavLst>
+                                    </p:anim>
+                                  </p:childTnLst>
+                                </p:cTn>
+                              </p:par>
+                              <p:par>
+                                <p:cTn id="15" presetID="42" presetClass="entr" presetSubtype="0" fill="hold" grpId="0" nodeType="withEffect">
+                                  <p:stCondLst>
+                                    <p:cond delay="0"/>
+                                  </p:stCondLst>
+                                  <p:childTnLst>
+                                    <p:set>
+                                      <p:cBhvr>
+                                        <p:cTn id="16" dur="1" fill="hold">
+                                          <p:stCondLst>
+                                            <p:cond delay="0"/>
+                                          </p:stCondLst>
+                                        </p:cTn>
+                                        <p:tgtEl>
+                                          <p:spTgt spid="69"/>
+                                        </p:tgtEl>
+                                        <p:attrNameLst>
+                                          <p:attrName>style.visibility</p:attrName>
+                                        </p:attrNameLst>
+                                      </p:cBhvr>
+                                      <p:to>
+                                        <p:strVal val="visible"/>
+                                      </p:to>
+                                    </p:set>
+                                    <p:animEffect transition="in" filter="fade">
+                                      <p:cBhvr>
+                                        <p:cTn id="17" dur="1000"/>
+                                        <p:tgtEl>
                                           <p:spTgt spid="69"/>
                                         </p:tgtEl>
                                       </p:cBhvr>
                                     </p:animEffect>
                                     <p:anim calcmode="lin" valueType="num">
                                       <p:cBhvr>
-                                        <p:cTn id="13" dur="1000" fill="hold"/>
+                                        <p:cTn id="18" dur="1000" fill="hold"/>
                                         <p:tgtEl>
                                           <p:spTgt spid="69"/>
                                         </p:tgtEl>
@@ -30147,7 +31329,7 @@
                                     </p:anim>
                                     <p:anim calcmode="lin" valueType="num">
                                       <p:cBhvr>
-                                        <p:cTn id="14" dur="1000" fill="hold"/>
+                                        <p:cTn id="19" dur="1000" fill="hold"/>
                                         <p:tgtEl>
                                           <p:spTgt spid="69"/>
                                         </p:tgtEl>
@@ -30172,20 +31354,20 @@
                                 </p:cTn>
                               </p:par>
                               <p:par>
-                                <p:cTn id="15" presetID="22" presetClass="entr" presetSubtype="8" fill="hold" nodeType="withEffect">
+                                <p:cTn id="20" presetID="42" presetClass="entr" presetSubtype="0" fill="hold" grpId="0" nodeType="withEffect">
                                   <p:stCondLst>
                                     <p:cond delay="0"/>
                                   </p:stCondLst>
                                   <p:childTnLst>
                                     <p:set>
                                       <p:cBhvr>
-                                        <p:cTn id="16" dur="1" fill="hold">
+                                        <p:cTn id="21" dur="1" fill="hold">
                                           <p:stCondLst>
                                             <p:cond delay="0"/>
                                           </p:stCondLst>
                                         </p:cTn>
                                         <p:tgtEl>
-                                          <p:spTgt spid="74"/>
+                                          <p:spTgt spid="79"/>
                                         </p:tgtEl>
                                         <p:attrNameLst>
                                           <p:attrName>style.visibility</p:attrName>
@@ -30195,26 +31377,234 @@
                                         <p:strVal val="visible"/>
                                       </p:to>
                                     </p:set>
-                                    <p:animEffect transition="in" filter="wipe(left)">
+                                    <p:animEffect transition="in" filter="fade">
                                       <p:cBhvr>
-                                        <p:cTn id="17" dur="500"/>
+                                        <p:cTn id="22" dur="1000"/>
                                         <p:tgtEl>
-                                          <p:spTgt spid="74"/>
+                                          <p:spTgt spid="79"/>
                                         </p:tgtEl>
                                       </p:cBhvr>
                                     </p:animEffect>
+                                    <p:anim calcmode="lin" valueType="num">
+                                      <p:cBhvr>
+                                        <p:cTn id="23" dur="1000" fill="hold"/>
+                                        <p:tgtEl>
+                                          <p:spTgt spid="79"/>
+                                        </p:tgtEl>
+                                        <p:attrNameLst>
+                                          <p:attrName>ppt_x</p:attrName>
+                                        </p:attrNameLst>
+                                      </p:cBhvr>
+                                      <p:tavLst>
+                                        <p:tav tm="0">
+                                          <p:val>
+                                            <p:strVal val="#ppt_x"/>
+                                          </p:val>
+                                        </p:tav>
+                                        <p:tav tm="100000">
+                                          <p:val>
+                                            <p:strVal val="#ppt_x"/>
+                                          </p:val>
+                                        </p:tav>
+                                      </p:tavLst>
+                                    </p:anim>
+                                    <p:anim calcmode="lin" valueType="num">
+                                      <p:cBhvr>
+                                        <p:cTn id="24" dur="1000" fill="hold"/>
+                                        <p:tgtEl>
+                                          <p:spTgt spid="79"/>
+                                        </p:tgtEl>
+                                        <p:attrNameLst>
+                                          <p:attrName>ppt_y</p:attrName>
+                                        </p:attrNameLst>
+                                      </p:cBhvr>
+                                      <p:tavLst>
+                                        <p:tav tm="0">
+                                          <p:val>
+                                            <p:strVal val="#ppt_y+.1"/>
+                                          </p:val>
+                                        </p:tav>
+                                        <p:tav tm="100000">
+                                          <p:val>
+                                            <p:strVal val="#ppt_y"/>
+                                          </p:val>
+                                        </p:tav>
+                                      </p:tavLst>
+                                    </p:anim>
                                   </p:childTnLst>
                                 </p:cTn>
                               </p:par>
                               <p:par>
-                                <p:cTn id="18" presetID="42" presetClass="entr" presetSubtype="0" fill="hold" grpId="0" nodeType="withEffect">
+                                <p:cTn id="25" presetID="42" presetClass="entr" presetSubtype="0" fill="hold" grpId="0" nodeType="withEffect">
                                   <p:stCondLst>
                                     <p:cond delay="0"/>
                                   </p:stCondLst>
                                   <p:childTnLst>
                                     <p:set>
                                       <p:cBhvr>
-                                        <p:cTn id="19" dur="1" fill="hold">
+                                        <p:cTn id="26" dur="1" fill="hold">
+                                          <p:stCondLst>
+                                            <p:cond delay="0"/>
+                                          </p:stCondLst>
+                                        </p:cTn>
+                                        <p:tgtEl>
+                                          <p:spTgt spid="80"/>
+                                        </p:tgtEl>
+                                        <p:attrNameLst>
+                                          <p:attrName>style.visibility</p:attrName>
+                                        </p:attrNameLst>
+                                      </p:cBhvr>
+                                      <p:to>
+                                        <p:strVal val="visible"/>
+                                      </p:to>
+                                    </p:set>
+                                    <p:animEffect transition="in" filter="fade">
+                                      <p:cBhvr>
+                                        <p:cTn id="27" dur="1000"/>
+                                        <p:tgtEl>
+                                          <p:spTgt spid="80"/>
+                                        </p:tgtEl>
+                                      </p:cBhvr>
+                                    </p:animEffect>
+                                    <p:anim calcmode="lin" valueType="num">
+                                      <p:cBhvr>
+                                        <p:cTn id="28" dur="1000" fill="hold"/>
+                                        <p:tgtEl>
+                                          <p:spTgt spid="80"/>
+                                        </p:tgtEl>
+                                        <p:attrNameLst>
+                                          <p:attrName>ppt_x</p:attrName>
+                                        </p:attrNameLst>
+                                      </p:cBhvr>
+                                      <p:tavLst>
+                                        <p:tav tm="0">
+                                          <p:val>
+                                            <p:strVal val="#ppt_x"/>
+                                          </p:val>
+                                        </p:tav>
+                                        <p:tav tm="100000">
+                                          <p:val>
+                                            <p:strVal val="#ppt_x"/>
+                                          </p:val>
+                                        </p:tav>
+                                      </p:tavLst>
+                                    </p:anim>
+                                    <p:anim calcmode="lin" valueType="num">
+                                      <p:cBhvr>
+                                        <p:cTn id="29" dur="1000" fill="hold"/>
+                                        <p:tgtEl>
+                                          <p:spTgt spid="80"/>
+                                        </p:tgtEl>
+                                        <p:attrNameLst>
+                                          <p:attrName>ppt_y</p:attrName>
+                                        </p:attrNameLst>
+                                      </p:cBhvr>
+                                      <p:tavLst>
+                                        <p:tav tm="0">
+                                          <p:val>
+                                            <p:strVal val="#ppt_y+.1"/>
+                                          </p:val>
+                                        </p:tav>
+                                        <p:tav tm="100000">
+                                          <p:val>
+                                            <p:strVal val="#ppt_y"/>
+                                          </p:val>
+                                        </p:tav>
+                                      </p:tavLst>
+                                    </p:anim>
+                                  </p:childTnLst>
+                                </p:cTn>
+                              </p:par>
+                              <p:par>
+                                <p:cTn id="30" presetID="42" presetClass="entr" presetSubtype="0" fill="hold" grpId="0" nodeType="withEffect">
+                                  <p:stCondLst>
+                                    <p:cond delay="0"/>
+                                  </p:stCondLst>
+                                  <p:childTnLst>
+                                    <p:set>
+                                      <p:cBhvr>
+                                        <p:cTn id="31" dur="1" fill="hold">
+                                          <p:stCondLst>
+                                            <p:cond delay="0"/>
+                                          </p:stCondLst>
+                                        </p:cTn>
+                                        <p:tgtEl>
+                                          <p:spTgt spid="81"/>
+                                        </p:tgtEl>
+                                        <p:attrNameLst>
+                                          <p:attrName>style.visibility</p:attrName>
+                                        </p:attrNameLst>
+                                      </p:cBhvr>
+                                      <p:to>
+                                        <p:strVal val="visible"/>
+                                      </p:to>
+                                    </p:set>
+                                    <p:animEffect transition="in" filter="fade">
+                                      <p:cBhvr>
+                                        <p:cTn id="32" dur="1000"/>
+                                        <p:tgtEl>
+                                          <p:spTgt spid="81"/>
+                                        </p:tgtEl>
+                                      </p:cBhvr>
+                                    </p:animEffect>
+                                    <p:anim calcmode="lin" valueType="num">
+                                      <p:cBhvr>
+                                        <p:cTn id="33" dur="1000" fill="hold"/>
+                                        <p:tgtEl>
+                                          <p:spTgt spid="81"/>
+                                        </p:tgtEl>
+                                        <p:attrNameLst>
+                                          <p:attrName>ppt_x</p:attrName>
+                                        </p:attrNameLst>
+                                      </p:cBhvr>
+                                      <p:tavLst>
+                                        <p:tav tm="0">
+                                          <p:val>
+                                            <p:strVal val="#ppt_x"/>
+                                          </p:val>
+                                        </p:tav>
+                                        <p:tav tm="100000">
+                                          <p:val>
+                                            <p:strVal val="#ppt_x"/>
+                                          </p:val>
+                                        </p:tav>
+                                      </p:tavLst>
+                                    </p:anim>
+                                    <p:anim calcmode="lin" valueType="num">
+                                      <p:cBhvr>
+                                        <p:cTn id="34" dur="1000" fill="hold"/>
+                                        <p:tgtEl>
+                                          <p:spTgt spid="81"/>
+                                        </p:tgtEl>
+                                        <p:attrNameLst>
+                                          <p:attrName>ppt_y</p:attrName>
+                                        </p:attrNameLst>
+                                      </p:cBhvr>
+                                      <p:tavLst>
+                                        <p:tav tm="0">
+                                          <p:val>
+                                            <p:strVal val="#ppt_y+.1"/>
+                                          </p:val>
+                                        </p:tav>
+                                        <p:tav tm="100000">
+                                          <p:val>
+                                            <p:strVal val="#ppt_y"/>
+                                          </p:val>
+                                        </p:tav>
+                                      </p:tavLst>
+                                    </p:anim>
+                                  </p:childTnLst>
+                                </p:cTn>
+                              </p:par>
+                              <p:par>
+                                <p:cTn id="35" presetID="42" presetClass="entr" presetSubtype="0" fill="hold" grpId="0" nodeType="withEffect">
+                                  <p:stCondLst>
+                                    <p:cond delay="0"/>
+                                  </p:stCondLst>
+                                  <p:childTnLst>
+                                    <p:set>
+                                      <p:cBhvr>
+                                        <p:cTn id="36" dur="1" fill="hold">
                                           <p:stCondLst>
                                             <p:cond delay="0"/>
                                           </p:stCondLst>
@@ -30232,7 +31622,7 @@
                                     </p:set>
                                     <p:animEffect transition="in" filter="fade">
                                       <p:cBhvr>
-                                        <p:cTn id="20" dur="1000"/>
+                                        <p:cTn id="37" dur="1000"/>
                                         <p:tgtEl>
                                           <p:spTgt spid="82"/>
                                         </p:tgtEl>
@@ -30240,7 +31630,7 @@
                                     </p:animEffect>
                                     <p:anim calcmode="lin" valueType="num">
                                       <p:cBhvr>
-                                        <p:cTn id="21" dur="1000" fill="hold"/>
+                                        <p:cTn id="38" dur="1000" fill="hold"/>
                                         <p:tgtEl>
                                           <p:spTgt spid="82"/>
                                         </p:tgtEl>
@@ -30263,9 +31653,90 @@
                                     </p:anim>
                                     <p:anim calcmode="lin" valueType="num">
                                       <p:cBhvr>
-                                        <p:cTn id="22" dur="1000" fill="hold"/>
+                                        <p:cTn id="39" dur="1000" fill="hold"/>
                                         <p:tgtEl>
                                           <p:spTgt spid="82"/>
+                                        </p:tgtEl>
+                                        <p:attrNameLst>
+                                          <p:attrName>ppt_y</p:attrName>
+                                        </p:attrNameLst>
+                                      </p:cBhvr>
+                                      <p:tavLst>
+                                        <p:tav tm="0">
+                                          <p:val>
+                                            <p:strVal val="#ppt_y+.1"/>
+                                          </p:val>
+                                        </p:tav>
+                                        <p:tav tm="100000">
+                                          <p:val>
+                                            <p:strVal val="#ppt_y"/>
+                                          </p:val>
+                                        </p:tav>
+                                      </p:tavLst>
+                                    </p:anim>
+                                  </p:childTnLst>
+                                </p:cTn>
+                              </p:par>
+                              <p:par>
+                                <p:cTn id="40" presetID="42" presetClass="entr" presetSubtype="0" fill="hold" grpId="0" nodeType="withEffect">
+                                  <p:stCondLst>
+                                    <p:cond delay="0"/>
+                                  </p:stCondLst>
+                                  <p:childTnLst>
+                                    <p:set>
+                                      <p:cBhvr>
+                                        <p:cTn id="41" dur="1" fill="hold">
+                                          <p:stCondLst>
+                                            <p:cond delay="0"/>
+                                          </p:stCondLst>
+                                        </p:cTn>
+                                        <p:tgtEl>
+                                          <p:spTgt spid="83"/>
+                                        </p:tgtEl>
+                                        <p:attrNameLst>
+                                          <p:attrName>style.visibility</p:attrName>
+                                        </p:attrNameLst>
+                                      </p:cBhvr>
+                                      <p:to>
+                                        <p:strVal val="visible"/>
+                                      </p:to>
+                                    </p:set>
+                                    <p:animEffect transition="in" filter="fade">
+                                      <p:cBhvr>
+                                        <p:cTn id="42" dur="1000"/>
+                                        <p:tgtEl>
+                                          <p:spTgt spid="83"/>
+                                        </p:tgtEl>
+                                      </p:cBhvr>
+                                    </p:animEffect>
+                                    <p:anim calcmode="lin" valueType="num">
+                                      <p:cBhvr>
+                                        <p:cTn id="43" dur="1000" fill="hold"/>
+                                        <p:tgtEl>
+                                          <p:spTgt spid="83"/>
+                                        </p:tgtEl>
+                                        <p:attrNameLst>
+                                          <p:attrName>ppt_x</p:attrName>
+                                        </p:attrNameLst>
+                                      </p:cBhvr>
+                                      <p:tavLst>
+                                        <p:tav tm="0">
+                                          <p:val>
+                                            <p:strVal val="#ppt_x"/>
+                                          </p:val>
+                                        </p:tav>
+                                        <p:tav tm="100000">
+                                          <p:val>
+                                            <p:strVal val="#ppt_x"/>
+                                          </p:val>
+                                        </p:tav>
+                                      </p:tavLst>
+                                    </p:anim>
+                                    <p:anim calcmode="lin" valueType="num">
+                                      <p:cBhvr>
+                                        <p:cTn id="44" dur="1000" fill="hold"/>
+                                        <p:tgtEl>
+                                          <p:spTgt spid="83"/>
                                         </p:tgtEl>
                                         <p:attrNameLst>
                                           <p:attrName>ppt_y</p:attrName>
@@ -30315,14 +31786,19 @@
       </p:par>
     </p:tnLst>
     <p:bldLst>
+      <p:bldP spid="59" grpId="0" animBg="1"/>
       <p:bldP spid="69" grpId="0"/>
+      <p:bldP spid="79" grpId="0" animBg="1"/>
+      <p:bldP spid="80" grpId="0" animBg="1"/>
+      <p:bldP spid="81" grpId="0"/>
       <p:bldP spid="82" grpId="0"/>
+      <p:bldP spid="83" grpId="0"/>
     </p:bldLst>
   </p:timing>
 </p:sld>
 </file>
 
-<file path=ppt/slides/slide6.xml><?xml version="1.0" encoding="utf-8"?>
+<file path=ppt/slides/slide7.xml><?xml version="1.0" encoding="utf-8"?>
 <p:sld xmlns:a="http://schemas.openxmlformats.org/drawingml/2006/main" xmlns:r="http://schemas.openxmlformats.org/officeDocument/2006/relationships" xmlns:p="http://schemas.openxmlformats.org/presentationml/2006/main">
   <p:cSld>
     <p:spTree>
@@ -30912,15 +32388,6 @@
               <a:headEnd/>
               <a:tailEnd/>
             </a:ln>
-            <a:extLst>
-              <a:ext uri="{909E8E84-426E-40DD-AFC4-6F175D3DCCD1}">
-                <a14:hiddenFill xmlns:a14="http://schemas.microsoft.com/office/drawing/2010/main">
-                  <a:solidFill>
-                    <a:srgbClr val="FFFFFF"/>
-                  </a:solidFill>
-                </a14:hiddenFill>
-              </a:ext>
-            </a:extLst>
           </p:spPr>
           <p:txBody>
             <a:bodyPr lIns="0" tIns="0" rIns="0" bIns="0" anchor="ctr">
@@ -31202,9 +32669,6 @@
                     <p:cTn id="3" fill="hold">
                       <p:stCondLst>
                         <p:cond delay="indefinite"/>
-                        <p:cond evt="onBegin" delay="0">
-                          <p:tn val="2"/>
-                        </p:cond>
                       </p:stCondLst>
                       <p:childTnLst>
                         <p:par>
@@ -31214,7 +32678,7 @@
                             </p:stCondLst>
                             <p:childTnLst>
                               <p:par>
-                                <p:cTn id="5" presetID="42" presetClass="entr" presetSubtype="0" fill="hold" nodeType="afterEffect">
+                                <p:cTn id="5" presetID="37" presetClass="entr" presetSubtype="0" fill="hold" nodeType="clickEffect">
                                   <p:stCondLst>
                                     <p:cond delay="0"/>
                                   </p:stCondLst>
@@ -31270,7 +32734,7 @@
                                     </p:anim>
                                     <p:anim calcmode="lin" valueType="num">
                                       <p:cBhvr>
-                                        <p:cTn id="9" dur="1000" fill="hold"/>
+                                        <p:cTn id="9" dur="900" decel="100000" fill="hold"/>
                                         <p:tgtEl>
                                           <p:spTgt spid="4"/>
                                         </p:tgtEl>
@@ -31281,7 +32745,34 @@
                                       <p:tavLst>
                                         <p:tav tm="0">
                                           <p:val>
-                                            <p:strVal val="#ppt_y+.1"/>
+                                            <p:strVal val="#ppt_y+1"/>
+                                          </p:val>
+                                        </p:tav>
+                                        <p:tav tm="100000">
+                                          <p:val>
+                                            <p:strVal val="#ppt_y-.03"/>
+                                          </p:val>
+                                        </p:tav>
+                                      </p:tavLst>
+                                    </p:anim>
+                                    <p:anim calcmode="lin" valueType="num">
+                                      <p:cBhvr>
+                                        <p:cTn id="10" dur="100" accel="100000" fill="hold">
+                                          <p:stCondLst>
+                                            <p:cond delay="900"/>
+                                          </p:stCondLst>
+                                        </p:cTn>
+                                        <p:tgtEl>
+                                          <p:spTgt spid="4"/>
+                                        </p:tgtEl>
+                                        <p:attrNameLst>
+                                          <p:attrName>ppt_y</p:attrName>
+                                        </p:attrNameLst>
+                                      </p:cBhvr>
+                                      <p:tavLst>
+                                        <p:tav tm="0">
+                                          <p:val>
+                                            <p:strVal val="#ppt_y-.03"/>
                                           </p:val>
                                         </p:tav>
                                         <p:tav tm="100000">
@@ -31295,20 +32786,20 @@
                                 </p:cTn>
                               </p:par>
                               <p:par>
-                                <p:cTn id="10" presetID="22" presetClass="entr" presetSubtype="8" fill="hold" nodeType="withEffect">
+                                <p:cTn id="11" presetID="37" presetClass="entr" presetSubtype="0" fill="hold" grpId="0" nodeType="withEffect">
                                   <p:stCondLst>
                                     <p:cond delay="0"/>
                                   </p:stCondLst>
                                   <p:childTnLst>
                                     <p:set>
                                       <p:cBhvr>
-                                        <p:cTn id="11" dur="1" fill="hold">
+                                        <p:cTn id="12" dur="1" fill="hold">
                                           <p:stCondLst>
                                             <p:cond delay="0"/>
                                           </p:stCondLst>
                                         </p:cTn>
                                         <p:tgtEl>
-                                          <p:spTgt spid="26"/>
+                                          <p:spTgt spid="31"/>
                                         </p:tgtEl>
                                         <p:attrNameLst>
                                           <p:attrName>style.visibility</p:attrName>
@@ -31318,14 +32809,87 @@
                                         <p:strVal val="visible"/>
                                       </p:to>
                                     </p:set>
-                                    <p:animEffect transition="in" filter="wipe(left)">
+                                    <p:animEffect transition="in" filter="fade">
                                       <p:cBhvr>
-                                        <p:cTn id="12" dur="500"/>
+                                        <p:cTn id="13" dur="1000"/>
                                         <p:tgtEl>
-                                          <p:spTgt spid="26"/>
+                                          <p:spTgt spid="31"/>
                                         </p:tgtEl>
                                       </p:cBhvr>
                                     </p:animEffect>
+                                    <p:anim calcmode="lin" valueType="num">
+                                      <p:cBhvr>
+                                        <p:cTn id="14" dur="1000" fill="hold"/>
+                                        <p:tgtEl>
+                                          <p:spTgt spid="31"/>
+                                        </p:tgtEl>
+                                        <p:attrNameLst>
+                                          <p:attrName>ppt_x</p:attrName>
+                                        </p:attrNameLst>
+                                      </p:cBhvr>
+                                      <p:tavLst>
+                                        <p:tav tm="0">
+                                          <p:val>
+                                            <p:strVal val="#ppt_x"/>
+                                          </p:val>
+                                        </p:tav>
+                                        <p:tav tm="100000">
+                                          <p:val>
+                                            <p:strVal val="#ppt_x"/>
+                                          </p:val>
+                                        </p:tav>
+                                      </p:tavLst>
+                                    </p:anim>
+                                    <p:anim calcmode="lin" valueType="num">
+                                      <p:cBhvr>
+                                        <p:cTn id="15" dur="900" decel="100000" fill="hold"/>
+                                        <p:tgtEl>
+                                          <p:spTgt spid="31"/>
+                                        </p:tgtEl>
+                                        <p:attrNameLst>
+                                          <p:attrName>ppt_y</p:attrName>
+                                        </p:attrNameLst>
+                                      </p:cBhvr>
+                                      <p:tavLst>
+                                        <p:tav tm="0">
+                                          <p:val>
+                                            <p:strVal val="#ppt_y+1"/>
+                                          </p:val>
+                                        </p:tav>
+                                        <p:tav tm="100000">
+                                          <p:val>
+                                            <p:strVal val="#ppt_y-.03"/>
+                                          </p:val>
+                                        </p:tav>
+                                      </p:tavLst>
+                                    </p:anim>
+                                    <p:anim calcmode="lin" valueType="num">
+                                      <p:cBhvr>
+                                        <p:cTn id="16" dur="100" accel="100000" fill="hold">
+                                          <p:stCondLst>
+                                            <p:cond delay="900"/>
+                                          </p:stCondLst>
+                                        </p:cTn>
+                                        <p:tgtEl>
+                                          <p:spTgt spid="31"/>
+                                        </p:tgtEl>
+                                        <p:attrNameLst>
+                                          <p:attrName>ppt_y</p:attrName>
+                                        </p:attrNameLst>
+                                      </p:cBhvr>
+                                      <p:tavLst>
+                                        <p:tav tm="0">
+                                          <p:val>
+                                            <p:strVal val="#ppt_y-.03"/>
+                                          </p:val>
+                                        </p:tav>
+                                        <p:tav tm="100000">
+                                          <p:val>
+                                            <p:strVal val="#ppt_y"/>
+                                          </p:val>
+                                        </p:tav>
+                                      </p:tavLst>
+                                    </p:anim>
                                   </p:childTnLst>
                                 </p:cTn>
                               </p:par>
@@ -31356,11 +32920,14 @@
         </p:cTn>
       </p:par>
     </p:tnLst>
+    <p:bldLst>
+      <p:bldP spid="31" grpId="0"/>
+    </p:bldLst>
   </p:timing>
 </p:sld>
 </file>
 
-<file path=ppt/slides/slide7.xml><?xml version="1.0" encoding="utf-8"?>
+<file path=ppt/slides/slide8.xml><?xml version="1.0" encoding="utf-8"?>
 <p:sld xmlns:a="http://schemas.openxmlformats.org/drawingml/2006/main" xmlns:r="http://schemas.openxmlformats.org/officeDocument/2006/relationships" xmlns:p="http://schemas.openxmlformats.org/presentationml/2006/main">
   <p:cSld>
     <p:spTree>
